--- a/slides/TDD Day 1.pptx
+++ b/slides/TDD Day 1.pptx
@@ -7,27 +7,28 @@
   <p:sldIdLst>
     <p:sldId id="256" r:id="rId2"/>
     <p:sldId id="258" r:id="rId3"/>
-    <p:sldId id="260" r:id="rId4"/>
-    <p:sldId id="265" r:id="rId5"/>
-    <p:sldId id="267" r:id="rId6"/>
-    <p:sldId id="268" r:id="rId7"/>
-    <p:sldId id="269" r:id="rId8"/>
-    <p:sldId id="270" r:id="rId9"/>
-    <p:sldId id="261" r:id="rId10"/>
-    <p:sldId id="262" r:id="rId11"/>
-    <p:sldId id="263" r:id="rId12"/>
-    <p:sldId id="264" r:id="rId13"/>
-    <p:sldId id="271" r:id="rId14"/>
-    <p:sldId id="273" r:id="rId15"/>
-    <p:sldId id="274" r:id="rId16"/>
-    <p:sldId id="275" r:id="rId17"/>
-    <p:sldId id="276" r:id="rId18"/>
-    <p:sldId id="277" r:id="rId19"/>
-    <p:sldId id="278" r:id="rId20"/>
-    <p:sldId id="279" r:id="rId21"/>
-    <p:sldId id="280" r:id="rId22"/>
-    <p:sldId id="281" r:id="rId23"/>
-    <p:sldId id="282" r:id="rId24"/>
+    <p:sldId id="283" r:id="rId4"/>
+    <p:sldId id="260" r:id="rId5"/>
+    <p:sldId id="265" r:id="rId6"/>
+    <p:sldId id="267" r:id="rId7"/>
+    <p:sldId id="268" r:id="rId8"/>
+    <p:sldId id="269" r:id="rId9"/>
+    <p:sldId id="270" r:id="rId10"/>
+    <p:sldId id="261" r:id="rId11"/>
+    <p:sldId id="262" r:id="rId12"/>
+    <p:sldId id="263" r:id="rId13"/>
+    <p:sldId id="264" r:id="rId14"/>
+    <p:sldId id="271" r:id="rId15"/>
+    <p:sldId id="273" r:id="rId16"/>
+    <p:sldId id="274" r:id="rId17"/>
+    <p:sldId id="275" r:id="rId18"/>
+    <p:sldId id="276" r:id="rId19"/>
+    <p:sldId id="277" r:id="rId20"/>
+    <p:sldId id="278" r:id="rId21"/>
+    <p:sldId id="279" r:id="rId22"/>
+    <p:sldId id="280" r:id="rId23"/>
+    <p:sldId id="281" r:id="rId24"/>
+    <p:sldId id="282" r:id="rId25"/>
   </p:sldIdLst>
   <p:sldSz cx="9144000" cy="6858000" type="screen4x3"/>
   <p:notesSz cx="6858000" cy="9144000"/>
@@ -310,7 +311,7 @@
           <a:p>
             <a:fld id="{6BFECD78-3C8E-49F2-8FAB-59489D168ABB}" type="datetimeFigureOut">
               <a:rPr lang="en-US" smtClean="0"/>
-              <a:t>9/11/16</a:t>
+              <a:t>9/12/16</a:t>
             </a:fld>
             <a:endParaRPr lang="en-US"/>
           </a:p>
@@ -480,7 +481,7 @@
           <a:p>
             <a:fld id="{6BFECD78-3C8E-49F2-8FAB-59489D168ABB}" type="datetimeFigureOut">
               <a:rPr lang="en-US" smtClean="0"/>
-              <a:t>9/11/16</a:t>
+              <a:t>9/12/16</a:t>
             </a:fld>
             <a:endParaRPr lang="en-US"/>
           </a:p>
@@ -660,7 +661,7 @@
           <a:p>
             <a:fld id="{6BFECD78-3C8E-49F2-8FAB-59489D168ABB}" type="datetimeFigureOut">
               <a:rPr lang="en-US" smtClean="0"/>
-              <a:t>9/11/16</a:t>
+              <a:t>9/12/16</a:t>
             </a:fld>
             <a:endParaRPr lang="en-US"/>
           </a:p>
@@ -830,7 +831,7 @@
           <a:p>
             <a:fld id="{6BFECD78-3C8E-49F2-8FAB-59489D168ABB}" type="datetimeFigureOut">
               <a:rPr lang="en-US" smtClean="0"/>
-              <a:t>9/11/16</a:t>
+              <a:t>9/12/16</a:t>
             </a:fld>
             <a:endParaRPr lang="en-US"/>
           </a:p>
@@ -1076,7 +1077,7 @@
           <a:p>
             <a:fld id="{6BFECD78-3C8E-49F2-8FAB-59489D168ABB}" type="datetimeFigureOut">
               <a:rPr lang="en-US" smtClean="0"/>
-              <a:t>9/11/16</a:t>
+              <a:t>9/12/16</a:t>
             </a:fld>
             <a:endParaRPr lang="en-US"/>
           </a:p>
@@ -1364,7 +1365,7 @@
           <a:p>
             <a:fld id="{6BFECD78-3C8E-49F2-8FAB-59489D168ABB}" type="datetimeFigureOut">
               <a:rPr lang="en-US" smtClean="0"/>
-              <a:t>9/11/16</a:t>
+              <a:t>9/12/16</a:t>
             </a:fld>
             <a:endParaRPr lang="en-US"/>
           </a:p>
@@ -1786,7 +1787,7 @@
           <a:p>
             <a:fld id="{6BFECD78-3C8E-49F2-8FAB-59489D168ABB}" type="datetimeFigureOut">
               <a:rPr lang="en-US" smtClean="0"/>
-              <a:t>9/11/16</a:t>
+              <a:t>9/12/16</a:t>
             </a:fld>
             <a:endParaRPr lang="en-US"/>
           </a:p>
@@ -1904,7 +1905,7 @@
           <a:p>
             <a:fld id="{6BFECD78-3C8E-49F2-8FAB-59489D168ABB}" type="datetimeFigureOut">
               <a:rPr lang="en-US" smtClean="0"/>
-              <a:t>9/11/16</a:t>
+              <a:t>9/12/16</a:t>
             </a:fld>
             <a:endParaRPr lang="en-US"/>
           </a:p>
@@ -1999,7 +2000,7 @@
           <a:p>
             <a:fld id="{6BFECD78-3C8E-49F2-8FAB-59489D168ABB}" type="datetimeFigureOut">
               <a:rPr lang="en-US" smtClean="0"/>
-              <a:t>9/11/16</a:t>
+              <a:t>9/12/16</a:t>
             </a:fld>
             <a:endParaRPr lang="en-US"/>
           </a:p>
@@ -2276,7 +2277,7 @@
           <a:p>
             <a:fld id="{6BFECD78-3C8E-49F2-8FAB-59489D168ABB}" type="datetimeFigureOut">
               <a:rPr lang="en-US" smtClean="0"/>
-              <a:t>9/11/16</a:t>
+              <a:t>9/12/16</a:t>
             </a:fld>
             <a:endParaRPr lang="en-US"/>
           </a:p>
@@ -2533,7 +2534,7 @@
           <a:p>
             <a:fld id="{6BFECD78-3C8E-49F2-8FAB-59489D168ABB}" type="datetimeFigureOut">
               <a:rPr lang="en-US" smtClean="0"/>
-              <a:t>9/11/16</a:t>
+              <a:t>9/12/16</a:t>
             </a:fld>
             <a:endParaRPr lang="en-US"/>
           </a:p>
@@ -2746,7 +2747,7 @@
           <a:p>
             <a:fld id="{6BFECD78-3C8E-49F2-8FAB-59489D168ABB}" type="datetimeFigureOut">
               <a:rPr lang="en-US" smtClean="0"/>
-              <a:t>9/11/16</a:t>
+              <a:t>9/12/16</a:t>
             </a:fld>
             <a:endParaRPr lang="en-US"/>
           </a:p>
@@ -3242,7 +3243,7 @@
           <a:p>
             <a:r>
               <a:rPr lang="en-US" dirty="0" smtClean="0"/>
-              <a:t>Core Concepts: Unit tests</a:t>
+              <a:t>Core Concepts: TDD &amp; BDD</a:t>
             </a:r>
             <a:endParaRPr lang="en-US" dirty="0"/>
           </a:p>
@@ -3276,7 +3277,37 @@
             </a:pPr>
             <a:r>
               <a:rPr lang="en-US" sz="2000" dirty="0" smtClean="0"/>
-              <a:t>Unit tests</a:t>
+              <a:t>TDD</a:t>
+            </a:r>
+          </a:p>
+          <a:p>
+            <a:pPr marL="800100" lvl="1" indent="-342900" algn="l">
+              <a:buFont typeface="Arial"/>
+              <a:buChar char="•"/>
+            </a:pPr>
+            <a:r>
+              <a:rPr lang="en-US" sz="1600" dirty="0" smtClean="0"/>
+              <a:t>Test Driven Development means write a failing test first</a:t>
+            </a:r>
+          </a:p>
+          <a:p>
+            <a:pPr marL="800100" lvl="1" indent="-342900" algn="l">
+              <a:buFont typeface="Arial"/>
+              <a:buChar char="•"/>
+            </a:pPr>
+            <a:r>
+              <a:rPr lang="en-US" sz="1600" dirty="0" smtClean="0"/>
+              <a:t>Then write functionality to make test pass</a:t>
+            </a:r>
+          </a:p>
+          <a:p>
+            <a:pPr marL="800100" lvl="1" indent="-342900" algn="l">
+              <a:buFont typeface="Arial"/>
+              <a:buChar char="•"/>
+            </a:pPr>
+            <a:r>
+              <a:rPr lang="en-US" sz="1600" dirty="0" smtClean="0"/>
+              <a:t>Only what's needed to make test pass and no more</a:t>
             </a:r>
           </a:p>
           <a:p>
@@ -3286,7 +3317,27 @@
             </a:pPr>
             <a:r>
               <a:rPr lang="en-US" sz="2000" dirty="0" smtClean="0"/>
-              <a:t>The smallest possible pieces of functionality</a:t>
+              <a:t>BDD</a:t>
+            </a:r>
+          </a:p>
+          <a:p>
+            <a:pPr marL="800100" lvl="1" indent="-342900" algn="l">
+              <a:buFont typeface="Arial"/>
+              <a:buChar char="•"/>
+            </a:pPr>
+            <a:r>
+              <a:rPr lang="en-US" sz="1600" dirty="0" smtClean="0"/>
+              <a:t>Behavior Driven Development means write test objectives in plain English</a:t>
+            </a:r>
+          </a:p>
+          <a:p>
+            <a:pPr marL="800100" lvl="1" indent="-342900" algn="l">
+              <a:buFont typeface="Arial"/>
+              <a:buChar char="•"/>
+            </a:pPr>
+            <a:r>
+              <a:rPr lang="en-US" sz="1600" dirty="0" smtClean="0"/>
+              <a:t>Simultaneously define and implement the API that the code exposes</a:t>
             </a:r>
           </a:p>
           <a:p>
@@ -3296,26 +3347,73 @@
             </a:pPr>
             <a:r>
               <a:rPr lang="en-US" sz="2000" dirty="0" smtClean="0"/>
-              <a:t>Fast, fast, fast</a:t>
-            </a:r>
-          </a:p>
-          <a:p>
-            <a:pPr marL="342900" indent="-342900" algn="l">
-              <a:buFont typeface="Arial"/>
-              <a:buChar char="•"/>
-            </a:pPr>
-            <a:r>
-              <a:rPr lang="en-US" sz="2000" dirty="0" smtClean="0"/>
-              <a:t>Robust (opposite of fragile)</a:t>
-            </a:r>
-            <a:endParaRPr lang="en-US" sz="1600" dirty="0" smtClean="0"/>
+              <a:t>Benefits</a:t>
+            </a:r>
+          </a:p>
+          <a:p>
+            <a:pPr marL="800100" lvl="1" indent="-342900" algn="l">
+              <a:buFont typeface="Arial"/>
+              <a:buChar char="•"/>
+            </a:pPr>
+            <a:r>
+              <a:rPr lang="en-US" sz="1600" dirty="0" smtClean="0"/>
+              <a:t>TDD enables confident refactoring</a:t>
+            </a:r>
+          </a:p>
+          <a:p>
+            <a:pPr marL="800100" lvl="1" indent="-342900" algn="l">
+              <a:buFont typeface="Arial"/>
+              <a:buChar char="•"/>
+            </a:pPr>
+            <a:r>
+              <a:rPr lang="en-US" sz="1600" dirty="0" smtClean="0"/>
+              <a:t>TDD </a:t>
+            </a:r>
+            <a:r>
+              <a:rPr lang="en-US" sz="1600" dirty="0"/>
+              <a:t>prevents against premature </a:t>
+            </a:r>
+            <a:r>
+              <a:rPr lang="en-US" sz="1600" dirty="0" smtClean="0"/>
+              <a:t>optimization</a:t>
+            </a:r>
+          </a:p>
+          <a:p>
+            <a:pPr marL="800100" lvl="1" indent="-342900" algn="l">
+              <a:buFont typeface="Arial"/>
+              <a:buChar char="•"/>
+            </a:pPr>
+            <a:r>
+              <a:rPr lang="en-US" sz="1600" dirty="0" smtClean="0"/>
+              <a:t>TDD results in better code coverage</a:t>
+            </a:r>
+          </a:p>
+          <a:p>
+            <a:pPr marL="800100" lvl="1" indent="-342900" algn="l">
+              <a:buFont typeface="Arial"/>
+              <a:buChar char="•"/>
+            </a:pPr>
+            <a:r>
+              <a:rPr lang="en-US" sz="1600" dirty="0" smtClean="0"/>
+              <a:t>BDD promotes clear communication with stakeholders</a:t>
+            </a:r>
+          </a:p>
+          <a:p>
+            <a:pPr marL="800100" lvl="1" indent="-342900" algn="l">
+              <a:buFont typeface="Arial"/>
+              <a:buChar char="•"/>
+            </a:pPr>
+            <a:r>
+              <a:rPr lang="en-US" sz="1600" dirty="0" smtClean="0"/>
+              <a:t>BDD serves as living documentation</a:t>
+            </a:r>
           </a:p>
         </p:txBody>
       </p:sp>
     </p:spTree>
     <p:extLst>
       <p:ext uri="{BB962C8B-B14F-4D97-AF65-F5344CB8AC3E}">
-        <p14:creationId xmlns:p14="http://schemas.microsoft.com/office/powerpoint/2010/main" val="1622738569"/>
+        <p14:creationId xmlns:p14="http://schemas.microsoft.com/office/powerpoint/2010/main" val="3354719638"/>
       </p:ext>
     </p:extLst>
   </p:cSld>
@@ -3371,6 +3469,135 @@
           <a:p>
             <a:r>
               <a:rPr lang="en-US" dirty="0" smtClean="0"/>
+              <a:t>Core Concepts: Unit tests</a:t>
+            </a:r>
+            <a:endParaRPr lang="en-US" dirty="0"/>
+          </a:p>
+        </p:txBody>
+      </p:sp>
+      <p:sp>
+        <p:nvSpPr>
+          <p:cNvPr id="3" name="Subtitle 2"/>
+          <p:cNvSpPr>
+            <a:spLocks noGrp="1"/>
+          </p:cNvSpPr>
+          <p:nvPr>
+            <p:ph type="subTitle" idx="1"/>
+          </p:nvPr>
+        </p:nvSpPr>
+        <p:spPr>
+          <a:xfrm>
+            <a:off x="454651" y="1630710"/>
+            <a:ext cx="8371875" cy="4609893"/>
+          </a:xfrm>
+        </p:spPr>
+        <p:txBody>
+          <a:bodyPr>
+            <a:normAutofit/>
+          </a:bodyPr>
+          <a:lstStyle/>
+          <a:p>
+            <a:pPr marL="342900" indent="-342900" algn="l">
+              <a:buFont typeface="Arial"/>
+              <a:buChar char="•"/>
+            </a:pPr>
+            <a:r>
+              <a:rPr lang="en-US" sz="2000" dirty="0" smtClean="0"/>
+              <a:t>Unit tests</a:t>
+            </a:r>
+          </a:p>
+          <a:p>
+            <a:pPr marL="342900" indent="-342900" algn="l">
+              <a:buFont typeface="Arial"/>
+              <a:buChar char="•"/>
+            </a:pPr>
+            <a:r>
+              <a:rPr lang="en-US" sz="2000" dirty="0" smtClean="0"/>
+              <a:t>The smallest possible pieces of functionality</a:t>
+            </a:r>
+          </a:p>
+          <a:p>
+            <a:pPr marL="342900" indent="-342900" algn="l">
+              <a:buFont typeface="Arial"/>
+              <a:buChar char="•"/>
+            </a:pPr>
+            <a:r>
+              <a:rPr lang="en-US" sz="2000" dirty="0" smtClean="0"/>
+              <a:t>Fast, fast, fast</a:t>
+            </a:r>
+          </a:p>
+          <a:p>
+            <a:pPr marL="342900" indent="-342900" algn="l">
+              <a:buFont typeface="Arial"/>
+              <a:buChar char="•"/>
+            </a:pPr>
+            <a:r>
+              <a:rPr lang="en-US" sz="2000" dirty="0" smtClean="0"/>
+              <a:t>Robust (opposite of fragile)</a:t>
+            </a:r>
+            <a:endParaRPr lang="en-US" sz="1600" dirty="0" smtClean="0"/>
+          </a:p>
+        </p:txBody>
+      </p:sp>
+    </p:spTree>
+    <p:extLst>
+      <p:ext uri="{BB962C8B-B14F-4D97-AF65-F5344CB8AC3E}">
+        <p14:creationId xmlns:p14="http://schemas.microsoft.com/office/powerpoint/2010/main" val="1622738569"/>
+      </p:ext>
+    </p:extLst>
+  </p:cSld>
+  <p:clrMapOvr>
+    <a:masterClrMapping/>
+  </p:clrMapOvr>
+  <p:timing>
+    <p:tnLst>
+      <p:par>
+        <p:cTn xmlns:p14="http://schemas.microsoft.com/office/powerpoint/2010/main" id="1" dur="indefinite" restart="never" nodeType="tmRoot"/>
+      </p:par>
+    </p:tnLst>
+  </p:timing>
+</p:sld>
+</file>
+
+<file path=ppt/slides/slide12.xml><?xml version="1.0" encoding="utf-8"?>
+<p:sld xmlns:a="http://schemas.openxmlformats.org/drawingml/2006/main" xmlns:r="http://schemas.openxmlformats.org/officeDocument/2006/relationships" xmlns:p="http://schemas.openxmlformats.org/presentationml/2006/main">
+  <p:cSld>
+    <p:spTree>
+      <p:nvGrpSpPr>
+        <p:cNvPr id="1" name=""/>
+        <p:cNvGrpSpPr/>
+        <p:nvPr/>
+      </p:nvGrpSpPr>
+      <p:grpSpPr>
+        <a:xfrm>
+          <a:off x="0" y="0"/>
+          <a:ext cx="0" cy="0"/>
+          <a:chOff x="0" y="0"/>
+          <a:chExt cx="0" cy="0"/>
+        </a:xfrm>
+      </p:grpSpPr>
+      <p:sp>
+        <p:nvSpPr>
+          <p:cNvPr id="2" name="Title 1"/>
+          <p:cNvSpPr>
+            <a:spLocks noGrp="1"/>
+          </p:cNvSpPr>
+          <p:nvPr>
+            <p:ph type="ctrTitle"/>
+          </p:nvPr>
+        </p:nvSpPr>
+        <p:spPr>
+          <a:xfrm>
+            <a:off x="685800" y="160685"/>
+            <a:ext cx="7772400" cy="1470025"/>
+          </a:xfrm>
+        </p:spPr>
+        <p:txBody>
+          <a:bodyPr/>
+          <a:lstStyle/>
+          <a:p>
+            <a:r>
+              <a:rPr lang="en-US" dirty="0" smtClean="0"/>
               <a:t>Core Concepts: E2E tests</a:t>
             </a:r>
             <a:endParaRPr lang="en-US" dirty="0"/>
@@ -3460,7 +3687,7 @@
 </p:sld>
 </file>
 
-<file path=ppt/slides/slide12.xml><?xml version="1.0" encoding="utf-8"?>
+<file path=ppt/slides/slide13.xml><?xml version="1.0" encoding="utf-8"?>
 <p:sld xmlns:a="http://schemas.openxmlformats.org/drawingml/2006/main" xmlns:r="http://schemas.openxmlformats.org/officeDocument/2006/relationships" xmlns:p="http://schemas.openxmlformats.org/presentationml/2006/main">
   <p:cSld>
     <p:spTree>
@@ -3779,147 +4006,6 @@
 </p:sld>
 </file>
 
-<file path=ppt/slides/slide13.xml><?xml version="1.0" encoding="utf-8"?>
-<p:sld xmlns:a="http://schemas.openxmlformats.org/drawingml/2006/main" xmlns:r="http://schemas.openxmlformats.org/officeDocument/2006/relationships" xmlns:p="http://schemas.openxmlformats.org/presentationml/2006/main">
-  <p:cSld>
-    <p:spTree>
-      <p:nvGrpSpPr>
-        <p:cNvPr id="1" name=""/>
-        <p:cNvGrpSpPr/>
-        <p:nvPr/>
-      </p:nvGrpSpPr>
-      <p:grpSpPr>
-        <a:xfrm>
-          <a:off x="0" y="0"/>
-          <a:ext cx="0" cy="0"/>
-          <a:chOff x="0" y="0"/>
-          <a:chExt cx="0" cy="0"/>
-        </a:xfrm>
-      </p:grpSpPr>
-      <p:sp>
-        <p:nvSpPr>
-          <p:cNvPr id="2" name="Title 1"/>
-          <p:cNvSpPr>
-            <a:spLocks noGrp="1"/>
-          </p:cNvSpPr>
-          <p:nvPr>
-            <p:ph type="ctrTitle"/>
-          </p:nvPr>
-        </p:nvSpPr>
-        <p:spPr>
-          <a:xfrm>
-            <a:off x="685800" y="160685"/>
-            <a:ext cx="7772400" cy="1470025"/>
-          </a:xfrm>
-        </p:spPr>
-        <p:txBody>
-          <a:bodyPr/>
-          <a:lstStyle/>
-          <a:p>
-            <a:r>
-              <a:rPr lang="en-US" dirty="0" smtClean="0"/>
-              <a:t>Tests in practice</a:t>
-            </a:r>
-            <a:endParaRPr lang="en-US" dirty="0"/>
-          </a:p>
-        </p:txBody>
-      </p:sp>
-      <p:sp>
-        <p:nvSpPr>
-          <p:cNvPr id="3" name="Subtitle 2"/>
-          <p:cNvSpPr>
-            <a:spLocks noGrp="1"/>
-          </p:cNvSpPr>
-          <p:nvPr>
-            <p:ph type="subTitle" idx="1"/>
-          </p:nvPr>
-        </p:nvSpPr>
-        <p:spPr>
-          <a:xfrm>
-            <a:off x="454651" y="1630710"/>
-            <a:ext cx="8371875" cy="4609893"/>
-          </a:xfrm>
-        </p:spPr>
-        <p:txBody>
-          <a:bodyPr>
-            <a:normAutofit/>
-          </a:bodyPr>
-          <a:lstStyle/>
-          <a:p>
-            <a:pPr marL="342900" indent="-342900" algn="l">
-              <a:buFont typeface="Arial"/>
-              <a:buChar char="•"/>
-            </a:pPr>
-            <a:r>
-              <a:rPr lang="en-US" sz="2000" dirty="0" smtClean="0"/>
-              <a:t>Tests have to get run in order to be effective</a:t>
-            </a:r>
-          </a:p>
-          <a:p>
-            <a:pPr marL="342900" indent="-342900" algn="l">
-              <a:buFont typeface="Arial"/>
-              <a:buChar char="•"/>
-            </a:pPr>
-            <a:r>
-              <a:rPr lang="en-US" sz="2000" dirty="0" smtClean="0"/>
-              <a:t>Tools have to work well</a:t>
-            </a:r>
-          </a:p>
-          <a:p>
-            <a:pPr marL="342900" indent="-342900" algn="l">
-              <a:buFont typeface="Arial"/>
-              <a:buChar char="•"/>
-            </a:pPr>
-            <a:r>
-              <a:rPr lang="en-US" sz="2000" dirty="0" smtClean="0"/>
-              <a:t>Different tests at different times…</a:t>
-            </a:r>
-          </a:p>
-          <a:p>
-            <a:pPr marL="342900" indent="-342900" algn="l">
-              <a:buFont typeface="Arial"/>
-              <a:buChar char="•"/>
-            </a:pPr>
-            <a:r>
-              <a:rPr lang="en-US" sz="2000" dirty="0" smtClean="0"/>
-              <a:t>Units : development</a:t>
-            </a:r>
-            <a:r>
-              <a:rPr lang="en-US" sz="2000" dirty="0"/>
-              <a:t> process</a:t>
-            </a:r>
-            <a:r>
-              <a:rPr lang="en-US" sz="2000" dirty="0" smtClean="0"/>
-              <a:t> :: E2E : deployment </a:t>
-            </a:r>
-            <a:r>
-              <a:rPr lang="en-US" sz="2000" dirty="0" smtClean="0"/>
-              <a:t>process</a:t>
-            </a:r>
-            <a:endParaRPr lang="en-US" sz="2000" dirty="0" smtClean="0"/>
-          </a:p>
-        </p:txBody>
-      </p:sp>
-    </p:spTree>
-    <p:extLst>
-      <p:ext uri="{BB962C8B-B14F-4D97-AF65-F5344CB8AC3E}">
-        <p14:creationId xmlns:p14="http://schemas.microsoft.com/office/powerpoint/2010/main" val="3910608230"/>
-      </p:ext>
-    </p:extLst>
-  </p:cSld>
-  <p:clrMapOvr>
-    <a:masterClrMapping/>
-  </p:clrMapOvr>
-  <p:timing>
-    <p:tnLst>
-      <p:par>
-        <p:cTn xmlns:p14="http://schemas.microsoft.com/office/powerpoint/2010/main" id="1" dur="indefinite" restart="never" nodeType="tmRoot"/>
-      </p:par>
-    </p:tnLst>
-  </p:timing>
-</p:sld>
-</file>
-
 <file path=ppt/slides/slide14.xml><?xml version="1.0" encoding="utf-8"?>
 <p:sld xmlns:a="http://schemas.openxmlformats.org/drawingml/2006/main" xmlns:r="http://schemas.openxmlformats.org/officeDocument/2006/relationships" xmlns:p="http://schemas.openxmlformats.org/presentationml/2006/main">
   <p:cSld>
@@ -3959,7 +4045,7 @@
           <a:p>
             <a:r>
               <a:rPr lang="en-US" dirty="0" smtClean="0"/>
-              <a:t>Good Tests</a:t>
+              <a:t>Tests in practice</a:t>
             </a:r>
             <a:endParaRPr lang="en-US" dirty="0"/>
           </a:p>
@@ -3987,151 +4073,59 @@
           </a:bodyPr>
           <a:lstStyle/>
           <a:p>
-            <a:pPr algn="l"/>
+            <a:pPr marL="342900" indent="-342900" algn="l">
+              <a:buFont typeface="Arial"/>
+              <a:buChar char="•"/>
+            </a:pPr>
+            <a:r>
+              <a:rPr lang="en-US" sz="2000" dirty="0" smtClean="0"/>
+              <a:t>Tests have to get run in order to be effective</a:t>
+            </a:r>
+          </a:p>
+          <a:p>
+            <a:pPr marL="342900" indent="-342900" algn="l">
+              <a:buFont typeface="Arial"/>
+              <a:buChar char="•"/>
+            </a:pPr>
+            <a:r>
+              <a:rPr lang="en-US" sz="2000" dirty="0" smtClean="0"/>
+              <a:t>Tools have to work well</a:t>
+            </a:r>
+          </a:p>
+          <a:p>
+            <a:pPr marL="342900" indent="-342900" algn="l">
+              <a:buFont typeface="Arial"/>
+              <a:buChar char="•"/>
+            </a:pPr>
+            <a:r>
+              <a:rPr lang="en-US" sz="2000" dirty="0" smtClean="0"/>
+              <a:t>Different tests at different times…</a:t>
+            </a:r>
+          </a:p>
+          <a:p>
+            <a:pPr marL="342900" indent="-342900" algn="l">
+              <a:buFont typeface="Arial"/>
+              <a:buChar char="•"/>
+            </a:pPr>
+            <a:r>
+              <a:rPr lang="en-US" sz="2000" dirty="0" smtClean="0"/>
+              <a:t>Units : development</a:t>
+            </a:r>
             <a:r>
               <a:rPr lang="en-US" sz="2000" dirty="0"/>
-              <a:t>Designing good test cases is a complex art. The complexity comes from </a:t>
+              <a:t> process</a:t>
             </a:r>
             <a:r>
               <a:rPr lang="en-US" sz="2000" dirty="0" smtClean="0"/>
-              <a:t>three sources</a:t>
-            </a:r>
-            <a:r>
-              <a:rPr lang="en-US" sz="2000" dirty="0"/>
-              <a:t>:</a:t>
-            </a:r>
-          </a:p>
-          <a:p>
-            <a:pPr marL="342900" indent="-342900" algn="l">
-              <a:buFont typeface="Arial"/>
-              <a:buChar char="•"/>
-            </a:pPr>
-            <a:r>
-              <a:rPr lang="en-US" sz="2000" dirty="0" smtClean="0"/>
-              <a:t>Test </a:t>
-            </a:r>
-            <a:r>
-              <a:rPr lang="en-US" sz="2000" dirty="0"/>
-              <a:t>cases help us discover information. Different types of tests are more</a:t>
-            </a:r>
-          </a:p>
-          <a:p>
-            <a:pPr algn="l"/>
-            <a:r>
-              <a:rPr lang="en-US" sz="2000" dirty="0"/>
-              <a:t>effective for different classes of information.</a:t>
-            </a:r>
-          </a:p>
-          <a:p>
-            <a:pPr marL="342900" indent="-342900" algn="l">
-              <a:buFont typeface="Arial"/>
-              <a:buChar char="•"/>
-            </a:pPr>
-            <a:r>
-              <a:rPr lang="en-US" sz="2000" dirty="0" smtClean="0"/>
-              <a:t>Test </a:t>
-            </a:r>
-            <a:r>
-              <a:rPr lang="en-US" sz="2000" dirty="0"/>
-              <a:t>cases can be “good” in a variety of ways. No test case will be good </a:t>
-            </a:r>
-            <a:r>
-              <a:rPr lang="en-US" sz="2000" dirty="0" smtClean="0"/>
-              <a:t>in all </a:t>
-            </a:r>
-            <a:r>
-              <a:rPr lang="en-US" sz="2000" dirty="0"/>
-              <a:t>of them.</a:t>
-            </a:r>
-          </a:p>
-          <a:p>
-            <a:pPr marL="342900" indent="-342900" algn="l">
-              <a:buFont typeface="Arial"/>
-              <a:buChar char="•"/>
-            </a:pPr>
-            <a:r>
-              <a:rPr lang="en-US" sz="2000" dirty="0" smtClean="0"/>
-              <a:t>People </a:t>
-            </a:r>
-            <a:r>
-              <a:rPr lang="en-US" sz="2000" dirty="0"/>
-              <a:t>tend to create test cases according to certain testing styles, such </a:t>
-            </a:r>
-            <a:r>
-              <a:rPr lang="en-US" sz="2000" dirty="0" smtClean="0"/>
-              <a:t>as domain </a:t>
-            </a:r>
-            <a:r>
-              <a:rPr lang="en-US" sz="2000" dirty="0"/>
-              <a:t>testing or risk-based testing. Good domain tests are different </a:t>
-            </a:r>
-            <a:r>
-              <a:rPr lang="en-US" sz="2000" dirty="0" smtClean="0"/>
-              <a:t>from good </a:t>
-            </a:r>
-            <a:r>
-              <a:rPr lang="en-US" sz="2000" dirty="0"/>
-              <a:t>risk-based tests. </a:t>
-            </a:r>
-            <a:endParaRPr lang="en-US" sz="2000" dirty="0" smtClean="0"/>
-          </a:p>
-          <a:p>
-            <a:pPr marL="342900" indent="-342900" algn="l">
-              <a:buFont typeface="Arial"/>
-              <a:buChar char="•"/>
-            </a:pPr>
-            <a:endParaRPr lang="en-US" sz="2000" dirty="0"/>
-          </a:p>
-          <a:p>
-            <a:pPr algn="l"/>
-            <a:r>
-              <a:rPr lang="en-US" sz="2000" dirty="0" smtClean="0"/>
-              <a:t>- </a:t>
-            </a:r>
-            <a:r>
-              <a:rPr lang="en-US" sz="2000" dirty="0" err="1" smtClean="0"/>
-              <a:t>Cem</a:t>
-            </a:r>
-            <a:r>
-              <a:rPr lang="en-US" sz="2000" dirty="0" smtClean="0"/>
-              <a:t> </a:t>
-            </a:r>
-            <a:r>
-              <a:rPr lang="en-US" sz="2000" dirty="0" err="1" smtClean="0"/>
-              <a:t>Kaner</a:t>
-            </a:r>
-            <a:r>
-              <a:rPr lang="en-US" sz="2000" dirty="0"/>
-              <a:t>, http://</a:t>
-            </a:r>
-            <a:r>
-              <a:rPr lang="en-US" sz="2000" dirty="0" err="1"/>
-              <a:t>www.kaner.com</a:t>
-            </a:r>
-            <a:r>
-              <a:rPr lang="en-US" sz="2000" dirty="0"/>
-              <a:t>/</a:t>
-            </a:r>
-            <a:r>
-              <a:rPr lang="en-US" sz="2000" dirty="0" err="1"/>
-              <a:t>pdfs</a:t>
-            </a:r>
-            <a:r>
-              <a:rPr lang="en-US" sz="2000" dirty="0"/>
-              <a:t>/</a:t>
-            </a:r>
-            <a:r>
-              <a:rPr lang="en-US" sz="2000" dirty="0" err="1"/>
-              <a:t>GoodTest.pdf</a:t>
-            </a:r>
-            <a:endParaRPr lang="en-US" sz="2000" dirty="0" smtClean="0"/>
+              <a:t> :: E2E : deployment process</a:t>
+            </a:r>
           </a:p>
         </p:txBody>
       </p:sp>
     </p:spTree>
     <p:extLst>
       <p:ext uri="{BB962C8B-B14F-4D97-AF65-F5344CB8AC3E}">
-        <p14:creationId xmlns:p14="http://schemas.microsoft.com/office/powerpoint/2010/main" val="1093713714"/>
+        <p14:creationId xmlns:p14="http://schemas.microsoft.com/office/powerpoint/2010/main" val="3910608230"/>
       </p:ext>
     </p:extLst>
   </p:cSld>
@@ -4217,102 +4211,149 @@
           <a:p>
             <a:pPr algn="l"/>
             <a:r>
-              <a:rPr lang="en-US" sz="2200" dirty="0" smtClean="0"/>
-              <a:t>What’s </a:t>
-            </a:r>
-            <a:r>
-              <a:rPr lang="en-US" sz="2200" dirty="0"/>
-              <a:t>a test case?</a:t>
+              <a:rPr lang="en-US" sz="2000" dirty="0"/>
+              <a:t>Designing good test cases is a complex art. The complexity comes from </a:t>
+            </a:r>
+            <a:r>
+              <a:rPr lang="en-US" sz="2000" dirty="0" smtClean="0"/>
+              <a:t>three sources</a:t>
+            </a:r>
+            <a:r>
+              <a:rPr lang="en-US" sz="2000" dirty="0"/>
+              <a:t>:</a:t>
+            </a:r>
+          </a:p>
+          <a:p>
+            <a:pPr marL="342900" indent="-342900" algn="l">
+              <a:buFont typeface="Arial"/>
+              <a:buChar char="•"/>
+            </a:pPr>
+            <a:r>
+              <a:rPr lang="en-US" sz="2000" dirty="0" smtClean="0"/>
+              <a:t>Test </a:t>
+            </a:r>
+            <a:r>
+              <a:rPr lang="en-US" sz="2000" dirty="0"/>
+              <a:t>cases help us discover information. Different types of tests are more</a:t>
             </a:r>
           </a:p>
           <a:p>
             <a:pPr algn="l"/>
+            <a:r>
+              <a:rPr lang="en-US" sz="2000" dirty="0"/>
+              <a:t>effective for different classes of information.</a:t>
+            </a:r>
+          </a:p>
+          <a:p>
+            <a:pPr marL="342900" indent="-342900" algn="l">
+              <a:buFont typeface="Arial"/>
+              <a:buChar char="•"/>
+            </a:pPr>
+            <a:r>
+              <a:rPr lang="en-US" sz="2000" dirty="0" smtClean="0"/>
+              <a:t>Test </a:t>
+            </a:r>
+            <a:r>
+              <a:rPr lang="en-US" sz="2000" dirty="0"/>
+              <a:t>cases can be “good” in a variety of ways. No test case will be good </a:t>
+            </a:r>
+            <a:r>
+              <a:rPr lang="en-US" sz="2000" dirty="0" smtClean="0"/>
+              <a:t>in all </a:t>
+            </a:r>
+            <a:r>
+              <a:rPr lang="en-US" sz="2000" dirty="0"/>
+              <a:t>of them.</a:t>
+            </a:r>
+          </a:p>
+          <a:p>
+            <a:pPr marL="342900" indent="-342900" algn="l">
+              <a:buFont typeface="Arial"/>
+              <a:buChar char="•"/>
+            </a:pPr>
+            <a:r>
+              <a:rPr lang="en-US" sz="2000" dirty="0" smtClean="0"/>
+              <a:t>People </a:t>
+            </a:r>
+            <a:r>
+              <a:rPr lang="en-US" sz="2000" dirty="0"/>
+              <a:t>tend to create test cases according to certain testing styles, such </a:t>
+            </a:r>
+            <a:r>
+              <a:rPr lang="en-US" sz="2000" dirty="0" smtClean="0"/>
+              <a:t>as domain </a:t>
+            </a:r>
+            <a:r>
+              <a:rPr lang="en-US" sz="2000" dirty="0"/>
+              <a:t>testing or risk-based testing. Good domain tests are different </a:t>
+            </a:r>
+            <a:r>
+              <a:rPr lang="en-US" sz="2000" dirty="0" smtClean="0"/>
+              <a:t>from good </a:t>
+            </a:r>
+            <a:r>
+              <a:rPr lang="en-US" sz="2000" dirty="0"/>
+              <a:t>risk-based tests. </a:t>
+            </a:r>
             <a:endParaRPr lang="en-US" sz="2000" dirty="0" smtClean="0"/>
           </a:p>
           <a:p>
+            <a:pPr marL="342900" indent="-342900" algn="l">
+              <a:buFont typeface="Arial"/>
+              <a:buChar char="•"/>
+            </a:pPr>
+            <a:endParaRPr lang="en-US" sz="2000" dirty="0"/>
+          </a:p>
+          <a:p>
             <a:pPr algn="l"/>
             <a:r>
               <a:rPr lang="en-US" sz="2000" dirty="0" smtClean="0"/>
-              <a:t>IEEE </a:t>
+              <a:t>- </a:t>
+            </a:r>
+            <a:r>
+              <a:rPr lang="en-US" sz="2000" dirty="0" err="1" smtClean="0"/>
+              <a:t>Cem</a:t>
+            </a:r>
+            <a:r>
+              <a:rPr lang="en-US" sz="2000" dirty="0" smtClean="0"/>
+              <a:t> </a:t>
+            </a:r>
+            <a:r>
+              <a:rPr lang="en-US" sz="2000" dirty="0" err="1" smtClean="0"/>
+              <a:t>Kaner</a:t>
             </a:r>
             <a:r>
               <a:rPr lang="en-US" sz="2000" dirty="0"/>
-              <a:t>Standard 610 (1990</a:t>
-            </a:r>
-            <a:r>
-              <a:rPr lang="en-US" sz="2000" dirty="0" smtClean="0"/>
-              <a:t>)</a:t>
-            </a:r>
-            <a:endParaRPr lang="en-US" sz="2000" dirty="0"/>
-          </a:p>
-          <a:p>
-            <a:pPr algn="l"/>
-            <a:r>
-              <a:rPr lang="en-US" sz="2000" dirty="0" smtClean="0"/>
-              <a:t>“A </a:t>
+              <a:t>, http://</a:t>
+            </a:r>
+            <a:r>
+              <a:rPr lang="en-US" sz="2000" dirty="0" err="1"/>
+              <a:t>www.kaner.com</a:t>
             </a:r>
             <a:r>
               <a:rPr lang="en-US" sz="2000" dirty="0"/>
-              <a:t>set of test inputs, execution conditions, and expected results developed for </a:t>
-            </a:r>
-            <a:r>
-              <a:rPr lang="en-US" sz="2000" dirty="0" smtClean="0"/>
-              <a:t>a particular </a:t>
+              <a:t>/</a:t>
+            </a:r>
+            <a:r>
+              <a:rPr lang="en-US" sz="2000" dirty="0" err="1"/>
+              <a:t>pdfs</a:t>
             </a:r>
             <a:r>
               <a:rPr lang="en-US" sz="2000" dirty="0"/>
-              <a:t>objective, such as to exercise a particular program path or to verify </a:t>
-            </a:r>
-            <a:r>
-              <a:rPr lang="en-US" sz="2000" dirty="0" smtClean="0"/>
-              <a:t>compliance with </a:t>
-            </a:r>
-            <a:r>
-              <a:rPr lang="en-US" sz="2000" dirty="0"/>
-              <a:t>a specific requirement.</a:t>
-            </a:r>
-          </a:p>
-          <a:p>
-            <a:pPr algn="l"/>
+              <a:t>/</a:t>
+            </a:r>
+            <a:r>
+              <a:rPr lang="en-US" sz="2000" dirty="0" err="1"/>
+              <a:t>GoodTest.pdf</a:t>
+            </a:r>
             <a:endParaRPr lang="en-US" sz="2000" dirty="0" smtClean="0"/>
-          </a:p>
-          <a:p>
-            <a:pPr algn="l"/>
-            <a:r>
-              <a:rPr lang="en-US" sz="2000" dirty="0" smtClean="0"/>
-              <a:t>Ron </a:t>
-            </a:r>
-            <a:r>
-              <a:rPr lang="en-US" sz="2000" dirty="0"/>
-              <a:t>Patton (2001, p. 65),</a:t>
-            </a:r>
-          </a:p>
-          <a:p>
-            <a:pPr algn="l"/>
-            <a:r>
-              <a:rPr lang="en-US" sz="2000" dirty="0"/>
-              <a:t>“Test cases are the specific inputs that you’ll try and the procedures that you’ll </a:t>
-            </a:r>
-            <a:r>
-              <a:rPr lang="en-US" sz="2000" dirty="0" smtClean="0"/>
-              <a:t>follow when </a:t>
-            </a:r>
-            <a:r>
-              <a:rPr lang="en-US" sz="2000" dirty="0"/>
-              <a:t>you test the software.</a:t>
-            </a:r>
-            <a:r>
-              <a:rPr lang="en-US" sz="2000" dirty="0" smtClean="0"/>
-              <a:t>”</a:t>
-            </a:r>
-            <a:endParaRPr lang="en-US" sz="2000" dirty="0"/>
           </a:p>
         </p:txBody>
       </p:sp>
     </p:spTree>
     <p:extLst>
       <p:ext uri="{BB962C8B-B14F-4D97-AF65-F5344CB8AC3E}">
-        <p14:creationId xmlns:p14="http://schemas.microsoft.com/office/powerpoint/2010/main" val="3159094944"/>
+        <p14:creationId xmlns:p14="http://schemas.microsoft.com/office/powerpoint/2010/main" val="1093713714"/>
       </p:ext>
     </p:extLst>
   </p:cSld>
@@ -4399,94 +4440,93 @@
             <a:pPr algn="l"/>
             <a:r>
               <a:rPr lang="en-US" sz="2200" dirty="0" smtClean="0"/>
-              <a:t>Characteristics</a:t>
-            </a:r>
-          </a:p>
-          <a:p>
-            <a:pPr marL="342900" indent="-342900" algn="l">
-              <a:buFont typeface="Arial"/>
-              <a:buChar char="•"/>
-            </a:pPr>
-            <a:r>
-              <a:rPr lang="en-US" sz="2200" dirty="0" smtClean="0"/>
-              <a:t>Powerful – capable of finding defects</a:t>
-            </a:r>
-          </a:p>
-          <a:p>
-            <a:pPr marL="342900" indent="-342900" algn="l">
-              <a:buFont typeface="Arial"/>
-              <a:buChar char="•"/>
-            </a:pPr>
-            <a:r>
-              <a:rPr lang="en-US" sz="2200" dirty="0" smtClean="0"/>
-              <a:t>Significant – meaningful information</a:t>
-            </a:r>
-          </a:p>
-          <a:p>
-            <a:pPr marL="342900" indent="-342900" algn="l">
-              <a:buFont typeface="Arial"/>
-              <a:buChar char="•"/>
-            </a:pPr>
-            <a:r>
-              <a:rPr lang="en-US" sz="2200" dirty="0" smtClean="0"/>
-              <a:t>Credible – realistic, not edge cases</a:t>
-            </a:r>
-          </a:p>
-          <a:p>
-            <a:pPr marL="342900" indent="-342900" algn="l">
-              <a:buFont typeface="Arial"/>
-              <a:buChar char="•"/>
-            </a:pPr>
-            <a:r>
-              <a:rPr lang="en-US" sz="2200" dirty="0" smtClean="0"/>
-              <a:t>Representative – based on population</a:t>
-            </a:r>
-          </a:p>
-          <a:p>
-            <a:pPr marL="342900" indent="-342900" algn="l">
-              <a:buFont typeface="Arial"/>
-              <a:buChar char="•"/>
-            </a:pPr>
-            <a:r>
-              <a:rPr lang="en-US" sz="2200" dirty="0" smtClean="0"/>
-              <a:t>Ease of evaluation – did the test pass or fail?</a:t>
-            </a:r>
-          </a:p>
-          <a:p>
-            <a:pPr marL="342900" indent="-342900" algn="l">
-              <a:buFont typeface="Arial"/>
-              <a:buChar char="•"/>
-            </a:pPr>
-            <a:r>
-              <a:rPr lang="en-US" sz="2200" dirty="0" smtClean="0"/>
-              <a:t>Use in troubleshooting</a:t>
-            </a:r>
-          </a:p>
-          <a:p>
-            <a:pPr marL="342900" indent="-342900" algn="l">
-              <a:buFont typeface="Arial"/>
-              <a:buChar char="•"/>
-            </a:pPr>
-            <a:r>
-              <a:rPr lang="en-US" sz="2200" dirty="0" smtClean="0"/>
-              <a:t>Informative</a:t>
-            </a:r>
-          </a:p>
-          <a:p>
-            <a:pPr marL="342900" indent="-342900" algn="l">
-              <a:buFont typeface="Arial"/>
-              <a:buChar char="•"/>
-            </a:pPr>
-            <a:r>
-              <a:rPr lang="en-US" sz="2200" dirty="0" smtClean="0"/>
-              <a:t>Appropriately complex</a:t>
-            </a:r>
-          </a:p>
-          <a:p>
-            <a:pPr marL="342900" indent="-342900" algn="l">
-              <a:buFont typeface="Arial"/>
-              <a:buChar char="•"/>
-            </a:pPr>
+              <a:t>What’s </a:t>
+            </a:r>
+            <a:r>
+              <a:rPr lang="en-US" sz="2200" dirty="0"/>
+              <a:t>a test case?</a:t>
+            </a:r>
+          </a:p>
+          <a:p>
+            <a:pPr algn="l"/>
+            <a:endParaRPr lang="en-US" sz="2000" dirty="0" smtClean="0"/>
+          </a:p>
+          <a:p>
+            <a:pPr algn="l"/>
+            <a:r>
+              <a:rPr lang="en-US" sz="2000" dirty="0" smtClean="0"/>
+              <a:t>IEEE </a:t>
+            </a:r>
+            <a:r>
+              <a:rPr lang="en-US" sz="2000" dirty="0"/>
+              <a:t>Standard 610 (1990</a:t>
+            </a:r>
+            <a:r>
+              <a:rPr lang="en-US" sz="2000" dirty="0" smtClean="0"/>
+              <a:t>)</a:t>
+            </a:r>
+            <a:endParaRPr lang="en-US" sz="2000" dirty="0"/>
+          </a:p>
+          <a:p>
+            <a:pPr algn="l"/>
+            <a:r>
+              <a:rPr lang="en-US" sz="2000" dirty="0" smtClean="0"/>
+              <a:t>“A </a:t>
+            </a:r>
+            <a:r>
+              <a:rPr lang="en-US" sz="2000" dirty="0"/>
+              <a:t>set of test inputs, execution conditions, and expected results developed for </a:t>
+            </a:r>
+            <a:r>
+              <a:rPr lang="en-US" sz="2000" dirty="0" smtClean="0"/>
+              <a:t>a particular </a:t>
+            </a:r>
+            <a:r>
+              <a:rPr lang="en-US" sz="2000" dirty="0"/>
+              <a:t>objective, such as to exercise a particular program path or to verify </a:t>
+            </a:r>
+            <a:r>
+              <a:rPr lang="en-US" sz="2000" dirty="0" smtClean="0"/>
+              <a:t>compliance with </a:t>
+            </a:r>
+            <a:r>
+              <a:rPr lang="en-US" sz="2000" dirty="0"/>
+              <a:t>a specific requirement.</a:t>
+            </a:r>
+          </a:p>
+          <a:p>
+            <a:pPr algn="l"/>
+            <a:endParaRPr lang="en-US" sz="2000" dirty="0" smtClean="0"/>
+          </a:p>
+          <a:p>
+            <a:pPr algn="l"/>
+            <a:r>
+              <a:rPr lang="en-US" sz="2000" dirty="0" smtClean="0"/>
+              <a:t>Ron </a:t>
+            </a:r>
+            <a:r>
+              <a:rPr lang="en-US" sz="2000" dirty="0"/>
+              <a:t>Patton (2001, p. 65),</a:t>
+            </a:r>
+          </a:p>
+          <a:p>
+            <a:pPr algn="l"/>
+            <a:r>
+              <a:rPr lang="en-US" sz="2000" dirty="0"/>
+              <a:t>“Test cases are the specific inputs that you’ll try and the procedures that you’ll </a:t>
+            </a:r>
+            <a:r>
+              <a:rPr lang="en-US" sz="2000" dirty="0" smtClean="0"/>
+              <a:t>follow when </a:t>
+            </a:r>
+            <a:r>
+              <a:rPr lang="en-US" sz="2000" dirty="0"/>
+              <a:t>you test the software.</a:t>
+            </a:r>
+            <a:r>
+              <a:rPr lang="en-US" sz="2000" dirty="0" smtClean="0"/>
+              <a:t>”</a:t>
+            </a:r>
             <a:endParaRPr lang="en-US" sz="2000" dirty="0"/>
           </a:p>
         </p:txBody>
@@ -4494,7 +4534,7 @@
     </p:spTree>
     <p:extLst>
       <p:ext uri="{BB962C8B-B14F-4D97-AF65-F5344CB8AC3E}">
-        <p14:creationId xmlns:p14="http://schemas.microsoft.com/office/powerpoint/2010/main" val="1613611806"/>
+        <p14:creationId xmlns:p14="http://schemas.microsoft.com/office/powerpoint/2010/main" val="3159094944"/>
       </p:ext>
     </p:extLst>
   </p:cSld>
@@ -4581,7 +4621,7 @@
             <a:pPr algn="l"/>
             <a:r>
               <a:rPr lang="en-US" sz="2200" dirty="0" smtClean="0"/>
-              <a:t>Types     </a:t>
+              <a:t>Characteristics</a:t>
             </a:r>
           </a:p>
           <a:p>
@@ -4591,102 +4631,84 @@
             </a:pPr>
             <a:r>
               <a:rPr lang="en-US" sz="2200" dirty="0" smtClean="0"/>
-              <a:t>Function </a:t>
-            </a:r>
-            <a:r>
-              <a:rPr lang="en-US" sz="2200" dirty="0"/>
-              <a:t>testing</a:t>
-            </a:r>
-          </a:p>
-          <a:p>
-            <a:pPr marL="342900" indent="-342900" algn="l">
-              <a:buFont typeface="Arial"/>
-              <a:buChar char="•"/>
-            </a:pPr>
-            <a:r>
-              <a:rPr lang="en-US" sz="2200" dirty="0"/>
-              <a:t> Domain testing</a:t>
-            </a:r>
-          </a:p>
-          <a:p>
-            <a:pPr marL="342900" indent="-342900" algn="l">
-              <a:buFont typeface="Arial"/>
-              <a:buChar char="•"/>
-            </a:pPr>
-            <a:r>
-              <a:rPr lang="en-US" sz="2200" dirty="0"/>
-              <a:t> Specification-based testing</a:t>
-            </a:r>
-          </a:p>
-          <a:p>
-            <a:pPr marL="342900" indent="-342900" algn="l">
-              <a:buFont typeface="Arial"/>
-              <a:buChar char="•"/>
-            </a:pPr>
-            <a:r>
-              <a:rPr lang="en-US" sz="2200" dirty="0"/>
-              <a:t> Risk-based testing</a:t>
-            </a:r>
-          </a:p>
-          <a:p>
-            <a:pPr marL="342900" indent="-342900" algn="l">
-              <a:buFont typeface="Arial"/>
-              <a:buChar char="•"/>
-            </a:pPr>
-            <a:r>
-              <a:rPr lang="en-US" sz="2200" dirty="0"/>
-              <a:t> Stress testing</a:t>
-            </a:r>
-          </a:p>
-          <a:p>
-            <a:pPr marL="342900" indent="-342900" algn="l">
-              <a:buFont typeface="Arial"/>
-              <a:buChar char="•"/>
-            </a:pPr>
-            <a:r>
-              <a:rPr lang="en-US" sz="2200" dirty="0"/>
-              <a:t> Regression testing</a:t>
-            </a:r>
-          </a:p>
-          <a:p>
-            <a:pPr marL="342900" indent="-342900" algn="l">
-              <a:buFont typeface="Arial"/>
-              <a:buChar char="•"/>
-            </a:pPr>
-            <a:r>
-              <a:rPr lang="en-US" sz="2200" dirty="0"/>
-              <a:t> User testing</a:t>
-            </a:r>
-          </a:p>
-          <a:p>
-            <a:pPr marL="342900" indent="-342900" algn="l">
-              <a:buFont typeface="Arial"/>
-              <a:buChar char="•"/>
-            </a:pPr>
-            <a:r>
-              <a:rPr lang="en-US" sz="2200" dirty="0"/>
-              <a:t> Scenario testing</a:t>
-            </a:r>
-          </a:p>
-          <a:p>
-            <a:pPr marL="342900" indent="-342900" algn="l">
-              <a:buFont typeface="Arial"/>
-              <a:buChar char="•"/>
-            </a:pPr>
-            <a:r>
-              <a:rPr lang="en-US" sz="2200" dirty="0"/>
-              <a:t> State-model based testing</a:t>
-            </a:r>
-          </a:p>
-          <a:p>
-            <a:pPr marL="342900" indent="-342900" algn="l">
-              <a:buFont typeface="Arial"/>
-              <a:buChar char="•"/>
-            </a:pPr>
-            <a:r>
-              <a:rPr lang="en-US" sz="2200" dirty="0"/>
-              <a:t> High volume automated testing </a:t>
-            </a:r>
+              <a:t>Powerful – capable of finding defects</a:t>
+            </a:r>
+          </a:p>
+          <a:p>
+            <a:pPr marL="342900" indent="-342900" algn="l">
+              <a:buFont typeface="Arial"/>
+              <a:buChar char="•"/>
+            </a:pPr>
+            <a:r>
+              <a:rPr lang="en-US" sz="2200" dirty="0" smtClean="0"/>
+              <a:t>Significant – meaningful information</a:t>
+            </a:r>
+          </a:p>
+          <a:p>
+            <a:pPr marL="342900" indent="-342900" algn="l">
+              <a:buFont typeface="Arial"/>
+              <a:buChar char="•"/>
+            </a:pPr>
+            <a:r>
+              <a:rPr lang="en-US" sz="2200" dirty="0" smtClean="0"/>
+              <a:t>Credible – realistic, not edge cases</a:t>
+            </a:r>
+          </a:p>
+          <a:p>
+            <a:pPr marL="342900" indent="-342900" algn="l">
+              <a:buFont typeface="Arial"/>
+              <a:buChar char="•"/>
+            </a:pPr>
+            <a:r>
+              <a:rPr lang="en-US" sz="2200" dirty="0" smtClean="0"/>
+              <a:t>Representative – based on population</a:t>
+            </a:r>
+          </a:p>
+          <a:p>
+            <a:pPr marL="342900" indent="-342900" algn="l">
+              <a:buFont typeface="Arial"/>
+              <a:buChar char="•"/>
+            </a:pPr>
+            <a:r>
+              <a:rPr lang="en-US" sz="2200" dirty="0" smtClean="0"/>
+              <a:t>Ease of evaluation – did the test pass or fail?</a:t>
+            </a:r>
+          </a:p>
+          <a:p>
+            <a:pPr marL="342900" indent="-342900" algn="l">
+              <a:buFont typeface="Arial"/>
+              <a:buChar char="•"/>
+            </a:pPr>
+            <a:r>
+              <a:rPr lang="en-US" sz="2200" dirty="0" smtClean="0"/>
+              <a:t>Use in troubleshooting</a:t>
+            </a:r>
+          </a:p>
+          <a:p>
+            <a:pPr marL="342900" indent="-342900" algn="l">
+              <a:buFont typeface="Arial"/>
+              <a:buChar char="•"/>
+            </a:pPr>
+            <a:r>
+              <a:rPr lang="en-US" sz="2200" dirty="0" smtClean="0"/>
+              <a:t>Informative</a:t>
+            </a:r>
+          </a:p>
+          <a:p>
+            <a:pPr marL="342900" indent="-342900" algn="l">
+              <a:buFont typeface="Arial"/>
+              <a:buChar char="•"/>
+            </a:pPr>
+            <a:r>
+              <a:rPr lang="en-US" sz="2200" dirty="0" smtClean="0"/>
+              <a:t>Appropriately complex</a:t>
+            </a:r>
+          </a:p>
+          <a:p>
+            <a:pPr marL="342900" indent="-342900" algn="l">
+              <a:buFont typeface="Arial"/>
+              <a:buChar char="•"/>
+            </a:pPr>
             <a:endParaRPr lang="en-US" sz="2000" dirty="0"/>
           </a:p>
         </p:txBody>
@@ -4694,7 +4716,7 @@
     </p:spTree>
     <p:extLst>
       <p:ext uri="{BB962C8B-B14F-4D97-AF65-F5344CB8AC3E}">
-        <p14:creationId xmlns:p14="http://schemas.microsoft.com/office/powerpoint/2010/main" val="2978942451"/>
+        <p14:creationId xmlns:p14="http://schemas.microsoft.com/office/powerpoint/2010/main" val="1613611806"/>
       </p:ext>
     </p:extLst>
   </p:cSld>
@@ -4781,7 +4803,7 @@
             <a:pPr algn="l"/>
             <a:r>
               <a:rPr lang="en-US" sz="2200" dirty="0" smtClean="0"/>
-              <a:t>Measurement</a:t>
+              <a:t>Types     </a:t>
             </a:r>
           </a:p>
           <a:p>
@@ -4791,80 +4813,110 @@
             </a:pPr>
             <a:r>
               <a:rPr lang="en-US" sz="2200" dirty="0" smtClean="0"/>
-              <a:t>Defect rate – bugs per LOC or </a:t>
-            </a:r>
-            <a:r>
-              <a:rPr lang="en-US" sz="2200" dirty="0" err="1" smtClean="0"/>
-              <a:t>dev</a:t>
-            </a:r>
-            <a:r>
-              <a:rPr lang="en-US" sz="2200" dirty="0" smtClean="0"/>
-              <a:t> hour</a:t>
-            </a:r>
-          </a:p>
-          <a:p>
-            <a:pPr marL="342900" indent="-342900" algn="l">
-              <a:buFont typeface="Arial"/>
-              <a:buChar char="•"/>
-            </a:pPr>
-            <a:r>
-              <a:rPr lang="en-US" sz="2200" dirty="0" smtClean="0"/>
-              <a:t>Code coverage</a:t>
-            </a:r>
-          </a:p>
-          <a:p>
-            <a:pPr marL="342900" indent="-342900" algn="l">
-              <a:buFont typeface="Arial"/>
-              <a:buChar char="•"/>
-            </a:pPr>
-            <a:r>
-              <a:rPr lang="en-US" sz="2200" dirty="0" smtClean="0"/>
-              <a:t>Heat map – correlate VCS changes with bug reports</a:t>
-            </a:r>
-          </a:p>
-          <a:p>
-            <a:pPr marL="342900" indent="-342900" algn="l">
-              <a:buFont typeface="Arial"/>
-              <a:buChar char="•"/>
-            </a:pPr>
+              <a:t>Function </a:t>
+            </a:r>
             <a:r>
               <a:rPr lang="en-US" sz="2200" dirty="0"/>
-              <a:t>attribute-component-capability matrix</a:t>
-            </a:r>
-            <a:endParaRPr lang="en-US" sz="2200" dirty="0" smtClean="0"/>
-          </a:p>
-          <a:p>
-            <a:pPr marL="342900" indent="-342900" algn="l">
-              <a:buFont typeface="Arial"/>
-              <a:buChar char="•"/>
-            </a:pPr>
-            <a:r>
-              <a:rPr lang="en-US" sz="2000" dirty="0"/>
-              <a:t>http://</a:t>
-            </a:r>
-            <a:r>
-              <a:rPr lang="en-US" sz="2000" dirty="0" err="1"/>
-              <a:t>www.kaner.com</a:t>
-            </a:r>
-            <a:r>
-              <a:rPr lang="en-US" sz="2000" dirty="0"/>
-              <a:t>/</a:t>
-            </a:r>
-            <a:r>
-              <a:rPr lang="en-US" sz="2000" dirty="0" err="1"/>
-              <a:t>pdfs</a:t>
-            </a:r>
-            <a:r>
-              <a:rPr lang="en-US" sz="2000" dirty="0"/>
-              <a:t>/metrics2004.pdf</a:t>
-            </a:r>
+              <a:t>testing</a:t>
+            </a:r>
+          </a:p>
+          <a:p>
+            <a:pPr marL="342900" indent="-342900" algn="l">
+              <a:buFont typeface="Arial"/>
+              <a:buChar char="•"/>
+            </a:pPr>
+            <a:r>
+              <a:rPr lang="en-US" sz="2200" dirty="0"/>
+              <a:t> Domain testing</a:t>
+            </a:r>
+          </a:p>
+          <a:p>
+            <a:pPr marL="342900" indent="-342900" algn="l">
+              <a:buFont typeface="Arial"/>
+              <a:buChar char="•"/>
+            </a:pPr>
+            <a:r>
+              <a:rPr lang="en-US" sz="2200" dirty="0"/>
+              <a:t> Specification-based testing</a:t>
+            </a:r>
+          </a:p>
+          <a:p>
+            <a:pPr marL="342900" indent="-342900" algn="l">
+              <a:buFont typeface="Arial"/>
+              <a:buChar char="•"/>
+            </a:pPr>
+            <a:r>
+              <a:rPr lang="en-US" sz="2200" dirty="0"/>
+              <a:t> Risk-based testing</a:t>
+            </a:r>
+          </a:p>
+          <a:p>
+            <a:pPr marL="342900" indent="-342900" algn="l">
+              <a:buFont typeface="Arial"/>
+              <a:buChar char="•"/>
+            </a:pPr>
+            <a:r>
+              <a:rPr lang="en-US" sz="2200" dirty="0"/>
+              <a:t> Stress testing</a:t>
+            </a:r>
+          </a:p>
+          <a:p>
+            <a:pPr marL="342900" indent="-342900" algn="l">
+              <a:buFont typeface="Arial"/>
+              <a:buChar char="•"/>
+            </a:pPr>
+            <a:r>
+              <a:rPr lang="en-US" sz="2200" dirty="0"/>
+              <a:t> Regression testing</a:t>
+            </a:r>
+          </a:p>
+          <a:p>
+            <a:pPr marL="342900" indent="-342900" algn="l">
+              <a:buFont typeface="Arial"/>
+              <a:buChar char="•"/>
+            </a:pPr>
+            <a:r>
+              <a:rPr lang="en-US" sz="2200" dirty="0"/>
+              <a:t> User testing</a:t>
+            </a:r>
+          </a:p>
+          <a:p>
+            <a:pPr marL="342900" indent="-342900" algn="l">
+              <a:buFont typeface="Arial"/>
+              <a:buChar char="•"/>
+            </a:pPr>
+            <a:r>
+              <a:rPr lang="en-US" sz="2200" dirty="0"/>
+              <a:t> Scenario testing</a:t>
+            </a:r>
+          </a:p>
+          <a:p>
+            <a:pPr marL="342900" indent="-342900" algn="l">
+              <a:buFont typeface="Arial"/>
+              <a:buChar char="•"/>
+            </a:pPr>
+            <a:r>
+              <a:rPr lang="en-US" sz="2200" dirty="0"/>
+              <a:t> State-model based testing</a:t>
+            </a:r>
+          </a:p>
+          <a:p>
+            <a:pPr marL="342900" indent="-342900" algn="l">
+              <a:buFont typeface="Arial"/>
+              <a:buChar char="•"/>
+            </a:pPr>
+            <a:r>
+              <a:rPr lang="en-US" sz="2200" dirty="0"/>
+              <a:t> High volume automated testing </a:t>
+            </a:r>
+            <a:endParaRPr lang="en-US" sz="2000" dirty="0"/>
           </a:p>
         </p:txBody>
       </p:sp>
     </p:spTree>
     <p:extLst>
       <p:ext uri="{BB962C8B-B14F-4D97-AF65-F5344CB8AC3E}">
-        <p14:creationId xmlns:p14="http://schemas.microsoft.com/office/powerpoint/2010/main" val="1081058882"/>
+        <p14:creationId xmlns:p14="http://schemas.microsoft.com/office/powerpoint/2010/main" val="2978942451"/>
       </p:ext>
     </p:extLst>
   </p:cSld>
@@ -4920,7 +4972,7 @@
           <a:p>
             <a:r>
               <a:rPr lang="en-US" dirty="0" smtClean="0"/>
-              <a:t>Lab: Get started</a:t>
+              <a:t>Good Tests</a:t>
             </a:r>
             <a:endParaRPr lang="en-US" dirty="0"/>
           </a:p>
@@ -4944,147 +4996,97 @@
         </p:spPr>
         <p:txBody>
           <a:bodyPr>
-            <a:normAutofit fontScale="92500" lnSpcReduction="20000"/>
+            <a:normAutofit/>
           </a:bodyPr>
           <a:lstStyle/>
           <a:p>
             <a:pPr algn="l"/>
             <a:r>
-              <a:rPr lang="en-US" sz="2400" dirty="0"/>
-              <a:t>(Code-along, 30 </a:t>
-            </a:r>
-            <a:r>
-              <a:rPr lang="en-US" sz="2400" dirty="0" err="1"/>
-              <a:t>mins</a:t>
-            </a:r>
-            <a:r>
-              <a:rPr lang="en-US" sz="2400" dirty="0" smtClean="0"/>
-              <a:t>)</a:t>
-            </a:r>
-          </a:p>
-          <a:p>
-            <a:pPr algn="l"/>
+              <a:rPr lang="en-US" sz="2200" dirty="0" smtClean="0"/>
+              <a:t>Measurement</a:t>
+            </a:r>
+          </a:p>
+          <a:p>
+            <a:pPr marL="342900" indent="-342900" algn="l">
+              <a:buFont typeface="Arial"/>
+              <a:buChar char="•"/>
+            </a:pPr>
+            <a:r>
+              <a:rPr lang="en-US" sz="2200" dirty="0" smtClean="0"/>
+              <a:t>Defect rate – bugs per LOC or </a:t>
+            </a:r>
+            <a:r>
+              <a:rPr lang="en-US" sz="2200" dirty="0" err="1" smtClean="0"/>
+              <a:t>dev</a:t>
+            </a:r>
+            <a:r>
+              <a:rPr lang="en-US" sz="2200" dirty="0" smtClean="0"/>
+              <a:t> hour</a:t>
+            </a:r>
+          </a:p>
+          <a:p>
+            <a:pPr marL="342900" indent="-342900" algn="l">
+              <a:buFont typeface="Arial"/>
+              <a:buChar char="•"/>
+            </a:pPr>
+            <a:r>
+              <a:rPr lang="en-US" sz="2200" dirty="0" smtClean="0"/>
+              <a:t>Code coverage</a:t>
+            </a:r>
+          </a:p>
+          <a:p>
+            <a:pPr marL="342900" indent="-342900" algn="l">
+              <a:buFont typeface="Arial"/>
+              <a:buChar char="•"/>
+            </a:pPr>
+            <a:r>
+              <a:rPr lang="en-US" sz="2200" dirty="0" smtClean="0"/>
+              <a:t>Heat map – correlate VCS changes with bug reports</a:t>
+            </a:r>
+          </a:p>
+          <a:p>
+            <a:pPr marL="342900" indent="-342900" algn="l">
+              <a:buFont typeface="Arial"/>
+              <a:buChar char="•"/>
+            </a:pPr>
+            <a:r>
+              <a:rPr lang="en-US" sz="2200" dirty="0"/>
+              <a:t>attribute-component-capability matrix</a:t>
+            </a:r>
             <a:endParaRPr lang="en-US" sz="2200" dirty="0" smtClean="0"/>
           </a:p>
           <a:p>
-            <a:pPr algn="l"/>
-            <a:r>
-              <a:rPr lang="en-US" sz="2200" dirty="0" smtClean="0"/>
-              <a:t>Setup</a:t>
-            </a:r>
-            <a:endParaRPr lang="en-US" sz="2200" dirty="0"/>
-          </a:p>
-          <a:p>
-            <a:pPr algn="l"/>
-            <a:r>
-              <a:rPr lang="en-US" sz="2200" dirty="0"/>
-              <a:t> - Brief review/intro to </a:t>
-            </a:r>
-            <a:r>
-              <a:rPr lang="en-US" sz="2200" dirty="0" err="1"/>
-              <a:t>npm</a:t>
-            </a:r>
-            <a:r>
-              <a:rPr lang="en-US" sz="2200" dirty="0"/>
+            <a:pPr marL="342900" indent="-342900" algn="l">
+              <a:buFont typeface="Arial"/>
+              <a:buChar char="•"/>
+            </a:pPr>
+            <a:r>
+              <a:rPr lang="en-US" sz="2000" dirty="0"/>
+              <a:t>http://</a:t>
+            </a:r>
+            <a:r>
+              <a:rPr lang="en-US" sz="2000" dirty="0" err="1"/>
+              <a:t>www.kaner.com</a:t>
+            </a:r>
+            <a:r>
+              <a:rPr lang="en-US" sz="2000" dirty="0"/>
               <a:t>/</a:t>
             </a:r>
             <a:r>
-              <a:rPr lang="en-US" sz="2200" dirty="0" err="1"/>
-              <a:t>package.json</a:t>
-            </a:r>
-            <a:r>
-              <a:rPr lang="en-US" sz="2200" dirty="0"/>
-              <a:t>, if needed</a:t>
-            </a:r>
-          </a:p>
-          <a:p>
-            <a:pPr algn="l"/>
-            <a:r>
-              <a:rPr lang="en-US" sz="2200" dirty="0"/>
-              <a:t> - Install Karma, Jasmine, Grunt, </a:t>
-            </a:r>
-            <a:r>
-              <a:rPr lang="en-US" sz="2200" dirty="0" err="1"/>
-              <a:t>jshint</a:t>
-            </a:r>
-            <a:endParaRPr lang="en-US" sz="2200" dirty="0"/>
-          </a:p>
-          <a:p>
-            <a:pPr algn="l"/>
-            <a:r>
-              <a:rPr lang="en-US" sz="2200" dirty="0"/>
-              <a:t> - Set up Grunt to run </a:t>
-            </a:r>
-            <a:r>
-              <a:rPr lang="en-US" sz="2200" dirty="0" err="1"/>
-              <a:t>jshint</a:t>
-            </a:r>
-            <a:endParaRPr lang="en-US" sz="2200" dirty="0"/>
-          </a:p>
-          <a:p>
-            <a:pPr algn="l"/>
-            <a:r>
-              <a:rPr lang="en-US" sz="2200" dirty="0"/>
-              <a:t>Jasmine</a:t>
-            </a:r>
-          </a:p>
-          <a:p>
-            <a:pPr algn="l"/>
-            <a:r>
-              <a:rPr lang="en-US" sz="2200" dirty="0"/>
-              <a:t> - Structure and Syntax</a:t>
-            </a:r>
-          </a:p>
-          <a:p>
-            <a:pPr algn="l"/>
-            <a:r>
-              <a:rPr lang="en-US" sz="2200" dirty="0"/>
-              <a:t> - Suites &amp; Specs</a:t>
-            </a:r>
-          </a:p>
-          <a:p>
-            <a:pPr algn="l"/>
-            <a:r>
-              <a:rPr lang="en-US" sz="2200" dirty="0"/>
-              <a:t> - Matchers</a:t>
-            </a:r>
-          </a:p>
-          <a:p>
-            <a:pPr algn="l"/>
-            <a:r>
-              <a:rPr lang="en-US" sz="2200" dirty="0"/>
-              <a:t> - Hello World failing test</a:t>
-            </a:r>
-          </a:p>
-          <a:p>
-            <a:pPr algn="l"/>
-            <a:r>
-              <a:rPr lang="en-US" sz="2200" dirty="0"/>
-              <a:t> - Write Hello World code to make test </a:t>
-            </a:r>
-            <a:r>
-              <a:rPr lang="en-US" sz="2200" dirty="0" smtClean="0"/>
-              <a:t>pass</a:t>
-            </a:r>
-          </a:p>
-          <a:p>
-            <a:pPr algn="l"/>
-            <a:endParaRPr lang="en-US" sz="2200" dirty="0"/>
-          </a:p>
-          <a:p>
-            <a:pPr algn="l"/>
-            <a:r>
-              <a:rPr lang="en-US" sz="2200" dirty="0" smtClean="0"/>
-              <a:t>(15 min break)</a:t>
-            </a:r>
-            <a:endParaRPr lang="en-US" sz="2000" dirty="0"/>
+              <a:rPr lang="en-US" sz="2000" dirty="0" err="1"/>
+              <a:t>pdfs</a:t>
+            </a:r>
+            <a:r>
+              <a:rPr lang="en-US" sz="2000" dirty="0"/>
+              <a:t>/metrics2004.pdf</a:t>
+            </a:r>
           </a:p>
         </p:txBody>
       </p:sp>
     </p:spTree>
     <p:extLst>
       <p:ext uri="{BB962C8B-B14F-4D97-AF65-F5344CB8AC3E}">
-        <p14:creationId xmlns:p14="http://schemas.microsoft.com/office/powerpoint/2010/main" val="1489723374"/>
+        <p14:creationId xmlns:p14="http://schemas.microsoft.com/office/powerpoint/2010/main" val="1081058882"/>
       </p:ext>
     </p:extLst>
   </p:cSld>
@@ -5140,7 +5142,7 @@
           <a:p>
             <a:r>
               <a:rPr lang="en-US" dirty="0" smtClean="0"/>
-              <a:t>Schedule</a:t>
+              <a:t>Schedule – day 1</a:t>
             </a:r>
             <a:endParaRPr lang="en-US" dirty="0"/>
           </a:p>
@@ -5223,11 +5225,7 @@
             </a:pPr>
             <a:r>
               <a:rPr lang="en-US" sz="1800" dirty="0" smtClean="0"/>
-              <a:t>( </a:t>
-            </a:r>
-            <a:r>
-              <a:rPr lang="en-US" sz="1800" dirty="0" smtClean="0"/>
-              <a:t>break )</a:t>
+              <a:t>( break )</a:t>
             </a:r>
           </a:p>
           <a:p>
@@ -5247,32 +5245,18 @@
             </a:pPr>
             <a:r>
               <a:rPr lang="en-US" sz="1800" dirty="0" smtClean="0"/>
-              <a:t>( </a:t>
-            </a:r>
+              <a:t>( lunch )</a:t>
+            </a:r>
+          </a:p>
+          <a:p>
+            <a:pPr marL="342900" indent="-342900" algn="l">
+              <a:buFont typeface="Arial"/>
+              <a:buChar char="•"/>
+            </a:pPr>
             <a:r>
               <a:rPr lang="en-US" sz="1800" dirty="0" smtClean="0"/>
-              <a:t>lunch </a:t>
-            </a:r>
-            <a:r>
-              <a:rPr lang="en-US" sz="1800" dirty="0" smtClean="0"/>
-              <a:t>)</a:t>
-            </a:r>
-            <a:endParaRPr lang="en-US" sz="1800" dirty="0" smtClean="0"/>
-          </a:p>
-          <a:p>
-            <a:pPr marL="342900" indent="-342900" algn="l">
-              <a:buFont typeface="Arial"/>
-              <a:buChar char="•"/>
-            </a:pPr>
-            <a:r>
-              <a:rPr lang="en-US" sz="1800" dirty="0" smtClean="0"/>
-              <a:t>Lab: </a:t>
-            </a:r>
-            <a:r>
-              <a:rPr lang="en-US" sz="1800" dirty="0" smtClean="0"/>
-              <a:t>Add Backbone and Karma to the mix</a:t>
-            </a:r>
-            <a:endParaRPr lang="en-US" sz="1800" dirty="0" smtClean="0"/>
+              <a:t>Lab: Add Backbone and Karma to the mix</a:t>
+            </a:r>
           </a:p>
           <a:p>
             <a:pPr marL="342900" indent="-342900" algn="l">
@@ -5371,7 +5355,7 @@
           <a:p>
             <a:r>
               <a:rPr lang="en-US" dirty="0" smtClean="0"/>
-              <a:t>Lab: Plan &amp; TDD</a:t>
+              <a:t>Lab: Get started</a:t>
             </a:r>
             <a:endParaRPr lang="en-US" dirty="0"/>
           </a:p>
@@ -5395,9 +5379,129 @@
         </p:spPr>
         <p:txBody>
           <a:bodyPr>
-            <a:normAutofit/>
+            <a:normAutofit fontScale="92500" lnSpcReduction="20000"/>
           </a:bodyPr>
           <a:lstStyle/>
+          <a:p>
+            <a:pPr algn="l"/>
+            <a:r>
+              <a:rPr lang="en-US" sz="2400" dirty="0"/>
+              <a:t>(Code-along, 30 </a:t>
+            </a:r>
+            <a:r>
+              <a:rPr lang="en-US" sz="2400" dirty="0" err="1"/>
+              <a:t>mins</a:t>
+            </a:r>
+            <a:r>
+              <a:rPr lang="en-US" sz="2400" dirty="0" smtClean="0"/>
+              <a:t>)</a:t>
+            </a:r>
+          </a:p>
+          <a:p>
+            <a:pPr algn="l"/>
+            <a:endParaRPr lang="en-US" sz="2200" dirty="0" smtClean="0"/>
+          </a:p>
+          <a:p>
+            <a:pPr algn="l"/>
+            <a:r>
+              <a:rPr lang="en-US" sz="2200" dirty="0" smtClean="0"/>
+              <a:t>Setup</a:t>
+            </a:r>
+            <a:endParaRPr lang="en-US" sz="2200" dirty="0"/>
+          </a:p>
+          <a:p>
+            <a:pPr algn="l"/>
+            <a:r>
+              <a:rPr lang="en-US" sz="2200" dirty="0"/>
+              <a:t> - Brief review/intro to </a:t>
+            </a:r>
+            <a:r>
+              <a:rPr lang="en-US" sz="2200" dirty="0" err="1"/>
+              <a:t>npm</a:t>
+            </a:r>
+            <a:r>
+              <a:rPr lang="en-US" sz="2200" dirty="0"/>
+              <a:t>/</a:t>
+            </a:r>
+            <a:r>
+              <a:rPr lang="en-US" sz="2200" dirty="0" err="1"/>
+              <a:t>package.json</a:t>
+            </a:r>
+            <a:r>
+              <a:rPr lang="en-US" sz="2200" dirty="0"/>
+              <a:t>, if needed</a:t>
+            </a:r>
+          </a:p>
+          <a:p>
+            <a:pPr algn="l"/>
+            <a:r>
+              <a:rPr lang="en-US" sz="2200" dirty="0"/>
+              <a:t> - Install Karma, Jasmine, Grunt, </a:t>
+            </a:r>
+            <a:r>
+              <a:rPr lang="en-US" sz="2200" dirty="0" err="1"/>
+              <a:t>jshint</a:t>
+            </a:r>
+            <a:endParaRPr lang="en-US" sz="2200" dirty="0"/>
+          </a:p>
+          <a:p>
+            <a:pPr algn="l"/>
+            <a:r>
+              <a:rPr lang="en-US" sz="2200" dirty="0"/>
+              <a:t> - Set up Grunt to run </a:t>
+            </a:r>
+            <a:r>
+              <a:rPr lang="en-US" sz="2200" dirty="0" err="1"/>
+              <a:t>jshint</a:t>
+            </a:r>
+            <a:endParaRPr lang="en-US" sz="2200" dirty="0"/>
+          </a:p>
+          <a:p>
+            <a:pPr algn="l"/>
+            <a:r>
+              <a:rPr lang="en-US" sz="2200" dirty="0"/>
+              <a:t>Jasmine</a:t>
+            </a:r>
+          </a:p>
+          <a:p>
+            <a:pPr algn="l"/>
+            <a:r>
+              <a:rPr lang="en-US" sz="2200" dirty="0"/>
+              <a:t> - Structure and Syntax</a:t>
+            </a:r>
+          </a:p>
+          <a:p>
+            <a:pPr algn="l"/>
+            <a:r>
+              <a:rPr lang="en-US" sz="2200" dirty="0"/>
+              <a:t> - Suites &amp; Specs</a:t>
+            </a:r>
+          </a:p>
+          <a:p>
+            <a:pPr algn="l"/>
+            <a:r>
+              <a:rPr lang="en-US" sz="2200" dirty="0"/>
+              <a:t> - Matchers</a:t>
+            </a:r>
+          </a:p>
+          <a:p>
+            <a:pPr algn="l"/>
+            <a:r>
+              <a:rPr lang="en-US" sz="2200" dirty="0"/>
+              <a:t> - Hello World failing test</a:t>
+            </a:r>
+          </a:p>
+          <a:p>
+            <a:pPr algn="l"/>
+            <a:r>
+              <a:rPr lang="en-US" sz="2200" dirty="0"/>
+              <a:t> - Write Hello World code to make test </a:t>
+            </a:r>
+            <a:r>
+              <a:rPr lang="en-US" sz="2200" dirty="0" smtClean="0"/>
+              <a:t>pass</a:t>
+            </a:r>
+          </a:p>
           <a:p>
             <a:pPr algn="l"/>
             <a:endParaRPr lang="en-US" sz="2200" dirty="0"/>
@@ -5405,82 +5509,17 @@
           <a:p>
             <a:pPr algn="l"/>
             <a:r>
-              <a:rPr lang="en-US" sz="2200" dirty="0"/>
-              <a:t>(Discussion, 20 </a:t>
-            </a:r>
-            <a:r>
-              <a:rPr lang="en-US" sz="2200" dirty="0" err="1"/>
-              <a:t>mins</a:t>
-            </a:r>
-            <a:r>
-              <a:rPr lang="en-US" sz="2200" dirty="0"/>
-              <a:t>)</a:t>
-            </a:r>
-          </a:p>
-          <a:p>
-            <a:pPr algn="l"/>
-            <a:r>
-              <a:rPr lang="en-US" sz="2200" dirty="0"/>
-              <a:t> - Review the use cases/features for our demo code</a:t>
-            </a:r>
-          </a:p>
-          <a:p>
-            <a:pPr algn="l"/>
-            <a:r>
-              <a:rPr lang="en-US" sz="2200" dirty="0"/>
-              <a:t> - Outline a general plan for how to implement</a:t>
-            </a:r>
-          </a:p>
-          <a:p>
-            <a:pPr algn="l"/>
-            <a:endParaRPr lang="en-US" sz="2200" dirty="0"/>
-          </a:p>
-          <a:p>
-            <a:pPr algn="l"/>
-            <a:r>
-              <a:rPr lang="en-US" sz="2200" dirty="0"/>
-              <a:t>(Code-along, 60 </a:t>
-            </a:r>
-            <a:r>
-              <a:rPr lang="en-US" sz="2200" dirty="0" err="1"/>
-              <a:t>mins</a:t>
-            </a:r>
-            <a:r>
-              <a:rPr lang="en-US" sz="2200" dirty="0"/>
-              <a:t>)</a:t>
-            </a:r>
-          </a:p>
-          <a:p>
-            <a:pPr algn="l"/>
-            <a:r>
-              <a:rPr lang="en-US" sz="2200" dirty="0"/>
-              <a:t> - Do TDD! Write tests then write code</a:t>
-            </a:r>
-          </a:p>
-          <a:p>
-            <a:pPr algn="l"/>
-            <a:r>
-              <a:rPr lang="en-US" sz="2200" dirty="0"/>
-              <a:t> - Vanilla JS at this point</a:t>
-            </a:r>
-          </a:p>
-          <a:p>
-            <a:pPr algn="l"/>
-            <a:endParaRPr lang="en-US" sz="2200" dirty="0"/>
-          </a:p>
-          <a:p>
-            <a:pPr algn="l"/>
-            <a:r>
-              <a:rPr lang="en-US" sz="2200" dirty="0"/>
-              <a:t>(lunch)</a:t>
-            </a:r>
+              <a:rPr lang="en-US" sz="2200" dirty="0" smtClean="0"/>
+              <a:t>(15 min break)</a:t>
+            </a:r>
+            <a:endParaRPr lang="en-US" sz="2000" dirty="0"/>
           </a:p>
         </p:txBody>
       </p:sp>
     </p:spTree>
     <p:extLst>
       <p:ext uri="{BB962C8B-B14F-4D97-AF65-F5344CB8AC3E}">
-        <p14:creationId xmlns:p14="http://schemas.microsoft.com/office/powerpoint/2010/main" val="3926192779"/>
+        <p14:creationId xmlns:p14="http://schemas.microsoft.com/office/powerpoint/2010/main" val="1489723374"/>
       </p:ext>
     </p:extLst>
   </p:cSld>
@@ -5536,7 +5575,7 @@
           <a:p>
             <a:r>
               <a:rPr lang="en-US" dirty="0" smtClean="0"/>
-              <a:t>Lab: Add Backbone &amp; Karma</a:t>
+              <a:t>Lab: Plan &amp; TDD</a:t>
             </a:r>
             <a:endParaRPr lang="en-US" dirty="0"/>
           </a:p>
@@ -5565,6 +5604,43 @@
           <a:lstStyle/>
           <a:p>
             <a:pPr algn="l"/>
+            <a:endParaRPr lang="en-US" sz="2200" dirty="0"/>
+          </a:p>
+          <a:p>
+            <a:pPr algn="l"/>
+            <a:r>
+              <a:rPr lang="en-US" sz="2200" dirty="0"/>
+              <a:t>(Discussion, 20 </a:t>
+            </a:r>
+            <a:r>
+              <a:rPr lang="en-US" sz="2200" dirty="0" err="1"/>
+              <a:t>mins</a:t>
+            </a:r>
+            <a:r>
+              <a:rPr lang="en-US" sz="2200" dirty="0"/>
+              <a:t>)</a:t>
+            </a:r>
+          </a:p>
+          <a:p>
+            <a:pPr algn="l"/>
+            <a:r>
+              <a:rPr lang="en-US" sz="2200" dirty="0"/>
+              <a:t> - Review the use cases/features for our demo code</a:t>
+            </a:r>
+          </a:p>
+          <a:p>
+            <a:pPr algn="l"/>
+            <a:r>
+              <a:rPr lang="en-US" sz="2200" dirty="0"/>
+              <a:t> - Outline a general plan for how to implement</a:t>
+            </a:r>
+          </a:p>
+          <a:p>
+            <a:pPr algn="l"/>
+            <a:endParaRPr lang="en-US" sz="2200" dirty="0"/>
+          </a:p>
+          <a:p>
+            <a:pPr algn="l"/>
             <a:r>
               <a:rPr lang="en-US" sz="2200" dirty="0"/>
               <a:t>(Code-along, 60 </a:t>
@@ -5582,35 +5658,14 @@
             <a:pPr algn="l"/>
             <a:r>
               <a:rPr lang="en-US" sz="2200" dirty="0"/>
-              <a:t> - Set up Karma</a:t>
+              <a:t> - Do TDD! Write tests then write code</a:t>
             </a:r>
           </a:p>
           <a:p>
             <a:pPr algn="l"/>
             <a:r>
               <a:rPr lang="en-US" sz="2200" dirty="0"/>
-              <a:t> - Add Backbone</a:t>
-            </a:r>
-          </a:p>
-          <a:p>
-            <a:pPr algn="l"/>
-            <a:r>
-              <a:rPr lang="en-US" sz="2200" dirty="0"/>
-              <a:t> - Split spec into multiple files</a:t>
-            </a:r>
-          </a:p>
-          <a:p>
-            <a:pPr algn="l"/>
-            <a:r>
-              <a:rPr lang="en-US" sz="2200" dirty="0"/>
-              <a:t> - Set up Karma to test multiple browsers</a:t>
-            </a:r>
-          </a:p>
-          <a:p>
-            <a:pPr algn="l"/>
-            <a:r>
-              <a:rPr lang="en-US" sz="2200" dirty="0"/>
-              <a:t> - E2E versus units with Backbone</a:t>
+              <a:t> - Vanilla JS at this point</a:t>
             </a:r>
           </a:p>
           <a:p>
@@ -5620,12 +5675,8 @@
           <a:p>
             <a:pPr algn="l"/>
             <a:r>
-              <a:rPr lang="en-US" sz="2200" dirty="0" smtClean="0"/>
-              <a:t>(15 min break</a:t>
-            </a:r>
-            <a:r>
               <a:rPr lang="en-US" sz="2200" dirty="0"/>
-              <a:t>)</a:t>
+              <a:t>(lunch)</a:t>
             </a:r>
           </a:p>
         </p:txBody>
@@ -5633,7 +5684,7 @@
     </p:spTree>
     <p:extLst>
       <p:ext uri="{BB962C8B-B14F-4D97-AF65-F5344CB8AC3E}">
-        <p14:creationId xmlns:p14="http://schemas.microsoft.com/office/powerpoint/2010/main" val="1890478168"/>
+        <p14:creationId xmlns:p14="http://schemas.microsoft.com/office/powerpoint/2010/main" val="3926192779"/>
       </p:ext>
     </p:extLst>
   </p:cSld>
@@ -5689,6 +5740,159 @@
           <a:p>
             <a:r>
               <a:rPr lang="en-US" dirty="0" smtClean="0"/>
+              <a:t>Lab: Add Backbone &amp; Karma</a:t>
+            </a:r>
+            <a:endParaRPr lang="en-US" dirty="0"/>
+          </a:p>
+        </p:txBody>
+      </p:sp>
+      <p:sp>
+        <p:nvSpPr>
+          <p:cNvPr id="3" name="Subtitle 2"/>
+          <p:cNvSpPr>
+            <a:spLocks noGrp="1"/>
+          </p:cNvSpPr>
+          <p:nvPr>
+            <p:ph type="subTitle" idx="1"/>
+          </p:nvPr>
+        </p:nvSpPr>
+        <p:spPr>
+          <a:xfrm>
+            <a:off x="454651" y="1630710"/>
+            <a:ext cx="8371875" cy="4609893"/>
+          </a:xfrm>
+        </p:spPr>
+        <p:txBody>
+          <a:bodyPr>
+            <a:normAutofit/>
+          </a:bodyPr>
+          <a:lstStyle/>
+          <a:p>
+            <a:pPr algn="l"/>
+            <a:r>
+              <a:rPr lang="en-US" sz="2200" dirty="0"/>
+              <a:t>(Code-along, 60 </a:t>
+            </a:r>
+            <a:r>
+              <a:rPr lang="en-US" sz="2200" dirty="0" err="1"/>
+              <a:t>mins</a:t>
+            </a:r>
+            <a:r>
+              <a:rPr lang="en-US" sz="2200" dirty="0"/>
+              <a:t>)</a:t>
+            </a:r>
+          </a:p>
+          <a:p>
+            <a:pPr algn="l"/>
+            <a:r>
+              <a:rPr lang="en-US" sz="2200" dirty="0"/>
+              <a:t> - Set up Karma</a:t>
+            </a:r>
+          </a:p>
+          <a:p>
+            <a:pPr algn="l"/>
+            <a:r>
+              <a:rPr lang="en-US" sz="2200" dirty="0"/>
+              <a:t> - Add Backbone</a:t>
+            </a:r>
+          </a:p>
+          <a:p>
+            <a:pPr algn="l"/>
+            <a:r>
+              <a:rPr lang="en-US" sz="2200" dirty="0"/>
+              <a:t> - Split spec into multiple files</a:t>
+            </a:r>
+          </a:p>
+          <a:p>
+            <a:pPr algn="l"/>
+            <a:r>
+              <a:rPr lang="en-US" sz="2200" dirty="0"/>
+              <a:t> - Set up Karma to test multiple browsers</a:t>
+            </a:r>
+          </a:p>
+          <a:p>
+            <a:pPr algn="l"/>
+            <a:r>
+              <a:rPr lang="en-US" sz="2200" dirty="0"/>
+              <a:t> - E2E versus units with Backbone</a:t>
+            </a:r>
+          </a:p>
+          <a:p>
+            <a:pPr algn="l"/>
+            <a:endParaRPr lang="en-US" sz="2200" dirty="0"/>
+          </a:p>
+          <a:p>
+            <a:pPr algn="l"/>
+            <a:r>
+              <a:rPr lang="en-US" sz="2200" dirty="0" smtClean="0"/>
+              <a:t>(15 min break</a:t>
+            </a:r>
+            <a:r>
+              <a:rPr lang="en-US" sz="2200" dirty="0"/>
+              <a:t>)</a:t>
+            </a:r>
+          </a:p>
+        </p:txBody>
+      </p:sp>
+    </p:spTree>
+    <p:extLst>
+      <p:ext uri="{BB962C8B-B14F-4D97-AF65-F5344CB8AC3E}">
+        <p14:creationId xmlns:p14="http://schemas.microsoft.com/office/powerpoint/2010/main" val="1890478168"/>
+      </p:ext>
+    </p:extLst>
+  </p:cSld>
+  <p:clrMapOvr>
+    <a:masterClrMapping/>
+  </p:clrMapOvr>
+  <p:timing>
+    <p:tnLst>
+      <p:par>
+        <p:cTn xmlns:p14="http://schemas.microsoft.com/office/powerpoint/2010/main" id="1" dur="indefinite" restart="never" nodeType="tmRoot"/>
+      </p:par>
+    </p:tnLst>
+  </p:timing>
+</p:sld>
+</file>
+
+<file path=ppt/slides/slide23.xml><?xml version="1.0" encoding="utf-8"?>
+<p:sld xmlns:a="http://schemas.openxmlformats.org/drawingml/2006/main" xmlns:r="http://schemas.openxmlformats.org/officeDocument/2006/relationships" xmlns:p="http://schemas.openxmlformats.org/presentationml/2006/main">
+  <p:cSld>
+    <p:spTree>
+      <p:nvGrpSpPr>
+        <p:cNvPr id="1" name=""/>
+        <p:cNvGrpSpPr/>
+        <p:nvPr/>
+      </p:nvGrpSpPr>
+      <p:grpSpPr>
+        <a:xfrm>
+          <a:off x="0" y="0"/>
+          <a:ext cx="0" cy="0"/>
+          <a:chOff x="0" y="0"/>
+          <a:chExt cx="0" cy="0"/>
+        </a:xfrm>
+      </p:grpSpPr>
+      <p:sp>
+        <p:nvSpPr>
+          <p:cNvPr id="2" name="Title 1"/>
+          <p:cNvSpPr>
+            <a:spLocks noGrp="1"/>
+          </p:cNvSpPr>
+          <p:nvPr>
+            <p:ph type="ctrTitle"/>
+          </p:nvPr>
+        </p:nvSpPr>
+        <p:spPr>
+          <a:xfrm>
+            <a:off x="685800" y="160685"/>
+            <a:ext cx="7772400" cy="1470025"/>
+          </a:xfrm>
+        </p:spPr>
+        <p:txBody>
+          <a:bodyPr/>
+          <a:lstStyle/>
+          <a:p>
+            <a:r>
+              <a:rPr lang="en-US" dirty="0" smtClean="0"/>
               <a:t>Advanced Jasmine</a:t>
             </a:r>
             <a:endParaRPr lang="en-US" dirty="0"/>
@@ -5776,7 +5980,7 @@
 </p:sld>
 </file>
 
-<file path=ppt/slides/slide23.xml><?xml version="1.0" encoding="utf-8"?>
+<file path=ppt/slides/slide24.xml><?xml version="1.0" encoding="utf-8"?>
 <p:sld xmlns:a="http://schemas.openxmlformats.org/drawingml/2006/main" xmlns:r="http://schemas.openxmlformats.org/officeDocument/2006/relationships" xmlns:p="http://schemas.openxmlformats.org/presentationml/2006/main">
   <p:cSld>
     <p:spTree>
@@ -6021,8 +6225,16 @@
           <a:lstStyle/>
           <a:p>
             <a:r>
+              <a:rPr lang="en-US" dirty="0"/>
+              <a:t>Schedule </a:t>
+            </a:r>
+            <a:r>
               <a:rPr lang="en-US" dirty="0" smtClean="0"/>
-              <a:t>Get Started</a:t>
+              <a:t>– </a:t>
+            </a:r>
+            <a:r>
+              <a:rPr lang="en-US" dirty="0" smtClean="0"/>
+              <a:t>day 2</a:t>
             </a:r>
             <a:endParaRPr lang="en-US" dirty="0"/>
           </a:p>
@@ -6055,60 +6267,95 @@
               <a:buChar char="•"/>
             </a:pPr>
             <a:r>
-              <a:rPr lang="en-US" sz="2000" dirty="0" smtClean="0"/>
-              <a:t>Introductions &amp; icebreakers</a:t>
-            </a:r>
-          </a:p>
-          <a:p>
-            <a:pPr marL="342900" indent="-342900" algn="l">
-              <a:buFont typeface="Arial"/>
-              <a:buChar char="•"/>
-            </a:pPr>
-            <a:r>
-              <a:rPr lang="en-US" sz="2000" dirty="0"/>
-              <a:t>Course guidelines &amp; </a:t>
-            </a:r>
-            <a:r>
-              <a:rPr lang="en-US" sz="2000" dirty="0" smtClean="0"/>
-              <a:t>housekeeping</a:t>
-            </a:r>
-          </a:p>
-          <a:p>
-            <a:pPr marL="342900" indent="-342900" algn="l">
-              <a:buFont typeface="Arial"/>
-              <a:buChar char="•"/>
-            </a:pPr>
-            <a:r>
-              <a:rPr lang="en-US" sz="2000" dirty="0" smtClean="0"/>
-              <a:t>Session Objectives</a:t>
-            </a:r>
-          </a:p>
-          <a:p>
-            <a:pPr marL="800100" lvl="1" indent="-342900" algn="l">
-              <a:buFont typeface="Arial"/>
-              <a:buChar char="•"/>
-            </a:pPr>
-            <a:r>
-              <a:rPr lang="en-US" sz="1600" dirty="0" smtClean="0"/>
-              <a:t>Demonstrate understanding of best practices</a:t>
-            </a:r>
-          </a:p>
-          <a:p>
-            <a:pPr marL="800100" lvl="1" indent="-342900" algn="l">
-              <a:buFont typeface="Arial"/>
-              <a:buChar char="•"/>
-            </a:pPr>
-            <a:r>
-              <a:rPr lang="en-US" sz="1600" dirty="0" smtClean="0"/>
-              <a:t>Fluency writing tests &amp; automating them</a:t>
-            </a:r>
+              <a:rPr lang="en-US" sz="1800" dirty="0" smtClean="0"/>
+              <a:t>Review</a:t>
+            </a:r>
+          </a:p>
+          <a:p>
+            <a:pPr marL="342900" indent="-342900" algn="l">
+              <a:buFont typeface="Arial"/>
+              <a:buChar char="•"/>
+            </a:pPr>
+            <a:r>
+              <a:rPr lang="en-US" sz="1800" dirty="0" smtClean="0"/>
+              <a:t>Lab: Add Marionette to the stack</a:t>
+            </a:r>
+            <a:endParaRPr lang="en-US" sz="1800" dirty="0"/>
+          </a:p>
+          <a:p>
+            <a:pPr marL="342900" indent="-342900" algn="l">
+              <a:buFont typeface="Arial"/>
+              <a:buChar char="•"/>
+            </a:pPr>
+            <a:r>
+              <a:rPr lang="en-US" sz="1800" dirty="0" smtClean="0"/>
+              <a:t>( break )</a:t>
+            </a:r>
+          </a:p>
+          <a:p>
+            <a:pPr marL="342900" indent="-342900" algn="l">
+              <a:buFont typeface="Arial"/>
+              <a:buChar char="•"/>
+            </a:pPr>
+            <a:r>
+              <a:rPr lang="en-US" sz="1800" dirty="0" smtClean="0"/>
+              <a:t>Open period for review or student requests</a:t>
+            </a:r>
+            <a:endParaRPr lang="en-US" sz="1800" dirty="0"/>
+          </a:p>
+          <a:p>
+            <a:pPr marL="342900" indent="-342900" algn="l">
+              <a:buFont typeface="Arial"/>
+              <a:buChar char="•"/>
+            </a:pPr>
+            <a:r>
+              <a:rPr lang="en-US" sz="1800" dirty="0" smtClean="0"/>
+              <a:t>( lunch )</a:t>
+            </a:r>
+          </a:p>
+          <a:p>
+            <a:pPr marL="342900" indent="-342900" algn="l">
+              <a:buFont typeface="Arial"/>
+              <a:buChar char="•"/>
+            </a:pPr>
+            <a:r>
+              <a:rPr lang="en-US" sz="1800" dirty="0" smtClean="0"/>
+              <a:t>Lab: Practical examples</a:t>
+            </a:r>
+          </a:p>
+          <a:p>
+            <a:pPr marL="342900" indent="-342900" algn="l">
+              <a:buFont typeface="Arial"/>
+              <a:buChar char="•"/>
+            </a:pPr>
+            <a:r>
+              <a:rPr lang="en-US" sz="1800" dirty="0" smtClean="0"/>
+              <a:t>( break )</a:t>
+            </a:r>
+          </a:p>
+          <a:p>
+            <a:pPr marL="342900" indent="-342900" algn="l">
+              <a:buFont typeface="Arial"/>
+              <a:buChar char="•"/>
+            </a:pPr>
+            <a:r>
+              <a:rPr lang="en-US" sz="1800" dirty="0"/>
+              <a:t>Lab: Practical examples</a:t>
+            </a:r>
+          </a:p>
+          <a:p>
+            <a:pPr marL="342900" indent="-342900" algn="l">
+              <a:buFont typeface="Arial"/>
+              <a:buChar char="•"/>
+            </a:pPr>
+            <a:endParaRPr lang="en-US" sz="1800" dirty="0" smtClean="0"/>
           </a:p>
         </p:txBody>
       </p:sp>
     </p:spTree>
     <p:extLst>
       <p:ext uri="{BB962C8B-B14F-4D97-AF65-F5344CB8AC3E}">
-        <p14:creationId xmlns:p14="http://schemas.microsoft.com/office/powerpoint/2010/main" val="3095697846"/>
+        <p14:creationId xmlns:p14="http://schemas.microsoft.com/office/powerpoint/2010/main" val="3464019895"/>
       </p:ext>
     </p:extLst>
   </p:cSld>
@@ -6154,7 +6401,7 @@
         </p:nvSpPr>
         <p:spPr>
           <a:xfrm>
-            <a:off x="685800" y="2541935"/>
+            <a:off x="685800" y="160685"/>
             <a:ext cx="7772400" cy="1470025"/>
           </a:xfrm>
         </p:spPr>
@@ -6164,16 +6411,93 @@
           <a:p>
             <a:r>
               <a:rPr lang="en-US" dirty="0" smtClean="0"/>
-              <a:t>Why Test?</a:t>
+              <a:t>Get Started</a:t>
             </a:r>
             <a:endParaRPr lang="en-US" dirty="0"/>
+          </a:p>
+        </p:txBody>
+      </p:sp>
+      <p:sp>
+        <p:nvSpPr>
+          <p:cNvPr id="3" name="Subtitle 2"/>
+          <p:cNvSpPr>
+            <a:spLocks noGrp="1"/>
+          </p:cNvSpPr>
+          <p:nvPr>
+            <p:ph type="subTitle" idx="1"/>
+          </p:nvPr>
+        </p:nvSpPr>
+        <p:spPr>
+          <a:xfrm>
+            <a:off x="454651" y="1630710"/>
+            <a:ext cx="8371875" cy="4609893"/>
+          </a:xfrm>
+        </p:spPr>
+        <p:txBody>
+          <a:bodyPr>
+            <a:normAutofit/>
+          </a:bodyPr>
+          <a:lstStyle/>
+          <a:p>
+            <a:pPr marL="342900" indent="-342900" algn="l">
+              <a:buFont typeface="Arial"/>
+              <a:buChar char="•"/>
+            </a:pPr>
+            <a:r>
+              <a:rPr lang="en-US" sz="2000" dirty="0" smtClean="0"/>
+              <a:t>Introductions &amp; icebreakers</a:t>
+            </a:r>
+          </a:p>
+          <a:p>
+            <a:pPr marL="342900" indent="-342900" algn="l">
+              <a:buFont typeface="Arial"/>
+              <a:buChar char="•"/>
+            </a:pPr>
+            <a:r>
+              <a:rPr lang="en-US" sz="2000" dirty="0"/>
+              <a:t>Course guidelines &amp; </a:t>
+            </a:r>
+            <a:r>
+              <a:rPr lang="en-US" sz="2000" dirty="0" smtClean="0"/>
+              <a:t>housekeeping</a:t>
+            </a:r>
+          </a:p>
+          <a:p>
+            <a:pPr marL="342900" indent="-342900" algn="l">
+              <a:buFont typeface="Arial"/>
+              <a:buChar char="•"/>
+            </a:pPr>
+            <a:r>
+              <a:rPr lang="en-US" sz="2000" dirty="0" smtClean="0"/>
+              <a:t>Session Objectives</a:t>
+            </a:r>
+          </a:p>
+          <a:p>
+            <a:pPr marL="800100" lvl="1" indent="-342900" algn="l">
+              <a:buFont typeface="Arial"/>
+              <a:buChar char="•"/>
+            </a:pPr>
+            <a:r>
+              <a:rPr lang="en-US" sz="1600" dirty="0" smtClean="0"/>
+              <a:t>Demonstrate understanding of best practices</a:t>
+            </a:r>
+          </a:p>
+          <a:p>
+            <a:pPr marL="800100" lvl="1" indent="-342900" algn="l">
+              <a:buFont typeface="Arial"/>
+              <a:buChar char="•"/>
+            </a:pPr>
+            <a:r>
+              <a:rPr lang="en-US" sz="1600" dirty="0" smtClean="0"/>
+              <a:t>Fluency writing tests &amp; automating them</a:t>
+            </a:r>
           </a:p>
         </p:txBody>
       </p:sp>
     </p:spTree>
     <p:extLst>
       <p:ext uri="{BB962C8B-B14F-4D97-AF65-F5344CB8AC3E}">
-        <p14:creationId xmlns:p14="http://schemas.microsoft.com/office/powerpoint/2010/main" val="3693108046"/>
+        <p14:creationId xmlns:p14="http://schemas.microsoft.com/office/powerpoint/2010/main" val="3095697846"/>
       </p:ext>
     </p:extLst>
   </p:cSld>
@@ -6219,7 +6543,7 @@
         </p:nvSpPr>
         <p:spPr>
           <a:xfrm>
-            <a:off x="685800" y="160685"/>
+            <a:off x="685800" y="2541935"/>
             <a:ext cx="7772400" cy="1470025"/>
           </a:xfrm>
         </p:spPr>
@@ -6235,53 +6559,10 @@
           </a:p>
         </p:txBody>
       </p:sp>
-      <p:sp>
-        <p:nvSpPr>
-          <p:cNvPr id="3" name="Subtitle 2"/>
-          <p:cNvSpPr>
-            <a:spLocks noGrp="1"/>
-          </p:cNvSpPr>
-          <p:nvPr>
-            <p:ph type="subTitle" idx="1"/>
-          </p:nvPr>
-        </p:nvSpPr>
-        <p:spPr>
-          <a:xfrm>
-            <a:off x="454651" y="1630710"/>
-            <a:ext cx="8371875" cy="4609893"/>
-          </a:xfrm>
-        </p:spPr>
-        <p:txBody>
-          <a:bodyPr>
-            <a:normAutofit/>
-          </a:bodyPr>
-          <a:lstStyle/>
-          <a:p>
-            <a:endParaRPr lang="en-US" sz="2000" dirty="0"/>
-          </a:p>
-          <a:p>
-            <a:r>
-              <a:rPr lang="en-US" sz="2000" dirty="0"/>
-              <a:t>“Software testing alone has limited </a:t>
-            </a:r>
-            <a:r>
-              <a:rPr lang="en-US" sz="2000" dirty="0" smtClean="0"/>
-              <a:t>effectiveness [in catching bugs] </a:t>
-            </a:r>
-            <a:r>
-              <a:rPr lang="en-US" sz="2000" dirty="0"/>
-              <a:t>- the average defect detection rate is only 25 percent for unit testing, 35 percent for function testing, and 45 percent for integration testing. In contrast, the average effectiveness of design and code inspections are 55 and 60 percent.” - McConnell, Code Complete</a:t>
-            </a:r>
-          </a:p>
-          <a:p>
-            <a:endParaRPr lang="en-US" sz="2000" dirty="0" smtClean="0"/>
-          </a:p>
-        </p:txBody>
-      </p:sp>
     </p:spTree>
     <p:extLst>
       <p:ext uri="{BB962C8B-B14F-4D97-AF65-F5344CB8AC3E}">
-        <p14:creationId xmlns:p14="http://schemas.microsoft.com/office/powerpoint/2010/main" val="2677088427"/>
+        <p14:creationId xmlns:p14="http://schemas.microsoft.com/office/powerpoint/2010/main" val="3693108046"/>
       </p:ext>
     </p:extLst>
   </p:cSld>
@@ -6365,91 +6646,31 @@
           </a:bodyPr>
           <a:lstStyle/>
           <a:p>
-            <a:pPr marL="342900" indent="-342900" algn="l">
-              <a:buFont typeface="Arial"/>
-              <a:buChar char="•"/>
-            </a:pPr>
+            <a:endParaRPr lang="en-US" sz="2000" dirty="0"/>
+          </a:p>
+          <a:p>
+            <a:r>
+              <a:rPr lang="en-US" sz="2000" dirty="0"/>
+              <a:t>“Software testing alone has limited </a:t>
+            </a:r>
             <a:r>
               <a:rPr lang="en-US" sz="2000" dirty="0" smtClean="0"/>
-              <a:t>Catching bugs is one of many testing benefits</a:t>
-            </a:r>
-          </a:p>
-          <a:p>
-            <a:pPr marL="342900" indent="-342900" algn="l">
-              <a:buFont typeface="Arial"/>
-              <a:buChar char="•"/>
-            </a:pPr>
-            <a:r>
-              <a:rPr lang="en-US" sz="2000" dirty="0" smtClean="0"/>
-              <a:t>But tests will not catch all bugs</a:t>
-            </a:r>
-          </a:p>
-          <a:p>
-            <a:pPr marL="342900" indent="-342900" algn="l">
-              <a:buFont typeface="Arial"/>
-              <a:buChar char="•"/>
-            </a:pPr>
-            <a:r>
-              <a:rPr lang="en-US" sz="2000" dirty="0" smtClean="0"/>
-              <a:t>Verifying "correctness" is like proving a negative</a:t>
-            </a:r>
-          </a:p>
-          <a:p>
-            <a:pPr marL="342900" indent="-342900" algn="l">
-              <a:buFont typeface="Arial"/>
-              <a:buChar char="•"/>
-            </a:pPr>
-            <a:r>
-              <a:rPr lang="en-US" sz="2000" dirty="0" smtClean="0"/>
-              <a:t>How can you write tests for bugs you don't yet know about?</a:t>
-            </a:r>
-          </a:p>
-          <a:p>
-            <a:pPr marL="342900" indent="-342900" algn="l">
-              <a:buFont typeface="Arial"/>
-              <a:buChar char="•"/>
-            </a:pPr>
-            <a:r>
-              <a:rPr lang="en-US" sz="2000" dirty="0" smtClean="0"/>
-              <a:t>Testing promotes confidence in deployment and refactoring</a:t>
-            </a:r>
-          </a:p>
-          <a:p>
-            <a:pPr marL="342900" indent="-342900" algn="l">
-              <a:buFont typeface="Arial"/>
-              <a:buChar char="•"/>
-            </a:pPr>
-            <a:r>
-              <a:rPr lang="en-US" sz="2000" dirty="0" smtClean="0"/>
-              <a:t>Frequent refactoring and deployment promotes quality code</a:t>
-            </a:r>
-          </a:p>
-          <a:p>
-            <a:pPr marL="342900" indent="-342900" algn="l">
-              <a:buFont typeface="Arial"/>
-              <a:buChar char="•"/>
-            </a:pPr>
-            <a:r>
-              <a:rPr lang="en-US" sz="2000" dirty="0" smtClean="0"/>
-              <a:t>Hawthorne effect: thinking about testing results in better code</a:t>
-            </a:r>
-          </a:p>
-          <a:p>
-            <a:pPr marL="342900" indent="-342900" algn="l">
-              <a:buFont typeface="Arial"/>
-              <a:buChar char="•"/>
-            </a:pPr>
-            <a:r>
-              <a:rPr lang="en-US" sz="2000" dirty="0" smtClean="0"/>
-              <a:t>Alert you to non-obvious connections at development time</a:t>
-            </a:r>
+              <a:t>effectiveness [in catching bugs] </a:t>
+            </a:r>
+            <a:r>
+              <a:rPr lang="en-US" sz="2000" dirty="0"/>
+              <a:t>- the average defect detection rate is only 25 percent for unit testing, 35 percent for function testing, and 45 percent for integration testing. In contrast, the average effectiveness of design and code inspections are 55 and 60 percent.” - McConnell, Code Complete</a:t>
+            </a:r>
+          </a:p>
+          <a:p>
+            <a:endParaRPr lang="en-US" sz="2000" dirty="0" smtClean="0"/>
           </a:p>
         </p:txBody>
       </p:sp>
     </p:spTree>
     <p:extLst>
       <p:ext uri="{BB962C8B-B14F-4D97-AF65-F5344CB8AC3E}">
-        <p14:creationId xmlns:p14="http://schemas.microsoft.com/office/powerpoint/2010/main" val="463238647"/>
+        <p14:creationId xmlns:p14="http://schemas.microsoft.com/office/powerpoint/2010/main" val="2677088427"/>
       </p:ext>
     </p:extLst>
   </p:cSld>
@@ -6533,10 +6754,13 @@
           </a:bodyPr>
           <a:lstStyle/>
           <a:p>
-            <a:pPr algn="l"/>
+            <a:pPr marL="342900" indent="-342900" algn="l">
+              <a:buFont typeface="Arial"/>
+              <a:buChar char="•"/>
+            </a:pPr>
             <a:r>
               <a:rPr lang="en-US" sz="2000" dirty="0" smtClean="0"/>
-              <a:t>Software Quality Assurance includes…</a:t>
+              <a:t>Catching bugs is one of many testing benefits</a:t>
             </a:r>
           </a:p>
           <a:p>
@@ -6546,7 +6770,7 @@
             </a:pPr>
             <a:r>
               <a:rPr lang="en-US" sz="2000" dirty="0" smtClean="0"/>
-              <a:t>Style guide &amp; linter</a:t>
+              <a:t>But tests will not catch all bugs</a:t>
             </a:r>
           </a:p>
           <a:p>
@@ -6556,11 +6780,7 @@
             </a:pPr>
             <a:r>
               <a:rPr lang="en-US" sz="2000" dirty="0" smtClean="0"/>
-              <a:t>Version </a:t>
-            </a:r>
-            <a:r>
-              <a:rPr lang="en-US" sz="2000" dirty="0"/>
-              <a:t>control</a:t>
+              <a:t>Verifying "correctness" is like proving a negative</a:t>
             </a:r>
           </a:p>
           <a:p>
@@ -6570,7 +6790,7 @@
             </a:pPr>
             <a:r>
               <a:rPr lang="en-US" sz="2000" dirty="0" smtClean="0"/>
-              <a:t>Automated testing</a:t>
+              <a:t>How can you write tests for bugs you don't yet know about?</a:t>
             </a:r>
           </a:p>
           <a:p>
@@ -6580,7 +6800,7 @@
             </a:pPr>
             <a:r>
               <a:rPr lang="en-US" sz="2000" dirty="0" smtClean="0"/>
-              <a:t>Manual testing</a:t>
+              <a:t>Testing promotes confidence in deployment and refactoring</a:t>
             </a:r>
           </a:p>
           <a:p>
@@ -6590,7 +6810,7 @@
             </a:pPr>
             <a:r>
               <a:rPr lang="en-US" sz="2000" dirty="0" smtClean="0"/>
-              <a:t>Code reviews</a:t>
+              <a:t>Frequent refactoring and deployment promotes quality code</a:t>
             </a:r>
           </a:p>
           <a:p>
@@ -6600,7 +6820,7 @@
             </a:pPr>
             <a:r>
               <a:rPr lang="en-US" sz="2000" dirty="0" smtClean="0"/>
-              <a:t>Architecture</a:t>
+              <a:t>Hawthorne effect: thinking about testing results in better code</a:t>
             </a:r>
           </a:p>
           <a:p>
@@ -6610,27 +6830,7 @@
             </a:pPr>
             <a:r>
               <a:rPr lang="en-US" sz="2000" dirty="0" smtClean="0"/>
-              <a:t>Configuration management</a:t>
-            </a:r>
-          </a:p>
-          <a:p>
-            <a:pPr marL="342900" indent="-342900" algn="l">
-              <a:buFont typeface="Arial"/>
-              <a:buChar char="•"/>
-            </a:pPr>
-            <a:r>
-              <a:rPr lang="en-US" sz="2000" dirty="0" smtClean="0"/>
-              <a:t>Release management</a:t>
-            </a:r>
-          </a:p>
-          <a:p>
-            <a:pPr marL="342900" indent="-342900" algn="l">
-              <a:buFont typeface="Arial"/>
-              <a:buChar char="•"/>
-            </a:pPr>
-            <a:r>
-              <a:rPr lang="en-US" sz="2000" dirty="0" smtClean="0"/>
-              <a:t>Goals, plans &amp; metrics</a:t>
+              <a:t>Alert you to non-obvious connections at development time</a:t>
             </a:r>
           </a:p>
         </p:txBody>
@@ -6638,7 +6838,7 @@
     </p:spTree>
     <p:extLst>
       <p:ext uri="{BB962C8B-B14F-4D97-AF65-F5344CB8AC3E}">
-        <p14:creationId xmlns:p14="http://schemas.microsoft.com/office/powerpoint/2010/main" val="2277485757"/>
+        <p14:creationId xmlns:p14="http://schemas.microsoft.com/office/powerpoint/2010/main" val="463238647"/>
       </p:ext>
     </p:extLst>
   </p:cSld>
@@ -6694,15 +6894,7 @@
           <a:p>
             <a:r>
               <a:rPr lang="en-US" dirty="0" smtClean="0"/>
-              <a:t>Why </a:t>
-            </a:r>
-            <a:r>
-              <a:rPr lang="en-US" i="1" dirty="0" smtClean="0"/>
-              <a:t>not</a:t>
-            </a:r>
-            <a:r>
-              <a:rPr lang="en-US" dirty="0" smtClean="0"/>
-              <a:t> Test?</a:t>
+              <a:t>Why Test?</a:t>
             </a:r>
             <a:endParaRPr lang="en-US" dirty="0"/>
           </a:p>
@@ -6733,7 +6925,7 @@
             <a:pPr algn="l"/>
             <a:r>
               <a:rPr lang="en-US" sz="2000" dirty="0" smtClean="0"/>
-              <a:t>Common obstacles:</a:t>
+              <a:t>Software Quality Assurance includes…</a:t>
             </a:r>
           </a:p>
           <a:p>
@@ -6743,7 +6935,7 @@
             </a:pPr>
             <a:r>
               <a:rPr lang="en-US" sz="2000" dirty="0" smtClean="0"/>
-              <a:t>"Writing tests means less time for features."</a:t>
+              <a:t>Style guide &amp; linter</a:t>
             </a:r>
           </a:p>
           <a:p>
@@ -6753,7 +6945,11 @@
             </a:pPr>
             <a:r>
               <a:rPr lang="en-US" sz="2000" dirty="0" smtClean="0"/>
-              <a:t>"We already manually test and it works fine."</a:t>
+              <a:t>Version </a:t>
+            </a:r>
+            <a:r>
+              <a:rPr lang="en-US" sz="2000" dirty="0"/>
+              <a:t>control</a:t>
             </a:r>
           </a:p>
           <a:p>
@@ -6763,15 +6959,17 @@
             </a:pPr>
             <a:r>
               <a:rPr lang="en-US" sz="2000" dirty="0" smtClean="0"/>
-              <a:t>"Testing seems ideological and </a:t>
-            </a:r>
-            <a:r>
-              <a:rPr lang="en-US" sz="2000" dirty="0" err="1" smtClean="0"/>
-              <a:t>buzzwordy</a:t>
-            </a:r>
+              <a:t>Automated testing</a:t>
+            </a:r>
+          </a:p>
+          <a:p>
+            <a:pPr marL="342900" indent="-342900" algn="l">
+              <a:buFont typeface="Arial"/>
+              <a:buChar char="•"/>
+            </a:pPr>
             <a:r>
               <a:rPr lang="en-US" sz="2000" dirty="0" smtClean="0"/>
-              <a:t>."</a:t>
+              <a:t>Manual testing</a:t>
             </a:r>
           </a:p>
           <a:p>
@@ -6781,7 +6979,47 @@
             </a:pPr>
             <a:r>
               <a:rPr lang="en-US" sz="2000" dirty="0" smtClean="0"/>
-              <a:t>"Automated testing seems hard."</a:t>
+              <a:t>Code reviews</a:t>
+            </a:r>
+          </a:p>
+          <a:p>
+            <a:pPr marL="342900" indent="-342900" algn="l">
+              <a:buFont typeface="Arial"/>
+              <a:buChar char="•"/>
+            </a:pPr>
+            <a:r>
+              <a:rPr lang="en-US" sz="2000" dirty="0" smtClean="0"/>
+              <a:t>Architecture</a:t>
+            </a:r>
+          </a:p>
+          <a:p>
+            <a:pPr marL="342900" indent="-342900" algn="l">
+              <a:buFont typeface="Arial"/>
+              <a:buChar char="•"/>
+            </a:pPr>
+            <a:r>
+              <a:rPr lang="en-US" sz="2000" dirty="0" smtClean="0"/>
+              <a:t>Configuration management</a:t>
+            </a:r>
+          </a:p>
+          <a:p>
+            <a:pPr marL="342900" indent="-342900" algn="l">
+              <a:buFont typeface="Arial"/>
+              <a:buChar char="•"/>
+            </a:pPr>
+            <a:r>
+              <a:rPr lang="en-US" sz="2000" dirty="0" smtClean="0"/>
+              <a:t>Release management</a:t>
+            </a:r>
+          </a:p>
+          <a:p>
+            <a:pPr marL="342900" indent="-342900" algn="l">
+              <a:buFont typeface="Arial"/>
+              <a:buChar char="•"/>
+            </a:pPr>
+            <a:r>
+              <a:rPr lang="en-US" sz="2000" dirty="0" smtClean="0"/>
+              <a:t>Goals, plans &amp; metrics</a:t>
             </a:r>
           </a:p>
         </p:txBody>
@@ -6789,7 +7027,7 @@
     </p:spTree>
     <p:extLst>
       <p:ext uri="{BB962C8B-B14F-4D97-AF65-F5344CB8AC3E}">
-        <p14:creationId xmlns:p14="http://schemas.microsoft.com/office/powerpoint/2010/main" val="176992089"/>
+        <p14:creationId xmlns:p14="http://schemas.microsoft.com/office/powerpoint/2010/main" val="2277485757"/>
       </p:ext>
     </p:extLst>
   </p:cSld>
@@ -6845,7 +7083,15 @@
           <a:p>
             <a:r>
               <a:rPr lang="en-US" dirty="0" smtClean="0"/>
-              <a:t>Core Concepts: TDD &amp; BDD</a:t>
+              <a:t>Why </a:t>
+            </a:r>
+            <a:r>
+              <a:rPr lang="en-US" i="1" dirty="0" smtClean="0"/>
+              <a:t>not</a:t>
+            </a:r>
+            <a:r>
+              <a:rPr lang="en-US" dirty="0" smtClean="0"/>
+              <a:t> Test?</a:t>
             </a:r>
             <a:endParaRPr lang="en-US" dirty="0"/>
           </a:p>
@@ -6873,43 +7119,10 @@
           </a:bodyPr>
           <a:lstStyle/>
           <a:p>
-            <a:pPr marL="342900" indent="-342900" algn="l">
-              <a:buFont typeface="Arial"/>
-              <a:buChar char="•"/>
-            </a:pPr>
+            <a:pPr algn="l"/>
             <a:r>
               <a:rPr lang="en-US" sz="2000" dirty="0" smtClean="0"/>
-              <a:t>TDD</a:t>
-            </a:r>
-          </a:p>
-          <a:p>
-            <a:pPr marL="800100" lvl="1" indent="-342900" algn="l">
-              <a:buFont typeface="Arial"/>
-              <a:buChar char="•"/>
-            </a:pPr>
-            <a:r>
-              <a:rPr lang="en-US" sz="1600" dirty="0" smtClean="0"/>
-              <a:t>Test Driven Development means write a failing test first</a:t>
-            </a:r>
-          </a:p>
-          <a:p>
-            <a:pPr marL="800100" lvl="1" indent="-342900" algn="l">
-              <a:buFont typeface="Arial"/>
-              <a:buChar char="•"/>
-            </a:pPr>
-            <a:r>
-              <a:rPr lang="en-US" sz="1600" dirty="0" smtClean="0"/>
-              <a:t>Then write functionality to make test pass</a:t>
-            </a:r>
-          </a:p>
-          <a:p>
-            <a:pPr marL="800100" lvl="1" indent="-342900" algn="l">
-              <a:buFont typeface="Arial"/>
-              <a:buChar char="•"/>
-            </a:pPr>
-            <a:r>
-              <a:rPr lang="en-US" sz="1600" dirty="0" smtClean="0"/>
-              <a:t>Only what's needed to make test pass and no more</a:t>
+              <a:t>Common obstacles:</a:t>
             </a:r>
           </a:p>
           <a:p>
@@ -6919,27 +7132,7 @@
             </a:pPr>
             <a:r>
               <a:rPr lang="en-US" sz="2000" dirty="0" smtClean="0"/>
-              <a:t>BDD</a:t>
-            </a:r>
-          </a:p>
-          <a:p>
-            <a:pPr marL="800100" lvl="1" indent="-342900" algn="l">
-              <a:buFont typeface="Arial"/>
-              <a:buChar char="•"/>
-            </a:pPr>
-            <a:r>
-              <a:rPr lang="en-US" sz="1600" dirty="0" smtClean="0"/>
-              <a:t>Behavior Driven Development means write test objectives in plain English</a:t>
-            </a:r>
-          </a:p>
-          <a:p>
-            <a:pPr marL="800100" lvl="1" indent="-342900" algn="l">
-              <a:buFont typeface="Arial"/>
-              <a:buChar char="•"/>
-            </a:pPr>
-            <a:r>
-              <a:rPr lang="en-US" sz="1600" dirty="0" smtClean="0"/>
-              <a:t>Simultaneously define and implement the API that the code exposes</a:t>
+              <a:t>"Writing tests means less time for features."</a:t>
             </a:r>
           </a:p>
           <a:p>
@@ -6949,65 +7142,35 @@
             </a:pPr>
             <a:r>
               <a:rPr lang="en-US" sz="2000" dirty="0" smtClean="0"/>
-              <a:t>Benefits</a:t>
-            </a:r>
-          </a:p>
-          <a:p>
-            <a:pPr marL="800100" lvl="1" indent="-342900" algn="l">
-              <a:buFont typeface="Arial"/>
-              <a:buChar char="•"/>
-            </a:pPr>
-            <a:r>
-              <a:rPr lang="en-US" sz="1600" dirty="0" smtClean="0"/>
-              <a:t>TDD enables confident refactoring</a:t>
-            </a:r>
-          </a:p>
-          <a:p>
-            <a:pPr marL="800100" lvl="1" indent="-342900" algn="l">
-              <a:buFont typeface="Arial"/>
-              <a:buChar char="•"/>
-            </a:pPr>
-            <a:r>
-              <a:rPr lang="en-US" sz="1600" dirty="0" smtClean="0"/>
-              <a:t>TDD </a:t>
-            </a:r>
-            <a:r>
-              <a:rPr lang="en-US" sz="1600" dirty="0"/>
-              <a:t>prevents against premature </a:t>
-            </a:r>
-            <a:r>
-              <a:rPr lang="en-US" sz="1600" dirty="0" smtClean="0"/>
-              <a:t>optimization</a:t>
-            </a:r>
-          </a:p>
-          <a:p>
-            <a:pPr marL="800100" lvl="1" indent="-342900" algn="l">
-              <a:buFont typeface="Arial"/>
-              <a:buChar char="•"/>
-            </a:pPr>
-            <a:r>
-              <a:rPr lang="en-US" sz="1600" dirty="0" smtClean="0"/>
-              <a:t>TDD results in better code coverage</a:t>
-            </a:r>
-          </a:p>
-          <a:p>
-            <a:pPr marL="800100" lvl="1" indent="-342900" algn="l">
-              <a:buFont typeface="Arial"/>
-              <a:buChar char="•"/>
-            </a:pPr>
-            <a:r>
-              <a:rPr lang="en-US" sz="1600" dirty="0" smtClean="0"/>
-              <a:t>BDD promotes clear communication with stakeholders</a:t>
-            </a:r>
-          </a:p>
-          <a:p>
-            <a:pPr marL="800100" lvl="1" indent="-342900" algn="l">
-              <a:buFont typeface="Arial"/>
-              <a:buChar char="•"/>
-            </a:pPr>
-            <a:r>
-              <a:rPr lang="en-US" sz="1600" dirty="0" smtClean="0"/>
-              <a:t>BDD serves as living documentation</a:t>
+              <a:t>"We already manually test and it works fine."</a:t>
+            </a:r>
+          </a:p>
+          <a:p>
+            <a:pPr marL="342900" indent="-342900" algn="l">
+              <a:buFont typeface="Arial"/>
+              <a:buChar char="•"/>
+            </a:pPr>
+            <a:r>
+              <a:rPr lang="en-US" sz="2000" dirty="0" smtClean="0"/>
+              <a:t>"Testing seems ideological and </a:t>
+            </a:r>
+            <a:r>
+              <a:rPr lang="en-US" sz="2000" dirty="0" err="1" smtClean="0"/>
+              <a:t>buzzwordy</a:t>
+            </a:r>
+            <a:r>
+              <a:rPr lang="en-US" sz="2000" dirty="0" smtClean="0"/>
+              <a:t>."</a:t>
+            </a:r>
+          </a:p>
+          <a:p>
+            <a:pPr marL="342900" indent="-342900" algn="l">
+              <a:buFont typeface="Arial"/>
+              <a:buChar char="•"/>
+            </a:pPr>
+            <a:r>
+              <a:rPr lang="en-US" sz="2000" dirty="0" smtClean="0"/>
+              <a:t>"Automated testing seems hard."</a:t>
             </a:r>
           </a:p>
         </p:txBody>
@@ -7015,7 +7178,7 @@
     </p:spTree>
     <p:extLst>
       <p:ext uri="{BB962C8B-B14F-4D97-AF65-F5344CB8AC3E}">
-        <p14:creationId xmlns:p14="http://schemas.microsoft.com/office/powerpoint/2010/main" val="3354719638"/>
+        <p14:creationId xmlns:p14="http://schemas.microsoft.com/office/powerpoint/2010/main" val="176992089"/>
       </p:ext>
     </p:extLst>
   </p:cSld>

--- a/slides/TDD Day 1.pptx
+++ b/slides/TDD Day 1.pptx
@@ -5,30 +5,34 @@
     <p:sldMasterId id="2147483648" r:id="rId1"/>
   </p:sldMasterIdLst>
   <p:sldIdLst>
-    <p:sldId id="256" r:id="rId2"/>
-    <p:sldId id="258" r:id="rId3"/>
-    <p:sldId id="283" r:id="rId4"/>
-    <p:sldId id="260" r:id="rId5"/>
-    <p:sldId id="265" r:id="rId6"/>
-    <p:sldId id="267" r:id="rId7"/>
-    <p:sldId id="268" r:id="rId8"/>
-    <p:sldId id="269" r:id="rId9"/>
-    <p:sldId id="270" r:id="rId10"/>
-    <p:sldId id="261" r:id="rId11"/>
-    <p:sldId id="262" r:id="rId12"/>
-    <p:sldId id="263" r:id="rId13"/>
-    <p:sldId id="264" r:id="rId14"/>
-    <p:sldId id="271" r:id="rId15"/>
-    <p:sldId id="273" r:id="rId16"/>
-    <p:sldId id="274" r:id="rId17"/>
-    <p:sldId id="275" r:id="rId18"/>
-    <p:sldId id="276" r:id="rId19"/>
-    <p:sldId id="277" r:id="rId20"/>
-    <p:sldId id="278" r:id="rId21"/>
-    <p:sldId id="279" r:id="rId22"/>
-    <p:sldId id="280" r:id="rId23"/>
-    <p:sldId id="281" r:id="rId24"/>
-    <p:sldId id="282" r:id="rId25"/>
+    <p:sldId id="284" r:id="rId2"/>
+    <p:sldId id="304" r:id="rId3"/>
+    <p:sldId id="265" r:id="rId4"/>
+    <p:sldId id="267" r:id="rId5"/>
+    <p:sldId id="289" r:id="rId6"/>
+    <p:sldId id="290" r:id="rId7"/>
+    <p:sldId id="291" r:id="rId8"/>
+    <p:sldId id="292" r:id="rId9"/>
+    <p:sldId id="287" r:id="rId10"/>
+    <p:sldId id="288" r:id="rId11"/>
+    <p:sldId id="303" r:id="rId12"/>
+    <p:sldId id="293" r:id="rId13"/>
+    <p:sldId id="294" r:id="rId14"/>
+    <p:sldId id="295" r:id="rId15"/>
+    <p:sldId id="296" r:id="rId16"/>
+    <p:sldId id="297" r:id="rId17"/>
+    <p:sldId id="298" r:id="rId18"/>
+    <p:sldId id="299" r:id="rId19"/>
+    <p:sldId id="301" r:id="rId20"/>
+    <p:sldId id="300" r:id="rId21"/>
+    <p:sldId id="302" r:id="rId22"/>
+    <p:sldId id="305" r:id="rId23"/>
+    <p:sldId id="306" r:id="rId24"/>
+    <p:sldId id="307" r:id="rId25"/>
+    <p:sldId id="308" r:id="rId26"/>
+    <p:sldId id="309" r:id="rId27"/>
+    <p:sldId id="310" r:id="rId28"/>
+    <p:sldId id="311" r:id="rId29"/>
   </p:sldIdLst>
   <p:sldSz cx="9144000" cy="6858000" type="screen4x3"/>
   <p:notesSz cx="6858000" cy="9144000"/>
@@ -311,7 +315,7 @@
           <a:p>
             <a:fld id="{6BFECD78-3C8E-49F2-8FAB-59489D168ABB}" type="datetimeFigureOut">
               <a:rPr lang="en-US" smtClean="0"/>
-              <a:t>9/12/16</a:t>
+              <a:t>10/9/16</a:t>
             </a:fld>
             <a:endParaRPr lang="en-US"/>
           </a:p>
@@ -481,7 +485,7 @@
           <a:p>
             <a:fld id="{6BFECD78-3C8E-49F2-8FAB-59489D168ABB}" type="datetimeFigureOut">
               <a:rPr lang="en-US" smtClean="0"/>
-              <a:t>9/12/16</a:t>
+              <a:t>10/9/16</a:t>
             </a:fld>
             <a:endParaRPr lang="en-US"/>
           </a:p>
@@ -661,7 +665,7 @@
           <a:p>
             <a:fld id="{6BFECD78-3C8E-49F2-8FAB-59489D168ABB}" type="datetimeFigureOut">
               <a:rPr lang="en-US" smtClean="0"/>
-              <a:t>9/12/16</a:t>
+              <a:t>10/9/16</a:t>
             </a:fld>
             <a:endParaRPr lang="en-US"/>
           </a:p>
@@ -831,7 +835,7 @@
           <a:p>
             <a:fld id="{6BFECD78-3C8E-49F2-8FAB-59489D168ABB}" type="datetimeFigureOut">
               <a:rPr lang="en-US" smtClean="0"/>
-              <a:t>9/12/16</a:t>
+              <a:t>10/9/16</a:t>
             </a:fld>
             <a:endParaRPr lang="en-US"/>
           </a:p>
@@ -1077,7 +1081,7 @@
           <a:p>
             <a:fld id="{6BFECD78-3C8E-49F2-8FAB-59489D168ABB}" type="datetimeFigureOut">
               <a:rPr lang="en-US" smtClean="0"/>
-              <a:t>9/12/16</a:t>
+              <a:t>10/9/16</a:t>
             </a:fld>
             <a:endParaRPr lang="en-US"/>
           </a:p>
@@ -1365,7 +1369,7 @@
           <a:p>
             <a:fld id="{6BFECD78-3C8E-49F2-8FAB-59489D168ABB}" type="datetimeFigureOut">
               <a:rPr lang="en-US" smtClean="0"/>
-              <a:t>9/12/16</a:t>
+              <a:t>10/9/16</a:t>
             </a:fld>
             <a:endParaRPr lang="en-US"/>
           </a:p>
@@ -1787,7 +1791,7 @@
           <a:p>
             <a:fld id="{6BFECD78-3C8E-49F2-8FAB-59489D168ABB}" type="datetimeFigureOut">
               <a:rPr lang="en-US" smtClean="0"/>
-              <a:t>9/12/16</a:t>
+              <a:t>10/9/16</a:t>
             </a:fld>
             <a:endParaRPr lang="en-US"/>
           </a:p>
@@ -1905,7 +1909,7 @@
           <a:p>
             <a:fld id="{6BFECD78-3C8E-49F2-8FAB-59489D168ABB}" type="datetimeFigureOut">
               <a:rPr lang="en-US" smtClean="0"/>
-              <a:t>9/12/16</a:t>
+              <a:t>10/9/16</a:t>
             </a:fld>
             <a:endParaRPr lang="en-US"/>
           </a:p>
@@ -2000,7 +2004,7 @@
           <a:p>
             <a:fld id="{6BFECD78-3C8E-49F2-8FAB-59489D168ABB}" type="datetimeFigureOut">
               <a:rPr lang="en-US" smtClean="0"/>
-              <a:t>9/12/16</a:t>
+              <a:t>10/9/16</a:t>
             </a:fld>
             <a:endParaRPr lang="en-US"/>
           </a:p>
@@ -2277,7 +2281,7 @@
           <a:p>
             <a:fld id="{6BFECD78-3C8E-49F2-8FAB-59489D168ABB}" type="datetimeFigureOut">
               <a:rPr lang="en-US" smtClean="0"/>
-              <a:t>9/12/16</a:t>
+              <a:t>10/9/16</a:t>
             </a:fld>
             <a:endParaRPr lang="en-US"/>
           </a:p>
@@ -2534,7 +2538,7 @@
           <a:p>
             <a:fld id="{6BFECD78-3C8E-49F2-8FAB-59489D168ABB}" type="datetimeFigureOut">
               <a:rPr lang="en-US" smtClean="0"/>
-              <a:t>9/12/16</a:t>
+              <a:t>10/9/16</a:t>
             </a:fld>
             <a:endParaRPr lang="en-US"/>
           </a:p>
@@ -2747,7 +2751,7 @@
           <a:p>
             <a:fld id="{6BFECD78-3C8E-49F2-8FAB-59489D168ABB}" type="datetimeFigureOut">
               <a:rPr lang="en-US" smtClean="0"/>
-              <a:t>9/12/16</a:t>
+              <a:t>10/9/16</a:t>
             </a:fld>
             <a:endParaRPr lang="en-US"/>
           </a:p>
@@ -3138,47 +3142,59 @@
           <a:lstStyle/>
           <a:p>
             <a:r>
+              <a:rPr lang="en-US" dirty="0" smtClean="0"/>
+              <a:t>Test </a:t>
+            </a:r>
+            <a:r>
+              <a:rPr lang="en-US" dirty="0"/>
+              <a:t>Driven </a:t>
+            </a:r>
+            <a:r>
+              <a:rPr lang="en-US" dirty="0" smtClean="0"/>
+              <a:t>Development</a:t>
+            </a:r>
+            <a:endParaRPr lang="en-US" dirty="0"/>
+          </a:p>
+        </p:txBody>
+      </p:sp>
+      <p:sp>
+        <p:nvSpPr>
+          <p:cNvPr id="3" name="Subtitle 2"/>
+          <p:cNvSpPr>
+            <a:spLocks noGrp="1"/>
+          </p:cNvSpPr>
+          <p:nvPr>
+            <p:ph type="subTitle" idx="1"/>
+          </p:nvPr>
+        </p:nvSpPr>
+        <p:spPr>
+          <a:xfrm>
+            <a:off x="1371600" y="4195884"/>
+            <a:ext cx="6400800" cy="1442916"/>
+          </a:xfrm>
+        </p:spPr>
+        <p:txBody>
+          <a:bodyPr>
+            <a:normAutofit fontScale="92500" lnSpcReduction="20000"/>
+          </a:bodyPr>
+          <a:lstStyle/>
+          <a:p>
+            <a:r>
+              <a:rPr lang="en-US" dirty="0" smtClean="0"/>
+              <a:t>Elias Carlston</a:t>
+            </a:r>
+          </a:p>
+          <a:p>
+            <a:r>
               <a:rPr lang="en-US" dirty="0" err="1" smtClean="0"/>
               <a:t>DevelopIntelligence</a:t>
             </a:r>
-            <a:r>
-              <a:rPr lang="en-US" dirty="0" smtClean="0"/>
-              <a:t/>
-            </a:r>
-            <a:br>
-              <a:rPr lang="en-US" dirty="0" smtClean="0"/>
-            </a:br>
-            <a:r>
-              <a:rPr lang="en-US" dirty="0" smtClean="0"/>
-              <a:t>Test Driven Development, Day 1</a:t>
-            </a:r>
-            <a:endParaRPr lang="en-US" dirty="0"/>
-          </a:p>
-        </p:txBody>
-      </p:sp>
-      <p:sp>
-        <p:nvSpPr>
-          <p:cNvPr id="3" name="Subtitle 2"/>
-          <p:cNvSpPr>
-            <a:spLocks noGrp="1"/>
-          </p:cNvSpPr>
-          <p:nvPr>
-            <p:ph type="subTitle" idx="1"/>
-          </p:nvPr>
-        </p:nvSpPr>
-        <p:spPr>
-          <a:xfrm>
-            <a:off x="1371600" y="4641252"/>
-            <a:ext cx="6400800" cy="997547"/>
-          </a:xfrm>
-        </p:spPr>
-        <p:txBody>
-          <a:bodyPr/>
-          <a:lstStyle/>
-          <a:p>
-            <a:r>
-              <a:rPr lang="en-US" dirty="0" smtClean="0"/>
-              <a:t>Elias Carlston</a:t>
+            <a:endParaRPr lang="en-US" dirty="0" smtClean="0"/>
+          </a:p>
+          <a:p>
+            <a:r>
+              <a:rPr lang="en-US" dirty="0" err="1" smtClean="0"/>
+              <a:t>elias@eliascarlston.com</a:t>
             </a:r>
             <a:endParaRPr lang="en-US" dirty="0"/>
           </a:p>
@@ -3187,20 +3203,13 @@
     </p:spTree>
     <p:extLst>
       <p:ext uri="{BB962C8B-B14F-4D97-AF65-F5344CB8AC3E}">
-        <p14:creationId xmlns:p14="http://schemas.microsoft.com/office/powerpoint/2010/main" val="721873315"/>
+        <p14:creationId xmlns:p14="http://schemas.microsoft.com/office/powerpoint/2010/main" val="2360947988"/>
       </p:ext>
     </p:extLst>
   </p:cSld>
   <p:clrMapOvr>
     <a:masterClrMapping/>
   </p:clrMapOvr>
-  <p:timing>
-    <p:tnLst>
-      <p:par>
-        <p:cTn xmlns:p14="http://schemas.microsoft.com/office/powerpoint/2010/main" id="1" dur="indefinite" restart="never" nodeType="tmRoot"/>
-      </p:par>
-    </p:tnLst>
-  </p:timing>
 </p:sld>
 </file>
 
@@ -3243,7 +3252,7 @@
           <a:p>
             <a:r>
               <a:rPr lang="en-US" dirty="0" smtClean="0"/>
-              <a:t>Core Concepts: TDD &amp; BDD</a:t>
+              <a:t>Why Test?</a:t>
             </a:r>
             <a:endParaRPr lang="en-US" dirty="0"/>
           </a:p>
@@ -3271,149 +3280,54 @@
           </a:bodyPr>
           <a:lstStyle/>
           <a:p>
-            <a:pPr marL="342900" indent="-342900" algn="l">
-              <a:buFont typeface="Arial"/>
-              <a:buChar char="•"/>
-            </a:pPr>
-            <a:r>
-              <a:rPr lang="en-US" sz="2000" dirty="0" smtClean="0"/>
-              <a:t>TDD</a:t>
-            </a:r>
-          </a:p>
-          <a:p>
-            <a:pPr marL="800100" lvl="1" indent="-342900" algn="l">
-              <a:buFont typeface="Arial"/>
-              <a:buChar char="•"/>
-            </a:pPr>
-            <a:r>
-              <a:rPr lang="en-US" sz="1600" dirty="0" smtClean="0"/>
-              <a:t>Test Driven Development means write a failing test first</a:t>
-            </a:r>
-          </a:p>
-          <a:p>
-            <a:pPr marL="800100" lvl="1" indent="-342900" algn="l">
-              <a:buFont typeface="Arial"/>
-              <a:buChar char="•"/>
-            </a:pPr>
-            <a:r>
-              <a:rPr lang="en-US" sz="1600" dirty="0" smtClean="0"/>
-              <a:t>Then write functionality to make test pass</a:t>
-            </a:r>
-          </a:p>
-          <a:p>
-            <a:pPr marL="800100" lvl="1" indent="-342900" algn="l">
-              <a:buFont typeface="Arial"/>
-              <a:buChar char="•"/>
-            </a:pPr>
-            <a:r>
-              <a:rPr lang="en-US" sz="1600" dirty="0" smtClean="0"/>
-              <a:t>Only what's needed to make test pass and no more</a:t>
-            </a:r>
-          </a:p>
-          <a:p>
-            <a:pPr marL="342900" indent="-342900" algn="l">
-              <a:buFont typeface="Arial"/>
-              <a:buChar char="•"/>
-            </a:pPr>
-            <a:r>
-              <a:rPr lang="en-US" sz="2000" dirty="0" smtClean="0"/>
-              <a:t>BDD</a:t>
-            </a:r>
-          </a:p>
-          <a:p>
-            <a:pPr marL="800100" lvl="1" indent="-342900" algn="l">
-              <a:buFont typeface="Arial"/>
-              <a:buChar char="•"/>
-            </a:pPr>
-            <a:r>
-              <a:rPr lang="en-US" sz="1600" dirty="0" smtClean="0"/>
-              <a:t>Behavior Driven Development means write test objectives in plain English</a:t>
-            </a:r>
-          </a:p>
-          <a:p>
-            <a:pPr marL="800100" lvl="1" indent="-342900" algn="l">
-              <a:buFont typeface="Arial"/>
-              <a:buChar char="•"/>
-            </a:pPr>
-            <a:r>
-              <a:rPr lang="en-US" sz="1600" dirty="0" smtClean="0"/>
-              <a:t>Simultaneously define and implement the API that the code exposes</a:t>
-            </a:r>
-          </a:p>
-          <a:p>
-            <a:pPr marL="342900" indent="-342900" algn="l">
-              <a:buFont typeface="Arial"/>
-              <a:buChar char="•"/>
-            </a:pPr>
-            <a:r>
-              <a:rPr lang="en-US" sz="2000" dirty="0" smtClean="0"/>
-              <a:t>Benefits</a:t>
-            </a:r>
-          </a:p>
-          <a:p>
-            <a:pPr marL="800100" lvl="1" indent="-342900" algn="l">
-              <a:buFont typeface="Arial"/>
-              <a:buChar char="•"/>
-            </a:pPr>
-            <a:r>
-              <a:rPr lang="en-US" sz="1600" dirty="0" smtClean="0"/>
-              <a:t>TDD enables confident refactoring</a:t>
-            </a:r>
-          </a:p>
-          <a:p>
-            <a:pPr marL="800100" lvl="1" indent="-342900" algn="l">
-              <a:buFont typeface="Arial"/>
-              <a:buChar char="•"/>
-            </a:pPr>
-            <a:r>
-              <a:rPr lang="en-US" sz="1600" dirty="0" smtClean="0"/>
-              <a:t>TDD </a:t>
-            </a:r>
-            <a:r>
-              <a:rPr lang="en-US" sz="1600" dirty="0"/>
-              <a:t>prevents against premature </a:t>
-            </a:r>
-            <a:r>
-              <a:rPr lang="en-US" sz="1600" dirty="0" smtClean="0"/>
-              <a:t>optimization</a:t>
-            </a:r>
-          </a:p>
-          <a:p>
-            <a:pPr marL="800100" lvl="1" indent="-342900" algn="l">
-              <a:buFont typeface="Arial"/>
-              <a:buChar char="•"/>
-            </a:pPr>
-            <a:r>
-              <a:rPr lang="en-US" sz="1600" dirty="0" smtClean="0"/>
-              <a:t>TDD results in better code coverage</a:t>
-            </a:r>
-          </a:p>
-          <a:p>
-            <a:pPr marL="800100" lvl="1" indent="-342900" algn="l">
-              <a:buFont typeface="Arial"/>
-              <a:buChar char="•"/>
-            </a:pPr>
-            <a:r>
-              <a:rPr lang="en-US" sz="1600" dirty="0" smtClean="0"/>
-              <a:t>BDD promotes clear communication with stakeholders</a:t>
-            </a:r>
-          </a:p>
-          <a:p>
-            <a:pPr marL="800100" lvl="1" indent="-342900" algn="l">
-              <a:buFont typeface="Arial"/>
-              <a:buChar char="•"/>
-            </a:pPr>
-            <a:r>
-              <a:rPr lang="en-US" sz="1600" dirty="0" smtClean="0"/>
-              <a:t>BDD serves as living documentation</a:t>
-            </a:r>
+            <a:pPr marL="457200" indent="-457200" algn="l">
+              <a:buFont typeface="Arial"/>
+              <a:buChar char="•"/>
+            </a:pPr>
+            <a:r>
+              <a:rPr lang="en-US" sz="2800" dirty="0" smtClean="0"/>
+              <a:t>Production: bugs can be so catastrophically expensive that pretty much any effort to catch them is worth it in terms of ROI</a:t>
+            </a:r>
+          </a:p>
+          <a:p>
+            <a:pPr marL="457200" indent="-457200" algn="l">
+              <a:buFont typeface="Arial"/>
+              <a:buChar char="•"/>
+            </a:pPr>
+            <a:r>
+              <a:rPr lang="en-US" sz="2800" dirty="0" smtClean="0"/>
+              <a:t>Development: the </a:t>
+            </a:r>
+            <a:r>
+              <a:rPr lang="en-US" sz="2800" dirty="0" smtClean="0"/>
+              <a:t>earlier in the </a:t>
+            </a:r>
+            <a:r>
+              <a:rPr lang="en-US" sz="2800" dirty="0" err="1" smtClean="0"/>
+              <a:t>dev</a:t>
+            </a:r>
+            <a:r>
+              <a:rPr lang="en-US" sz="2800" dirty="0" smtClean="0"/>
+              <a:t> cycle bugs get caught, the more pleasant life is for everyone</a:t>
+            </a:r>
+          </a:p>
+          <a:p>
+            <a:pPr marL="457200" indent="-457200" algn="l">
+              <a:buFont typeface="Arial"/>
+              <a:buChar char="•"/>
+            </a:pPr>
+            <a:r>
+              <a:rPr lang="en-US" sz="2800" dirty="0" smtClean="0"/>
+              <a:t>Testing is not binary, but a continuum: look for creative approaches to move up the scale at lower cost</a:t>
+            </a:r>
+            <a:endParaRPr lang="en-US" sz="2800" dirty="0" smtClean="0"/>
           </a:p>
         </p:txBody>
       </p:sp>
     </p:spTree>
     <p:extLst>
       <p:ext uri="{BB962C8B-B14F-4D97-AF65-F5344CB8AC3E}">
-        <p14:creationId xmlns:p14="http://schemas.microsoft.com/office/powerpoint/2010/main" val="3354719638"/>
+        <p14:creationId xmlns:p14="http://schemas.microsoft.com/office/powerpoint/2010/main" val="1407486810"/>
       </p:ext>
     </p:extLst>
   </p:cSld>
@@ -3469,7 +3383,7 @@
           <a:p>
             <a:r>
               <a:rPr lang="en-US" dirty="0" smtClean="0"/>
-              <a:t>Core Concepts: Unit tests</a:t>
+              <a:t>Why Test?</a:t>
             </a:r>
             <a:endParaRPr lang="en-US" dirty="0"/>
           </a:p>
@@ -3497,52 +3411,59 @@
           </a:bodyPr>
           <a:lstStyle/>
           <a:p>
-            <a:pPr marL="342900" indent="-342900" algn="l">
-              <a:buFont typeface="Arial"/>
-              <a:buChar char="•"/>
-            </a:pPr>
-            <a:r>
-              <a:rPr lang="en-US" sz="2000" dirty="0" smtClean="0"/>
-              <a:t>Unit tests</a:t>
-            </a:r>
-          </a:p>
-          <a:p>
-            <a:pPr marL="342900" indent="-342900" algn="l">
-              <a:buFont typeface="Arial"/>
-              <a:buChar char="•"/>
-            </a:pPr>
-            <a:r>
-              <a:rPr lang="en-US" sz="2000" dirty="0" smtClean="0"/>
-              <a:t>The smallest possible pieces of functionality</a:t>
-            </a:r>
-          </a:p>
-          <a:p>
-            <a:pPr marL="342900" indent="-342900" algn="l">
-              <a:buFont typeface="Arial"/>
-              <a:buChar char="•"/>
-            </a:pPr>
-            <a:r>
-              <a:rPr lang="en-US" sz="2000" dirty="0" smtClean="0"/>
-              <a:t>Fast, fast, fast</a:t>
-            </a:r>
-          </a:p>
-          <a:p>
-            <a:pPr marL="342900" indent="-342900" algn="l">
-              <a:buFont typeface="Arial"/>
-              <a:buChar char="•"/>
-            </a:pPr>
-            <a:r>
-              <a:rPr lang="en-US" sz="2000" dirty="0" smtClean="0"/>
-              <a:t>Robust (opposite of fragile)</a:t>
-            </a:r>
-            <a:endParaRPr lang="en-US" sz="1600" dirty="0" smtClean="0"/>
+            <a:pPr algn="l"/>
+            <a:r>
+              <a:rPr lang="en-US" sz="2800" dirty="0" smtClean="0"/>
+              <a:t>Forms of Informal / Ad Hoc Testing</a:t>
+            </a:r>
+          </a:p>
+          <a:p>
+            <a:pPr marL="342900" indent="-342900" algn="l">
+              <a:buFont typeface="Arial"/>
+              <a:buChar char="•"/>
+            </a:pPr>
+            <a:r>
+              <a:rPr lang="en-US" sz="2400" dirty="0" smtClean="0"/>
+              <a:t>Locally executing code you just modified</a:t>
+            </a:r>
+          </a:p>
+          <a:p>
+            <a:pPr marL="342900" indent="-342900" algn="l">
+              <a:buFont typeface="Arial"/>
+              <a:buChar char="•"/>
+            </a:pPr>
+            <a:r>
+              <a:rPr lang="en-US" sz="2400" dirty="0" smtClean="0"/>
+              <a:t>Reviewing a list of things to check after modifications</a:t>
+            </a:r>
+          </a:p>
+          <a:p>
+            <a:pPr marL="342900" indent="-342900" algn="l">
+              <a:buFont typeface="Arial"/>
+              <a:buChar char="•"/>
+            </a:pPr>
+            <a:r>
+              <a:rPr lang="en-US" sz="2400" dirty="0"/>
+              <a:t>Pushing code to a staging server for others to try</a:t>
+            </a:r>
+          </a:p>
+          <a:p>
+            <a:pPr marL="342900" indent="-342900" algn="l">
+              <a:buFont typeface="Arial"/>
+              <a:buChar char="•"/>
+            </a:pPr>
+            <a:r>
+              <a:rPr lang="en-US" sz="2400" dirty="0" smtClean="0"/>
+              <a:t>Pushing code to a production server</a:t>
+            </a:r>
+            <a:endParaRPr lang="en-US" sz="2400" dirty="0" smtClean="0"/>
           </a:p>
         </p:txBody>
       </p:sp>
     </p:spTree>
     <p:extLst>
       <p:ext uri="{BB962C8B-B14F-4D97-AF65-F5344CB8AC3E}">
-        <p14:creationId xmlns:p14="http://schemas.microsoft.com/office/powerpoint/2010/main" val="1622738569"/>
+        <p14:creationId xmlns:p14="http://schemas.microsoft.com/office/powerpoint/2010/main" val="2518563333"/>
       </p:ext>
     </p:extLst>
   </p:cSld>
@@ -3598,7 +3519,7 @@
           <a:p>
             <a:r>
               <a:rPr lang="en-US" dirty="0" smtClean="0"/>
-              <a:t>Core Concepts: E2E tests</a:t>
+              <a:t>Why Test?</a:t>
             </a:r>
             <a:endParaRPr lang="en-US" dirty="0"/>
           </a:p>
@@ -3626,43 +3547,107 @@
           </a:bodyPr>
           <a:lstStyle/>
           <a:p>
-            <a:pPr marL="342900" indent="-342900" algn="l">
-              <a:buFont typeface="Arial"/>
-              <a:buChar char="•"/>
-            </a:pPr>
-            <a:r>
-              <a:rPr lang="en-US" sz="2000" dirty="0" smtClean="0"/>
-              <a:t>End to End or integration tests</a:t>
-            </a:r>
-          </a:p>
-          <a:p>
-            <a:pPr marL="342900" indent="-342900" algn="l">
-              <a:buFont typeface="Arial"/>
-              <a:buChar char="•"/>
-            </a:pPr>
-            <a:r>
-              <a:rPr lang="en-US" sz="2000" dirty="0" smtClean="0"/>
-              <a:t>Covers multiple pieces of functionality acting together</a:t>
-            </a:r>
-          </a:p>
-          <a:p>
-            <a:pPr marL="342900" indent="-342900" algn="l">
-              <a:buFont typeface="Arial"/>
-              <a:buChar char="•"/>
-            </a:pPr>
-            <a:r>
-              <a:rPr lang="en-US" sz="2000" dirty="0" smtClean="0"/>
-              <a:t>More dependencies = more fragile</a:t>
-            </a:r>
-          </a:p>
-          <a:p>
-            <a:pPr marL="342900" indent="-342900" algn="l">
-              <a:buFont typeface="Arial"/>
-              <a:buChar char="•"/>
-            </a:pPr>
-            <a:r>
-              <a:rPr lang="en-US" sz="2000" dirty="0" smtClean="0"/>
-              <a:t>Slower than units</a:t>
+            <a:pPr algn="l"/>
+            <a:r>
+              <a:rPr lang="en-US" sz="2800" dirty="0" smtClean="0"/>
+              <a:t>Problems with Informal / Ad Hoc Testing</a:t>
+            </a:r>
+          </a:p>
+          <a:p>
+            <a:pPr marL="342900" indent="-342900" algn="l">
+              <a:buFont typeface="Arial"/>
+              <a:buChar char="•"/>
+            </a:pPr>
+            <a:r>
+              <a:rPr lang="en-US" sz="2400" dirty="0" smtClean="0"/>
+              <a:t>Inconsistent</a:t>
+            </a:r>
+          </a:p>
+          <a:p>
+            <a:pPr marL="342900" indent="-342900" algn="l">
+              <a:buFont typeface="Arial"/>
+              <a:buChar char="•"/>
+            </a:pPr>
+            <a:r>
+              <a:rPr lang="en-US" sz="2400" dirty="0" smtClean="0"/>
+              <a:t>Undocumented</a:t>
+            </a:r>
+          </a:p>
+          <a:p>
+            <a:pPr marL="342900" indent="-342900" algn="l">
+              <a:buFont typeface="Arial"/>
+              <a:buChar char="•"/>
+            </a:pPr>
+            <a:r>
+              <a:rPr lang="en-US" sz="2400" dirty="0" smtClean="0"/>
+              <a:t>Lack of direction or intention</a:t>
+            </a:r>
+          </a:p>
+          <a:p>
+            <a:pPr marL="342900" indent="-342900" algn="l">
+              <a:buFont typeface="Arial"/>
+              <a:buChar char="•"/>
+            </a:pPr>
+            <a:r>
+              <a:rPr lang="en-US" sz="2400" dirty="0" smtClean="0"/>
+              <a:t>Potential to miss prior errors</a:t>
+            </a:r>
+          </a:p>
+          <a:p>
+            <a:pPr marL="342900" indent="-342900" algn="l">
+              <a:buFont typeface="Arial"/>
+              <a:buChar char="•"/>
+            </a:pPr>
+            <a:endParaRPr lang="en-US" sz="2400" dirty="0" smtClean="0"/>
+          </a:p>
+          <a:p>
+            <a:pPr algn="l"/>
+            <a:r>
+              <a:rPr lang="en-US" sz="2800" dirty="0"/>
+              <a:t>Problems with </a:t>
+            </a:r>
+            <a:r>
+              <a:rPr lang="en-US" sz="2800" dirty="0" smtClean="0"/>
+              <a:t>Manual Testing</a:t>
+            </a:r>
+            <a:endParaRPr lang="en-US" sz="2800" dirty="0"/>
+          </a:p>
+          <a:p>
+            <a:pPr marL="342900" indent="-342900" algn="l">
+              <a:buFont typeface="Arial"/>
+              <a:buChar char="•"/>
+            </a:pPr>
+            <a:r>
+              <a:rPr lang="en-US" sz="2400" dirty="0" smtClean="0"/>
+              <a:t>Time </a:t>
+            </a:r>
+            <a:r>
+              <a:rPr lang="en-US" sz="2400" dirty="0"/>
+              <a:t>consuming</a:t>
+            </a:r>
+          </a:p>
+          <a:p>
+            <a:pPr marL="342900" indent="-342900" algn="l">
+              <a:buFont typeface="Arial"/>
+              <a:buChar char="•"/>
+            </a:pPr>
+            <a:r>
+              <a:rPr lang="en-US" sz="2400" dirty="0"/>
+              <a:t>Limited </a:t>
+            </a:r>
+            <a:r>
+              <a:rPr lang="en-US" sz="2400" dirty="0" smtClean="0"/>
+              <a:t>variations</a:t>
+            </a:r>
+          </a:p>
+          <a:p>
+            <a:pPr marL="342900" indent="-342900" algn="l">
+              <a:buFont typeface="Arial"/>
+              <a:buChar char="•"/>
+            </a:pPr>
+            <a:r>
+              <a:rPr lang="en-US" sz="2400" dirty="0"/>
+              <a:t>Inconsistent</a:t>
             </a:r>
           </a:p>
         </p:txBody>
@@ -3670,7 +3655,7 @@
     </p:spTree>
     <p:extLst>
       <p:ext uri="{BB962C8B-B14F-4D97-AF65-F5344CB8AC3E}">
-        <p14:creationId xmlns:p14="http://schemas.microsoft.com/office/powerpoint/2010/main" val="1689287854"/>
+        <p14:creationId xmlns:p14="http://schemas.microsoft.com/office/powerpoint/2010/main" val="4001986986"/>
       </p:ext>
     </p:extLst>
   </p:cSld>
@@ -3726,7 +3711,7 @@
           <a:p>
             <a:r>
               <a:rPr lang="en-US" dirty="0" smtClean="0"/>
-              <a:t>Unit tests vs. E2Es</a:t>
+              <a:t>Why Test?</a:t>
             </a:r>
             <a:endParaRPr lang="en-US" dirty="0"/>
           </a:p>
@@ -3754,242 +3739,106 @@
           </a:bodyPr>
           <a:lstStyle/>
           <a:p>
-            <a:pPr marL="342900" indent="-342900" algn="l">
-              <a:buFont typeface="Arial"/>
-              <a:buChar char="•"/>
-            </a:pPr>
-            <a:endParaRPr lang="en-US" sz="1600" dirty="0" smtClean="0"/>
-          </a:p>
-        </p:txBody>
-      </p:sp>
-      <p:graphicFrame>
-        <p:nvGraphicFramePr>
-          <p:cNvPr id="4" name="Table 3"/>
-          <p:cNvGraphicFramePr>
-            <a:graphicFrameLocks noGrp="1"/>
-          </p:cNvGraphicFramePr>
-          <p:nvPr>
-            <p:extLst>
-              <p:ext uri="{D42A27DB-BD31-4B8C-83A1-F6EECF244321}">
-                <p14:modId xmlns:p14="http://schemas.microsoft.com/office/powerpoint/2010/main" val="4184586825"/>
-              </p:ext>
-            </p:extLst>
-          </p:nvPr>
-        </p:nvGraphicFramePr>
-        <p:xfrm>
-          <a:off x="1524000" y="2349500"/>
-          <a:ext cx="6096000" cy="2225040"/>
-        </p:xfrm>
-        <a:graphic>
-          <a:graphicData uri="http://schemas.openxmlformats.org/drawingml/2006/table">
-            <a:tbl>
-              <a:tblPr firstRow="1" bandRow="1">
-                <a:tableStyleId>{FABFCF23-3B69-468F-B69F-88F6DE6A72F2}</a:tableStyleId>
-              </a:tblPr>
-              <a:tblGrid>
-                <a:gridCol w="4540250"/>
-                <a:gridCol w="1555750"/>
-              </a:tblGrid>
-              <a:tr h="370840">
-                <a:tc>
-                  <a:txBody>
-                    <a:bodyPr/>
-                    <a:lstStyle/>
-                    <a:p>
-                      <a:r>
-                        <a:rPr lang="en-US" dirty="0" smtClean="0"/>
-                        <a:t>To verify…</a:t>
-                      </a:r>
-                      <a:endParaRPr lang="en-US" dirty="0"/>
-                    </a:p>
-                  </a:txBody>
-                  <a:tcPr/>
-                </a:tc>
-                <a:tc>
-                  <a:txBody>
-                    <a:bodyPr/>
-                    <a:lstStyle/>
-                    <a:p>
-                      <a:r>
-                        <a:rPr lang="en-US" dirty="0" smtClean="0"/>
-                        <a:t>…use:</a:t>
-                      </a:r>
-                      <a:endParaRPr lang="en-US" dirty="0"/>
-                    </a:p>
-                  </a:txBody>
-                  <a:tcPr/>
-                </a:tc>
-              </a:tr>
-              <a:tr h="370840">
-                <a:tc>
-                  <a:txBody>
-                    <a:bodyPr/>
-                    <a:lstStyle/>
-                    <a:p>
-                      <a:r>
-                        <a:rPr lang="en-US" dirty="0" smtClean="0"/>
-                        <a:t>A button click results in an Ajax call</a:t>
-                      </a:r>
-                      <a:endParaRPr lang="en-US" dirty="0"/>
-                    </a:p>
-                  </a:txBody>
-                  <a:tcPr/>
-                </a:tc>
-                <a:tc>
-                  <a:txBody>
-                    <a:bodyPr/>
-                    <a:lstStyle/>
-                    <a:p>
-                      <a:r>
-                        <a:rPr lang="en-US" dirty="0" smtClean="0"/>
-                        <a:t>E2E</a:t>
-                      </a:r>
-                      <a:endParaRPr lang="en-US" dirty="0"/>
-                    </a:p>
-                  </a:txBody>
-                  <a:tcPr/>
-                </a:tc>
-              </a:tr>
-              <a:tr h="370840">
-                <a:tc>
-                  <a:txBody>
-                    <a:bodyPr/>
-                    <a:lstStyle/>
-                    <a:p>
-                      <a:r>
-                        <a:rPr lang="en-US" dirty="0" smtClean="0"/>
-                        <a:t>A button click results in a data-request</a:t>
-                      </a:r>
-                      <a:r>
-                        <a:rPr lang="en-US" baseline="0" dirty="0" smtClean="0"/>
-                        <a:t> event</a:t>
-                      </a:r>
-                      <a:endParaRPr lang="en-US" dirty="0"/>
-                    </a:p>
-                  </a:txBody>
-                  <a:tcPr/>
-                </a:tc>
-                <a:tc>
-                  <a:txBody>
-                    <a:bodyPr/>
-                    <a:lstStyle/>
-                    <a:p>
-                      <a:r>
-                        <a:rPr lang="en-US" dirty="0" smtClean="0"/>
-                        <a:t>Unit</a:t>
-                      </a:r>
-                      <a:endParaRPr lang="en-US" dirty="0"/>
-                    </a:p>
-                  </a:txBody>
-                  <a:tcPr/>
-                </a:tc>
-              </a:tr>
-              <a:tr h="370840">
-                <a:tc>
-                  <a:txBody>
-                    <a:bodyPr/>
-                    <a:lstStyle/>
-                    <a:p>
-                      <a:r>
-                        <a:rPr lang="en-US" dirty="0" smtClean="0"/>
-                        <a:t>A data-request</a:t>
-                      </a:r>
-                      <a:r>
-                        <a:rPr lang="en-US" baseline="0" dirty="0" smtClean="0"/>
-                        <a:t> event calls Ajax handler</a:t>
-                      </a:r>
-                      <a:endParaRPr lang="en-US" dirty="0"/>
-                    </a:p>
-                  </a:txBody>
-                  <a:tcPr/>
-                </a:tc>
-                <a:tc>
-                  <a:txBody>
-                    <a:bodyPr/>
-                    <a:lstStyle/>
-                    <a:p>
-                      <a:r>
-                        <a:rPr lang="en-US" dirty="0" smtClean="0"/>
-                        <a:t>Unit</a:t>
-                      </a:r>
-                      <a:endParaRPr lang="en-US" dirty="0"/>
-                    </a:p>
-                  </a:txBody>
-                  <a:tcPr/>
-                </a:tc>
-              </a:tr>
-              <a:tr h="370840">
-                <a:tc>
-                  <a:txBody>
-                    <a:bodyPr/>
-                    <a:lstStyle/>
-                    <a:p>
-                      <a:r>
-                        <a:rPr lang="en-US" dirty="0" smtClean="0"/>
-                        <a:t>An Ajax</a:t>
-                      </a:r>
-                      <a:r>
-                        <a:rPr lang="en-US" baseline="0" dirty="0" smtClean="0"/>
-                        <a:t> call gets data from a server over http</a:t>
-                      </a:r>
-                      <a:endParaRPr lang="en-US" dirty="0"/>
-                    </a:p>
-                  </a:txBody>
-                  <a:tcPr/>
-                </a:tc>
-                <a:tc>
-                  <a:txBody>
-                    <a:bodyPr/>
-                    <a:lstStyle/>
-                    <a:p>
-                      <a:r>
-                        <a:rPr lang="en-US" dirty="0" smtClean="0"/>
-                        <a:t>E2E</a:t>
-                      </a:r>
-                      <a:endParaRPr lang="en-US" dirty="0"/>
-                    </a:p>
-                  </a:txBody>
-                  <a:tcPr/>
-                </a:tc>
-              </a:tr>
-              <a:tr h="370840">
-                <a:tc>
-                  <a:txBody>
-                    <a:bodyPr/>
-                    <a:lstStyle/>
-                    <a:p>
-                      <a:r>
-                        <a:rPr lang="en-US" dirty="0" smtClean="0"/>
-                        <a:t>An Ajax function handles data appropriately</a:t>
-                      </a:r>
-                      <a:endParaRPr lang="en-US" dirty="0"/>
-                    </a:p>
-                  </a:txBody>
-                  <a:tcPr/>
-                </a:tc>
-                <a:tc>
-                  <a:txBody>
-                    <a:bodyPr/>
-                    <a:lstStyle/>
-                    <a:p>
-                      <a:r>
-                        <a:rPr lang="en-US" dirty="0" smtClean="0"/>
-                        <a:t>Unit</a:t>
-                      </a:r>
-                      <a:endParaRPr lang="en-US" dirty="0"/>
-                    </a:p>
-                  </a:txBody>
-                  <a:tcPr/>
-                </a:tc>
-              </a:tr>
-            </a:tbl>
-          </a:graphicData>
-        </a:graphic>
-      </p:graphicFrame>
+            <a:pPr algn="l"/>
+            <a:r>
+              <a:rPr lang="en-US" sz="2800" dirty="0" smtClean="0"/>
+              <a:t>Value</a:t>
+            </a:r>
+          </a:p>
+          <a:p>
+            <a:pPr marL="342900" indent="-342900" algn="l">
+              <a:buFont typeface="Arial"/>
+              <a:buChar char="•"/>
+            </a:pPr>
+            <a:r>
+              <a:rPr lang="en-US" sz="2400" dirty="0" smtClean="0"/>
+              <a:t>Informal </a:t>
+            </a:r>
+            <a:r>
+              <a:rPr lang="en-US" sz="2400" dirty="0"/>
+              <a:t>testing </a:t>
+            </a:r>
+            <a:r>
+              <a:rPr lang="en-US" sz="2400" dirty="0" smtClean="0"/>
+              <a:t>isn't improved by automation</a:t>
+            </a:r>
+          </a:p>
+          <a:p>
+            <a:pPr marL="342900" indent="-342900" algn="l">
+              <a:buFont typeface="Arial"/>
+              <a:buChar char="•"/>
+            </a:pPr>
+            <a:r>
+              <a:rPr lang="en-US" sz="2400" dirty="0" smtClean="0"/>
+              <a:t>Testing has to have a purpose</a:t>
+            </a:r>
+          </a:p>
+          <a:p>
+            <a:pPr marL="342900" indent="-342900" algn="l">
+              <a:buFont typeface="Arial"/>
+              <a:buChar char="•"/>
+            </a:pPr>
+            <a:r>
+              <a:rPr lang="en-US" sz="2400" dirty="0" smtClean="0"/>
+              <a:t>That purpose is delivering value</a:t>
+            </a:r>
+          </a:p>
+          <a:p>
+            <a:pPr marL="342900" indent="-342900" algn="l">
+              <a:buFont typeface="Arial"/>
+              <a:buChar char="•"/>
+            </a:pPr>
+            <a:r>
+              <a:rPr lang="en-US" sz="2400" dirty="0" smtClean="0"/>
+              <a:t>Value is defined as a ratio between…</a:t>
+            </a:r>
+          </a:p>
+          <a:p>
+            <a:pPr marL="800100" lvl="1" indent="-342900" algn="l">
+              <a:buFont typeface="Arial"/>
+              <a:buChar char="•"/>
+            </a:pPr>
+            <a:r>
+              <a:rPr lang="en-US" sz="2400" dirty="0" smtClean="0"/>
+              <a:t>Amount of information a test provides</a:t>
+            </a:r>
+          </a:p>
+          <a:p>
+            <a:pPr marL="800100" lvl="1" indent="-342900" algn="l">
+              <a:buFont typeface="Arial"/>
+              <a:buChar char="•"/>
+            </a:pPr>
+            <a:r>
+              <a:rPr lang="en-US" sz="2400" dirty="0" smtClean="0"/>
+              <a:t>And effort required to implement and maintain it</a:t>
+            </a:r>
+          </a:p>
+          <a:p>
+            <a:pPr marL="342900" indent="-342900" algn="l">
+              <a:buFont typeface="Arial"/>
+              <a:buChar char="•"/>
+            </a:pPr>
+            <a:r>
+              <a:rPr lang="en-US" sz="2400" dirty="0" smtClean="0"/>
+              <a:t>Every test should be judged on the value it provides</a:t>
+            </a:r>
+          </a:p>
+          <a:p>
+            <a:pPr marL="342900" indent="-342900" algn="l">
+              <a:buFont typeface="Arial"/>
+              <a:buChar char="•"/>
+            </a:pPr>
+            <a:r>
+              <a:rPr lang="en-US" sz="2400" dirty="0" smtClean="0"/>
+              <a:t>…and discarded if the ratio decays</a:t>
+            </a:r>
+          </a:p>
+        </p:txBody>
+      </p:sp>
     </p:spTree>
     <p:extLst>
       <p:ext uri="{BB962C8B-B14F-4D97-AF65-F5344CB8AC3E}">
-        <p14:creationId xmlns:p14="http://schemas.microsoft.com/office/powerpoint/2010/main" val="571652480"/>
+        <p14:creationId xmlns:p14="http://schemas.microsoft.com/office/powerpoint/2010/main" val="2669636292"/>
       </p:ext>
     </p:extLst>
   </p:cSld>
@@ -4045,7 +3894,7 @@
           <a:p>
             <a:r>
               <a:rPr lang="en-US" dirty="0" smtClean="0"/>
-              <a:t>Tests in practice</a:t>
+              <a:t>Purpose and Intention</a:t>
             </a:r>
             <a:endParaRPr lang="en-US" dirty="0"/>
           </a:p>
@@ -4073,59 +3922,105 @@
           </a:bodyPr>
           <a:lstStyle/>
           <a:p>
-            <a:pPr marL="342900" indent="-342900" algn="l">
-              <a:buFont typeface="Arial"/>
-              <a:buChar char="•"/>
-            </a:pPr>
-            <a:r>
-              <a:rPr lang="en-US" sz="2000" dirty="0" smtClean="0"/>
-              <a:t>Tests have to get run in order to be effective</a:t>
-            </a:r>
-          </a:p>
-          <a:p>
-            <a:pPr marL="342900" indent="-342900" algn="l">
-              <a:buFont typeface="Arial"/>
-              <a:buChar char="•"/>
-            </a:pPr>
-            <a:r>
-              <a:rPr lang="en-US" sz="2000" dirty="0" smtClean="0"/>
-              <a:t>Tools have to work well</a:t>
-            </a:r>
-          </a:p>
-          <a:p>
-            <a:pPr marL="342900" indent="-342900" algn="l">
-              <a:buFont typeface="Arial"/>
-              <a:buChar char="•"/>
-            </a:pPr>
-            <a:r>
-              <a:rPr lang="en-US" sz="2000" dirty="0" smtClean="0"/>
-              <a:t>Different tests at different times…</a:t>
-            </a:r>
-          </a:p>
-          <a:p>
-            <a:pPr marL="342900" indent="-342900" algn="l">
-              <a:buFont typeface="Arial"/>
-              <a:buChar char="•"/>
-            </a:pPr>
-            <a:r>
-              <a:rPr lang="en-US" sz="2000" dirty="0" smtClean="0"/>
-              <a:t>Units : development</a:t>
-            </a:r>
-            <a:r>
-              <a:rPr lang="en-US" sz="2000" dirty="0"/>
-              <a:t> process</a:t>
-            </a:r>
-            <a:r>
-              <a:rPr lang="en-US" sz="2000" dirty="0" smtClean="0"/>
-              <a:t> :: E2E : deployment process</a:t>
-            </a:r>
+            <a:pPr algn="l"/>
+            <a:r>
+              <a:rPr lang="en-US" sz="2800" dirty="0" smtClean="0"/>
+              <a:t>Passing tests</a:t>
+            </a:r>
+          </a:p>
+          <a:p>
+            <a:pPr marL="342900" indent="-342900" algn="l">
+              <a:buFont typeface="Arial"/>
+              <a:buChar char="•"/>
+            </a:pPr>
+            <a:r>
+              <a:rPr lang="en-US" sz="2400" dirty="0" smtClean="0"/>
+              <a:t>Need to tell you something about code state</a:t>
+            </a:r>
+          </a:p>
+          <a:p>
+            <a:pPr marL="342900" indent="-342900" algn="l">
+              <a:buFont typeface="Arial"/>
+              <a:buChar char="•"/>
+            </a:pPr>
+            <a:r>
+              <a:rPr lang="en-US" sz="2400" dirty="0" smtClean="0"/>
+              <a:t>Mocks can be dangerously self-deceiving</a:t>
+            </a:r>
+          </a:p>
+          <a:p>
+            <a:pPr marL="342900" indent="-342900" algn="l">
+              <a:buFont typeface="Arial"/>
+              <a:buChar char="•"/>
+            </a:pPr>
+            <a:r>
+              <a:rPr lang="en-US" sz="2400" dirty="0" smtClean="0"/>
+              <a:t>Good code should exhibit Separation of Concerns</a:t>
+            </a:r>
+          </a:p>
+          <a:p>
+            <a:pPr marL="342900" indent="-342900" algn="l">
+              <a:buFont typeface="Arial"/>
+              <a:buChar char="•"/>
+            </a:pPr>
+            <a:r>
+              <a:rPr lang="en-US" sz="2400" dirty="0" smtClean="0"/>
+              <a:t>Needing a mock is often a smell of leaky abstraction</a:t>
+            </a:r>
+          </a:p>
+          <a:p>
+            <a:pPr algn="l"/>
+            <a:r>
+              <a:rPr lang="en-US" sz="2800" dirty="0" smtClean="0"/>
+              <a:t>Failing tests</a:t>
+            </a:r>
+            <a:endParaRPr lang="en-US" sz="2800" dirty="0"/>
+          </a:p>
+          <a:p>
+            <a:pPr marL="342900" indent="-342900" algn="l">
+              <a:buFont typeface="Arial"/>
+              <a:buChar char="•"/>
+            </a:pPr>
+            <a:r>
+              <a:rPr lang="en-US" sz="2400" dirty="0" smtClean="0"/>
+              <a:t>Failing tests </a:t>
+            </a:r>
+            <a:r>
+              <a:rPr lang="en-US" sz="2400" dirty="0"/>
+              <a:t>needs to tell you something about code state</a:t>
+            </a:r>
+          </a:p>
+          <a:p>
+            <a:pPr marL="342900" indent="-342900" algn="l">
+              <a:buFont typeface="Arial"/>
+              <a:buChar char="•"/>
+            </a:pPr>
+            <a:r>
+              <a:rPr lang="en-US" sz="2400" dirty="0" smtClean="0"/>
+              <a:t>A fragile test breaks when code changed but not behavior</a:t>
+            </a:r>
+          </a:p>
+          <a:p>
+            <a:pPr marL="342900" indent="-342900" algn="l">
+              <a:buFont typeface="Arial"/>
+              <a:buChar char="•"/>
+            </a:pPr>
+            <a:r>
+              <a:rPr lang="en-US" sz="2400" dirty="0" smtClean="0"/>
+              <a:t>This indicates the test was implementation-dependent</a:t>
+            </a:r>
+            <a:endParaRPr lang="en-US" sz="2400" dirty="0"/>
+          </a:p>
+          <a:p>
+            <a:pPr algn="l"/>
+            <a:endParaRPr lang="en-US" sz="2400" dirty="0" smtClean="0"/>
           </a:p>
         </p:txBody>
       </p:sp>
     </p:spTree>
     <p:extLst>
       <p:ext uri="{BB962C8B-B14F-4D97-AF65-F5344CB8AC3E}">
-        <p14:creationId xmlns:p14="http://schemas.microsoft.com/office/powerpoint/2010/main" val="3910608230"/>
+        <p14:creationId xmlns:p14="http://schemas.microsoft.com/office/powerpoint/2010/main" val="88299067"/>
       </p:ext>
     </p:extLst>
   </p:cSld>
@@ -4181,7 +4076,7 @@
           <a:p>
             <a:r>
               <a:rPr lang="en-US" dirty="0" smtClean="0"/>
-              <a:t>Good Tests</a:t>
+              <a:t>Purpose and Intention</a:t>
             </a:r>
             <a:endParaRPr lang="en-US" dirty="0"/>
           </a:p>
@@ -4211,149 +4106,160 @@
           <a:p>
             <a:pPr algn="l"/>
             <a:r>
-              <a:rPr lang="en-US" sz="2000" dirty="0"/>
-              <a:t>Designing good test cases is a complex art. The complexity comes from </a:t>
-            </a:r>
-            <a:r>
-              <a:rPr lang="en-US" sz="2000" dirty="0" smtClean="0"/>
-              <a:t>three sources</a:t>
-            </a:r>
-            <a:r>
-              <a:rPr lang="en-US" sz="2000" dirty="0"/>
-              <a:t>:</a:t>
-            </a:r>
-          </a:p>
-          <a:p>
-            <a:pPr marL="342900" indent="-342900" algn="l">
-              <a:buFont typeface="Arial"/>
-              <a:buChar char="•"/>
-            </a:pPr>
-            <a:r>
-              <a:rPr lang="en-US" sz="2000" dirty="0" smtClean="0"/>
-              <a:t>Test </a:t>
-            </a:r>
-            <a:r>
-              <a:rPr lang="en-US" sz="2000" dirty="0"/>
-              <a:t>cases help us discover information. Different types of tests are more</a:t>
+              <a:rPr lang="en-US" sz="2800" dirty="0" smtClean="0"/>
+              <a:t>Leaky Abstraction</a:t>
             </a:r>
           </a:p>
           <a:p>
             <a:pPr algn="l"/>
-            <a:r>
-              <a:rPr lang="en-US" sz="2000" dirty="0"/>
-              <a:t>effective for different classes of information.</a:t>
-            </a:r>
-          </a:p>
-          <a:p>
-            <a:pPr marL="342900" indent="-342900" algn="l">
-              <a:buFont typeface="Arial"/>
-              <a:buChar char="•"/>
-            </a:pPr>
-            <a:r>
-              <a:rPr lang="en-US" sz="2000" dirty="0" smtClean="0"/>
-              <a:t>Test </a:t>
-            </a:r>
-            <a:r>
-              <a:rPr lang="en-US" sz="2000" dirty="0"/>
-              <a:t>cases can be “good” in a variety of ways. No test case will be good </a:t>
-            </a:r>
-            <a:r>
-              <a:rPr lang="en-US" sz="2000" dirty="0" smtClean="0"/>
-              <a:t>in all </a:t>
-            </a:r>
-            <a:r>
-              <a:rPr lang="en-US" sz="2000" dirty="0"/>
-              <a:t>of them.</a:t>
-            </a:r>
-          </a:p>
-          <a:p>
-            <a:pPr marL="342900" indent="-342900" algn="l">
-              <a:buFont typeface="Arial"/>
-              <a:buChar char="•"/>
-            </a:pPr>
-            <a:r>
-              <a:rPr lang="en-US" sz="2000" dirty="0" smtClean="0"/>
-              <a:t>People </a:t>
-            </a:r>
-            <a:r>
-              <a:rPr lang="en-US" sz="2000" dirty="0"/>
-              <a:t>tend to create test cases according to certain testing styles, such </a:t>
-            </a:r>
-            <a:r>
-              <a:rPr lang="en-US" sz="2000" dirty="0" smtClean="0"/>
-              <a:t>as domain </a:t>
-            </a:r>
-            <a:r>
-              <a:rPr lang="en-US" sz="2000" dirty="0"/>
-              <a:t>testing or risk-based testing. Good domain tests are different </a:t>
-            </a:r>
-            <a:r>
-              <a:rPr lang="en-US" sz="2000" dirty="0" smtClean="0"/>
-              <a:t>from good </a:t>
-            </a:r>
-            <a:r>
-              <a:rPr lang="en-US" sz="2000" dirty="0"/>
-              <a:t>risk-based tests. </a:t>
-            </a:r>
-            <a:endParaRPr lang="en-US" sz="2000" dirty="0" smtClean="0"/>
-          </a:p>
-          <a:p>
-            <a:pPr marL="342900" indent="-342900" algn="l">
-              <a:buFont typeface="Arial"/>
-              <a:buChar char="•"/>
-            </a:pPr>
-            <a:endParaRPr lang="en-US" sz="2000" dirty="0"/>
+            <a:endParaRPr lang="en-US" sz="2400" dirty="0" smtClean="0"/>
           </a:p>
           <a:p>
             <a:pPr algn="l"/>
             <a:r>
-              <a:rPr lang="en-US" sz="2000" dirty="0" smtClean="0"/>
-              <a:t>- </a:t>
-            </a:r>
-            <a:r>
-              <a:rPr lang="en-US" sz="2000" dirty="0" err="1" smtClean="0"/>
-              <a:t>Cem</a:t>
-            </a:r>
-            <a:r>
-              <a:rPr lang="en-US" sz="2000" dirty="0" smtClean="0"/>
+              <a:rPr lang="en-US" sz="2400" dirty="0" smtClean="0"/>
+              <a:t>function </a:t>
+            </a:r>
+            <a:r>
+              <a:rPr lang="en-US" sz="2400" dirty="0" err="1" smtClean="0"/>
+              <a:t>formatAddress</a:t>
+            </a:r>
+            <a:r>
+              <a:rPr lang="en-US" sz="2400" dirty="0" smtClean="0"/>
+              <a:t>() {</a:t>
+            </a:r>
+          </a:p>
+          <a:p>
+            <a:pPr algn="l"/>
+            <a:r>
+              <a:rPr lang="en-US" sz="2400" dirty="0"/>
               <a:t> </a:t>
             </a:r>
             <a:r>
-              <a:rPr lang="en-US" sz="2000" dirty="0" err="1" smtClean="0"/>
-              <a:t>Kaner</a:t>
-            </a:r>
-            <a:r>
-              <a:rPr lang="en-US" sz="2000" dirty="0"/>
-              <a:t>, http://</a:t>
-            </a:r>
-            <a:r>
-              <a:rPr lang="en-US" sz="2000" dirty="0" err="1"/>
-              <a:t>www.kaner.com</a:t>
-            </a:r>
-            <a:r>
-              <a:rPr lang="en-US" sz="2000" dirty="0"/>
-              <a:t>/</a:t>
-            </a:r>
-            <a:r>
-              <a:rPr lang="en-US" sz="2000" dirty="0" err="1"/>
-              <a:t>pdfs</a:t>
-            </a:r>
-            <a:r>
-              <a:rPr lang="en-US" sz="2000" dirty="0"/>
-              <a:t>/</a:t>
-            </a:r>
-            <a:r>
-              <a:rPr lang="en-US" sz="2000" dirty="0" err="1"/>
-              <a:t>GoodTest.pdf</a:t>
-            </a:r>
-            <a:endParaRPr lang="en-US" sz="2000" dirty="0" smtClean="0"/>
+              <a:rPr lang="en-US" sz="2400" dirty="0" smtClean="0"/>
+              <a:t> </a:t>
+            </a:r>
+            <a:r>
+              <a:rPr lang="en-US" sz="2400" dirty="0" err="1" smtClean="0"/>
+              <a:t>var</a:t>
+            </a:r>
+            <a:r>
+              <a:rPr lang="en-US" sz="2400" dirty="0" smtClean="0"/>
+              <a:t> </a:t>
+            </a:r>
+            <a:r>
+              <a:rPr lang="en-US" sz="2400" dirty="0" err="1" smtClean="0"/>
+              <a:t>lastLine</a:t>
+            </a:r>
+            <a:r>
+              <a:rPr lang="en-US" sz="2400" dirty="0" smtClean="0"/>
+              <a:t>;</a:t>
+            </a:r>
+          </a:p>
+          <a:p>
+            <a:pPr algn="l"/>
+            <a:r>
+              <a:rPr lang="en-US" sz="2400" dirty="0"/>
+              <a:t> </a:t>
+            </a:r>
+            <a:r>
+              <a:rPr lang="en-US" sz="2400" dirty="0" smtClean="0"/>
+              <a:t> if ( </a:t>
+            </a:r>
+            <a:r>
+              <a:rPr lang="en-US" sz="2400" dirty="0" err="1" smtClean="0"/>
+              <a:t>RBRC.getCustomer</a:t>
+            </a:r>
+            <a:r>
+              <a:rPr lang="en-US" sz="2400" dirty="0" smtClean="0"/>
+              <a:t>().</a:t>
+            </a:r>
+            <a:r>
+              <a:rPr lang="en-US" sz="2400" dirty="0" err="1" smtClean="0"/>
+              <a:t>currentAccount.isDomestic</a:t>
+            </a:r>
+            <a:r>
+              <a:rPr lang="en-US" sz="2400" dirty="0" smtClean="0"/>
+              <a:t>() ) {</a:t>
+            </a:r>
+          </a:p>
+          <a:p>
+            <a:pPr algn="l"/>
+            <a:r>
+              <a:rPr lang="en-US" sz="2400" dirty="0"/>
+              <a:t> </a:t>
+            </a:r>
+            <a:r>
+              <a:rPr lang="en-US" sz="2400" dirty="0" smtClean="0"/>
+              <a:t>   </a:t>
+            </a:r>
+            <a:r>
+              <a:rPr lang="en-US" sz="2400" dirty="0" err="1" smtClean="0"/>
+              <a:t>lastLine</a:t>
+            </a:r>
+            <a:r>
+              <a:rPr lang="en-US" sz="2400" dirty="0" smtClean="0"/>
+              <a:t> = </a:t>
+            </a:r>
+            <a:r>
+              <a:rPr lang="en-US" sz="2400" dirty="0" err="1" smtClean="0"/>
+              <a:t>Backbone.get</a:t>
+            </a:r>
+            <a:r>
+              <a:rPr lang="en-US" sz="2400" dirty="0" smtClean="0"/>
+              <a:t>( 'City' ) + ', ' + </a:t>
+            </a:r>
+            <a:r>
+              <a:rPr lang="en-US" sz="2400" dirty="0" err="1"/>
+              <a:t>Backbone.get</a:t>
+            </a:r>
+            <a:r>
+              <a:rPr lang="en-US" sz="2400" dirty="0"/>
+              <a:t>( </a:t>
+            </a:r>
+            <a:r>
+              <a:rPr lang="en-US" sz="2400" dirty="0" smtClean="0"/>
+              <a:t>'State' ) …</a:t>
+            </a:r>
+          </a:p>
+          <a:p>
+            <a:pPr algn="l"/>
+            <a:endParaRPr lang="en-US" sz="2400" dirty="0" smtClean="0"/>
+          </a:p>
+          <a:p>
+            <a:pPr algn="l"/>
+            <a:r>
+              <a:rPr lang="en-US" sz="2400" dirty="0" smtClean="0"/>
+              <a:t>Leaks</a:t>
+            </a:r>
+            <a:endParaRPr lang="en-US" sz="2400" dirty="0"/>
+          </a:p>
+          <a:p>
+            <a:pPr marL="342900" indent="-342900" algn="l">
+              <a:buFont typeface="Arial"/>
+              <a:buChar char="•"/>
+            </a:pPr>
+            <a:r>
+              <a:rPr lang="en-US" sz="2400" dirty="0" smtClean="0"/>
+              <a:t>What does RBRC have to do with formatting addresses?</a:t>
+            </a:r>
+          </a:p>
+          <a:p>
+            <a:pPr marL="342900" indent="-342900" algn="l">
+              <a:buFont typeface="Arial"/>
+              <a:buChar char="•"/>
+            </a:pPr>
+            <a:r>
+              <a:rPr lang="en-US" sz="2400" dirty="0" smtClean="0"/>
+              <a:t>What does Backbone have to do with formatting addresses?</a:t>
+            </a:r>
           </a:p>
         </p:txBody>
       </p:sp>
     </p:spTree>
     <p:extLst>
       <p:ext uri="{BB962C8B-B14F-4D97-AF65-F5344CB8AC3E}">
-        <p14:creationId xmlns:p14="http://schemas.microsoft.com/office/powerpoint/2010/main" val="1093713714"/>
+        <p14:creationId xmlns:p14="http://schemas.microsoft.com/office/powerpoint/2010/main" val="1043408554"/>
       </p:ext>
     </p:extLst>
   </p:cSld>
@@ -4409,7 +4315,7 @@
           <a:p>
             <a:r>
               <a:rPr lang="en-US" dirty="0" smtClean="0"/>
-              <a:t>Good Tests</a:t>
+              <a:t>Purpose and Intention</a:t>
             </a:r>
             <a:endParaRPr lang="en-US" dirty="0"/>
           </a:p>
@@ -4433,108 +4339,194 @@
         </p:spPr>
         <p:txBody>
           <a:bodyPr>
-            <a:normAutofit/>
+            <a:normAutofit fontScale="92500" lnSpcReduction="10000"/>
           </a:bodyPr>
           <a:lstStyle/>
           <a:p>
             <a:pPr algn="l"/>
             <a:r>
-              <a:rPr lang="en-US" sz="2200" dirty="0" smtClean="0"/>
-              <a:t>What’s </a:t>
-            </a:r>
-            <a:r>
-              <a:rPr lang="en-US" sz="2200" dirty="0"/>
-              <a:t>a test case?</a:t>
+              <a:rPr lang="en-US" sz="2800" dirty="0" smtClean="0"/>
+              <a:t>Better Abstraction</a:t>
             </a:r>
           </a:p>
           <a:p>
             <a:pPr algn="l"/>
-            <a:endParaRPr lang="en-US" sz="2000" dirty="0" smtClean="0"/>
+            <a:endParaRPr lang="en-US" sz="2400" dirty="0" smtClean="0"/>
           </a:p>
           <a:p>
             <a:pPr algn="l"/>
             <a:r>
+              <a:rPr lang="en-US" sz="2400" dirty="0" smtClean="0"/>
+              <a:t>function </a:t>
+            </a:r>
+            <a:r>
+              <a:rPr lang="en-US" sz="2400" dirty="0" err="1" smtClean="0"/>
+              <a:t>formatAddress</a:t>
+            </a:r>
+            <a:r>
+              <a:rPr lang="en-US" sz="2400" dirty="0" smtClean="0"/>
+              <a:t>( address, </a:t>
+            </a:r>
+            <a:r>
+              <a:rPr lang="en-US" sz="2400" dirty="0" err="1" smtClean="0"/>
+              <a:t>isDomestic</a:t>
+            </a:r>
+            <a:r>
+              <a:rPr lang="en-US" sz="2400" dirty="0" smtClean="0"/>
+              <a:t> ) {</a:t>
+            </a:r>
+          </a:p>
+          <a:p>
+            <a:pPr algn="l"/>
+            <a:r>
+              <a:rPr lang="en-US" sz="2400" dirty="0"/>
+              <a:t> </a:t>
+            </a:r>
+            <a:r>
+              <a:rPr lang="en-US" sz="2400" dirty="0" smtClean="0"/>
+              <a:t> </a:t>
+            </a:r>
+            <a:r>
+              <a:rPr lang="en-US" sz="2400" dirty="0" err="1" smtClean="0"/>
+              <a:t>var</a:t>
+            </a:r>
+            <a:r>
+              <a:rPr lang="en-US" sz="2400" dirty="0" smtClean="0"/>
+              <a:t> </a:t>
+            </a:r>
+            <a:r>
+              <a:rPr lang="en-US" sz="2400" dirty="0" err="1" smtClean="0"/>
+              <a:t>lastLine</a:t>
+            </a:r>
+            <a:r>
+              <a:rPr lang="en-US" sz="2400" dirty="0" smtClean="0"/>
+              <a:t>;</a:t>
+            </a:r>
+          </a:p>
+          <a:p>
+            <a:pPr algn="l"/>
+            <a:r>
+              <a:rPr lang="en-US" sz="2400" dirty="0"/>
+              <a:t> </a:t>
+            </a:r>
+            <a:r>
+              <a:rPr lang="en-US" sz="2400" dirty="0" smtClean="0"/>
+              <a:t> if ( </a:t>
+            </a:r>
+            <a:r>
+              <a:rPr lang="en-US" sz="2400" dirty="0" err="1" smtClean="0"/>
+              <a:t>isDomestic</a:t>
+            </a:r>
+            <a:r>
+              <a:rPr lang="en-US" sz="2400" dirty="0" smtClean="0"/>
+              <a:t> ) {</a:t>
+            </a:r>
+          </a:p>
+          <a:p>
+            <a:pPr algn="l"/>
+            <a:r>
+              <a:rPr lang="en-US" sz="2400" dirty="0"/>
+              <a:t> </a:t>
+            </a:r>
+            <a:r>
+              <a:rPr lang="en-US" sz="2400" dirty="0" smtClean="0"/>
+              <a:t>   </a:t>
+            </a:r>
+            <a:r>
+              <a:rPr lang="en-US" sz="2400" dirty="0" err="1" smtClean="0"/>
+              <a:t>lastLine</a:t>
+            </a:r>
+            <a:r>
+              <a:rPr lang="en-US" sz="2400" dirty="0" smtClean="0"/>
+              <a:t> = </a:t>
+            </a:r>
+            <a:r>
+              <a:rPr lang="en-US" sz="2400" dirty="0" err="1" smtClean="0"/>
+              <a:t>address.city</a:t>
+            </a:r>
+            <a:r>
+              <a:rPr lang="en-US" sz="2400" dirty="0" smtClean="0"/>
+              <a:t> + ', ' + </a:t>
+            </a:r>
+            <a:r>
+              <a:rPr lang="en-US" sz="2400" dirty="0" err="1"/>
+              <a:t>address</a:t>
+            </a:r>
+            <a:r>
+              <a:rPr lang="en-US" sz="2400" dirty="0" err="1" smtClean="0"/>
+              <a:t>.state</a:t>
+            </a:r>
+            <a:r>
+              <a:rPr lang="en-US" sz="2400" dirty="0" smtClean="0"/>
+              <a:t> …</a:t>
+            </a:r>
+          </a:p>
+          <a:p>
+            <a:pPr algn="l"/>
+            <a:endParaRPr lang="en-US" sz="2400" dirty="0" smtClean="0"/>
+          </a:p>
+          <a:p>
+            <a:pPr algn="l"/>
+            <a:r>
+              <a:rPr lang="en-US" sz="2400" dirty="0" smtClean="0"/>
+              <a:t>Improvements</a:t>
+            </a:r>
+            <a:endParaRPr lang="en-US" sz="2400" dirty="0"/>
+          </a:p>
+          <a:p>
+            <a:pPr marL="342900" indent="-342900" algn="l">
+              <a:buFont typeface="Arial"/>
+              <a:buChar char="•"/>
+            </a:pPr>
+            <a:r>
               <a:rPr lang="en-US" sz="2000" dirty="0" smtClean="0"/>
-              <a:t>IEEE </a:t>
-            </a:r>
-            <a:r>
-              <a:rPr lang="en-US" sz="2000" dirty="0"/>
-              <a:t>Standard 610 (1990</a:t>
-            </a:r>
+              <a:t>More readable</a:t>
+            </a:r>
+          </a:p>
+          <a:p>
+            <a:pPr marL="342900" indent="-342900" algn="l">
+              <a:buFont typeface="Arial"/>
+              <a:buChar char="•"/>
+            </a:pPr>
             <a:r>
               <a:rPr lang="en-US" sz="2000" dirty="0" smtClean="0"/>
-              <a:t>)</a:t>
-            </a:r>
-            <a:endParaRPr lang="en-US" sz="2000" dirty="0"/>
-          </a:p>
-          <a:p>
-            <a:pPr algn="l"/>
+              <a:t>More explicit - function </a:t>
+            </a:r>
+            <a:r>
+              <a:rPr lang="en-US" sz="2000" dirty="0" err="1" smtClean="0"/>
+              <a:t>args</a:t>
+            </a:r>
             <a:r>
               <a:rPr lang="en-US" sz="2000" dirty="0" smtClean="0"/>
-              <a:t>“A </a:t>
-            </a:r>
-            <a:r>
-              <a:rPr lang="en-US" sz="2000" dirty="0"/>
-              <a:t>set of test inputs, execution conditions, and expected results developed for </a:t>
-            </a:r>
+              <a:t> state dependencies</a:t>
+            </a:r>
+          </a:p>
+          <a:p>
+            <a:pPr marL="342900" indent="-342900" algn="l">
+              <a:buFont typeface="Arial"/>
+              <a:buChar char="•"/>
+            </a:pPr>
             <a:r>
               <a:rPr lang="en-US" sz="2000" dirty="0" smtClean="0"/>
-              <a:t>a particular </a:t>
-            </a:r>
-            <a:r>
-              <a:rPr lang="en-US" sz="2000" dirty="0"/>
-              <a:t>objective, such as to exercise a particular program path or to verify </a:t>
-            </a:r>
+              <a:t>Encapsulated – Backbone &amp; RBRC can change implementation</a:t>
+            </a:r>
+          </a:p>
+          <a:p>
+            <a:pPr marL="342900" indent="-342900" algn="l">
+              <a:buFont typeface="Arial"/>
+              <a:buChar char="•"/>
+            </a:pPr>
             <a:r>
               <a:rPr lang="en-US" sz="2000" dirty="0" smtClean="0"/>
-              <a:t>compliance with </a:t>
-            </a:r>
-            <a:r>
-              <a:rPr lang="en-US" sz="2000" dirty="0"/>
-              <a:t>a specific requirement.</a:t>
-            </a:r>
-          </a:p>
-          <a:p>
-            <a:pPr algn="l"/>
-            <a:endParaRPr lang="en-US" sz="2000" dirty="0" smtClean="0"/>
-          </a:p>
-          <a:p>
-            <a:pPr algn="l"/>
-            <a:r>
-              <a:rPr lang="en-US" sz="2000" dirty="0" smtClean="0"/>
-              <a:t>Ron </a:t>
-            </a:r>
-            <a:r>
-              <a:rPr lang="en-US" sz="2000" dirty="0"/>
-              <a:t>Patton (2001, p. 65),</a:t>
-            </a:r>
-          </a:p>
-          <a:p>
-            <a:pPr algn="l"/>
-            <a:r>
-              <a:rPr lang="en-US" sz="2000" dirty="0"/>
-              <a:t>“Test cases are the specific inputs that you’ll try and the procedures that you’ll </a:t>
-            </a:r>
-            <a:r>
-              <a:rPr lang="en-US" sz="2000" dirty="0" smtClean="0"/>
-              <a:t>follow when </a:t>
-            </a:r>
-            <a:r>
-              <a:rPr lang="en-US" sz="2000" dirty="0"/>
-              <a:t>you test the software.</a:t>
-            </a:r>
-            <a:r>
-              <a:rPr lang="en-US" sz="2000" dirty="0" smtClean="0"/>
-              <a:t>”</a:t>
-            </a:r>
-            <a:endParaRPr lang="en-US" sz="2000" dirty="0"/>
+              <a:t>Performance / side effects – not calling Backbone multiple times</a:t>
+            </a:r>
           </a:p>
         </p:txBody>
       </p:sp>
     </p:spTree>
     <p:extLst>
       <p:ext uri="{BB962C8B-B14F-4D97-AF65-F5344CB8AC3E}">
-        <p14:creationId xmlns:p14="http://schemas.microsoft.com/office/powerpoint/2010/main" val="3159094944"/>
+        <p14:creationId xmlns:p14="http://schemas.microsoft.com/office/powerpoint/2010/main" val="1196789747"/>
       </p:ext>
     </p:extLst>
   </p:cSld>
@@ -4590,7 +4582,7 @@
           <a:p>
             <a:r>
               <a:rPr lang="en-US" dirty="0" smtClean="0"/>
-              <a:t>Good Tests</a:t>
+              <a:t>SQA</a:t>
             </a:r>
             <a:endParaRPr lang="en-US" dirty="0"/>
           </a:p>
@@ -4620,103 +4612,56 @@
           <a:p>
             <a:pPr algn="l"/>
             <a:r>
-              <a:rPr lang="en-US" sz="2200" dirty="0" smtClean="0"/>
-              <a:t>Characteristics</a:t>
-            </a:r>
-          </a:p>
-          <a:p>
-            <a:pPr marL="342900" indent="-342900" algn="l">
-              <a:buFont typeface="Arial"/>
-              <a:buChar char="•"/>
-            </a:pPr>
-            <a:r>
-              <a:rPr lang="en-US" sz="2200" dirty="0" smtClean="0"/>
-              <a:t>Powerful – capable of finding defects</a:t>
-            </a:r>
-          </a:p>
-          <a:p>
-            <a:pPr marL="342900" indent="-342900" algn="l">
-              <a:buFont typeface="Arial"/>
-              <a:buChar char="•"/>
-            </a:pPr>
-            <a:r>
-              <a:rPr lang="en-US" sz="2200" dirty="0" smtClean="0"/>
-              <a:t>Significant – meaningful information</a:t>
-            </a:r>
-          </a:p>
-          <a:p>
-            <a:pPr marL="342900" indent="-342900" algn="l">
-              <a:buFont typeface="Arial"/>
-              <a:buChar char="•"/>
-            </a:pPr>
-            <a:r>
-              <a:rPr lang="en-US" sz="2200" dirty="0" smtClean="0"/>
-              <a:t>Credible – realistic, not edge cases</a:t>
-            </a:r>
-          </a:p>
-          <a:p>
-            <a:pPr marL="342900" indent="-342900" algn="l">
-              <a:buFont typeface="Arial"/>
-              <a:buChar char="•"/>
-            </a:pPr>
-            <a:r>
-              <a:rPr lang="en-US" sz="2200" dirty="0" smtClean="0"/>
-              <a:t>Representative – based on population</a:t>
-            </a:r>
-          </a:p>
-          <a:p>
-            <a:pPr marL="342900" indent="-342900" algn="l">
-              <a:buFont typeface="Arial"/>
-              <a:buChar char="•"/>
-            </a:pPr>
-            <a:r>
-              <a:rPr lang="en-US" sz="2200" dirty="0" smtClean="0"/>
-              <a:t>Ease of evaluation – did the test pass or fail?</a:t>
-            </a:r>
-          </a:p>
-          <a:p>
-            <a:pPr marL="342900" indent="-342900" algn="l">
-              <a:buFont typeface="Arial"/>
-              <a:buChar char="•"/>
-            </a:pPr>
-            <a:r>
-              <a:rPr lang="en-US" sz="2200" dirty="0" smtClean="0"/>
-              <a:t>Use in troubleshooting</a:t>
-            </a:r>
-          </a:p>
-          <a:p>
-            <a:pPr marL="342900" indent="-342900" algn="l">
-              <a:buFont typeface="Arial"/>
-              <a:buChar char="•"/>
-            </a:pPr>
-            <a:r>
-              <a:rPr lang="en-US" sz="2200" dirty="0" smtClean="0"/>
-              <a:t>Informative</a:t>
-            </a:r>
-          </a:p>
-          <a:p>
-            <a:pPr marL="342900" indent="-342900" algn="l">
-              <a:buFont typeface="Arial"/>
-              <a:buChar char="•"/>
-            </a:pPr>
-            <a:r>
-              <a:rPr lang="en-US" sz="2200" dirty="0" smtClean="0"/>
-              <a:t>Appropriately complex</a:t>
-            </a:r>
-          </a:p>
-          <a:p>
-            <a:pPr marL="342900" indent="-342900" algn="l">
-              <a:buFont typeface="Arial"/>
-              <a:buChar char="•"/>
-            </a:pPr>
-            <a:endParaRPr lang="en-US" sz="2000" dirty="0"/>
+              <a:rPr lang="en-US" sz="2800" dirty="0" smtClean="0"/>
+              <a:t>Software Quality Assurance</a:t>
+            </a:r>
+          </a:p>
+          <a:p>
+            <a:pPr marL="342900" indent="-342900" algn="l">
+              <a:buFont typeface="Arial"/>
+              <a:buChar char="•"/>
+            </a:pPr>
+            <a:r>
+              <a:rPr lang="en-US" sz="2400" dirty="0" smtClean="0"/>
+              <a:t>Testing is one part of SQA</a:t>
+            </a:r>
+          </a:p>
+          <a:p>
+            <a:pPr marL="342900" indent="-342900" algn="l">
+              <a:buFont typeface="Arial"/>
+              <a:buChar char="•"/>
+            </a:pPr>
+            <a:r>
+              <a:rPr lang="en-US" sz="2400" dirty="0" smtClean="0"/>
+              <a:t>One part of SQA by itself will not produce results</a:t>
+            </a:r>
+          </a:p>
+          <a:p>
+            <a:pPr marL="342900" indent="-342900" algn="l">
+              <a:buFont typeface="Arial"/>
+              <a:buChar char="•"/>
+            </a:pPr>
+            <a:r>
+              <a:rPr lang="en-US" sz="2400" dirty="0" smtClean="0"/>
+              <a:t>Improving SQA across all code will solve problems</a:t>
+            </a:r>
+          </a:p>
+          <a:p>
+            <a:pPr marL="342900" indent="-342900" algn="l">
+              <a:buFont typeface="Arial"/>
+              <a:buChar char="•"/>
+            </a:pPr>
+            <a:r>
+              <a:rPr lang="en-US" sz="2400" dirty="0" smtClean="0"/>
+              <a:t>Code with poor SQA will be difficult to test</a:t>
+            </a:r>
           </a:p>
         </p:txBody>
       </p:sp>
     </p:spTree>
     <p:extLst>
       <p:ext uri="{BB962C8B-B14F-4D97-AF65-F5344CB8AC3E}">
-        <p14:creationId xmlns:p14="http://schemas.microsoft.com/office/powerpoint/2010/main" val="1613611806"/>
+        <p14:creationId xmlns:p14="http://schemas.microsoft.com/office/powerpoint/2010/main" val="1703768336"/>
       </p:ext>
     </p:extLst>
   </p:cSld>
@@ -4772,7 +4717,7 @@
           <a:p>
             <a:r>
               <a:rPr lang="en-US" dirty="0" smtClean="0"/>
-              <a:t>Good Tests</a:t>
+              <a:t>SQA</a:t>
             </a:r>
             <a:endParaRPr lang="en-US" dirty="0"/>
           </a:p>
@@ -4802,121 +4747,107 @@
           <a:p>
             <a:pPr algn="l"/>
             <a:r>
-              <a:rPr lang="en-US" sz="2200" dirty="0" smtClean="0"/>
-              <a:t>Types     </a:t>
-            </a:r>
-          </a:p>
-          <a:p>
-            <a:pPr marL="342900" indent="-342900" algn="l">
-              <a:buFont typeface="Arial"/>
-              <a:buChar char="•"/>
-            </a:pPr>
-            <a:r>
-              <a:rPr lang="en-US" sz="2200" dirty="0" smtClean="0"/>
-              <a:t>Function </a:t>
-            </a:r>
-            <a:r>
-              <a:rPr lang="en-US" sz="2200" dirty="0"/>
-              <a:t>testing</a:t>
-            </a:r>
-          </a:p>
-          <a:p>
-            <a:pPr marL="342900" indent="-342900" algn="l">
-              <a:buFont typeface="Arial"/>
-              <a:buChar char="•"/>
-            </a:pPr>
-            <a:r>
-              <a:rPr lang="en-US" sz="2200" dirty="0"/>
-              <a:t> Domain testing</a:t>
-            </a:r>
-          </a:p>
-          <a:p>
-            <a:pPr marL="342900" indent="-342900" algn="l">
-              <a:buFont typeface="Arial"/>
-              <a:buChar char="•"/>
-            </a:pPr>
-            <a:r>
-              <a:rPr lang="en-US" sz="2200" dirty="0"/>
-              <a:t> Specification-based testing</a:t>
-            </a:r>
-          </a:p>
-          <a:p>
-            <a:pPr marL="342900" indent="-342900" algn="l">
-              <a:buFont typeface="Arial"/>
-              <a:buChar char="•"/>
-            </a:pPr>
-            <a:r>
-              <a:rPr lang="en-US" sz="2200" dirty="0"/>
-              <a:t> Risk-based testing</a:t>
-            </a:r>
-          </a:p>
-          <a:p>
-            <a:pPr marL="342900" indent="-342900" algn="l">
-              <a:buFont typeface="Arial"/>
-              <a:buChar char="•"/>
-            </a:pPr>
-            <a:r>
-              <a:rPr lang="en-US" sz="2200" dirty="0"/>
-              <a:t> Stress testing</a:t>
-            </a:r>
-          </a:p>
-          <a:p>
-            <a:pPr marL="342900" indent="-342900" algn="l">
-              <a:buFont typeface="Arial"/>
-              <a:buChar char="•"/>
-            </a:pPr>
-            <a:r>
-              <a:rPr lang="en-US" sz="2200" dirty="0"/>
-              <a:t> Regression testing</a:t>
-            </a:r>
-          </a:p>
-          <a:p>
-            <a:pPr marL="342900" indent="-342900" algn="l">
-              <a:buFont typeface="Arial"/>
-              <a:buChar char="•"/>
-            </a:pPr>
-            <a:r>
-              <a:rPr lang="en-US" sz="2200" dirty="0"/>
-              <a:t> User testing</a:t>
-            </a:r>
-          </a:p>
-          <a:p>
-            <a:pPr marL="342900" indent="-342900" algn="l">
-              <a:buFont typeface="Arial"/>
-              <a:buChar char="•"/>
-            </a:pPr>
-            <a:r>
-              <a:rPr lang="en-US" sz="2200" dirty="0"/>
-              <a:t> Scenario testing</a:t>
-            </a:r>
-          </a:p>
-          <a:p>
-            <a:pPr marL="342900" indent="-342900" algn="l">
-              <a:buFont typeface="Arial"/>
-              <a:buChar char="•"/>
-            </a:pPr>
-            <a:r>
-              <a:rPr lang="en-US" sz="2200" dirty="0"/>
-              <a:t> State-model based testing</a:t>
-            </a:r>
-          </a:p>
-          <a:p>
-            <a:pPr marL="342900" indent="-342900" algn="l">
-              <a:buFont typeface="Arial"/>
-              <a:buChar char="•"/>
-            </a:pPr>
-            <a:r>
-              <a:rPr lang="en-US" sz="2200" dirty="0"/>
-              <a:t> High volume automated testing </a:t>
-            </a:r>
-            <a:endParaRPr lang="en-US" sz="2000" dirty="0"/>
+              <a:rPr lang="en-US" sz="2800" dirty="0" smtClean="0"/>
+              <a:t>SQA includes…</a:t>
+            </a:r>
+          </a:p>
+          <a:p>
+            <a:pPr marL="342900" indent="-342900" algn="l">
+              <a:buFont typeface="Arial"/>
+              <a:buChar char="•"/>
+            </a:pPr>
+            <a:r>
+              <a:rPr lang="en-US" sz="2400" dirty="0" smtClean="0"/>
+              <a:t>Software construction best practices</a:t>
+            </a:r>
+          </a:p>
+          <a:p>
+            <a:pPr marL="342900" indent="-342900" algn="l">
+              <a:buFont typeface="Arial"/>
+              <a:buChar char="•"/>
+            </a:pPr>
+            <a:r>
+              <a:rPr lang="en-US" sz="2400" dirty="0" smtClean="0"/>
+              <a:t>Version </a:t>
+            </a:r>
+            <a:r>
+              <a:rPr lang="en-US" sz="2400" dirty="0"/>
+              <a:t>control</a:t>
+            </a:r>
+          </a:p>
+          <a:p>
+            <a:pPr marL="342900" indent="-342900" algn="l">
+              <a:buFont typeface="Arial"/>
+              <a:buChar char="•"/>
+            </a:pPr>
+            <a:r>
+              <a:rPr lang="en-US" sz="2400" dirty="0"/>
+              <a:t>Style guide &amp; </a:t>
+            </a:r>
+            <a:r>
+              <a:rPr lang="en-US" sz="2400" dirty="0" smtClean="0"/>
+              <a:t>linter</a:t>
+            </a:r>
+          </a:p>
+          <a:p>
+            <a:pPr marL="342900" indent="-342900" algn="l">
+              <a:buFont typeface="Arial"/>
+              <a:buChar char="•"/>
+            </a:pPr>
+            <a:r>
+              <a:rPr lang="en-US" sz="2400" dirty="0" smtClean="0"/>
+              <a:t>Code reviews</a:t>
+            </a:r>
+            <a:endParaRPr lang="en-US" sz="2400" dirty="0"/>
+          </a:p>
+          <a:p>
+            <a:pPr marL="342900" indent="-342900" algn="l">
+              <a:buFont typeface="Arial"/>
+              <a:buChar char="•"/>
+            </a:pPr>
+            <a:r>
+              <a:rPr lang="en-US" sz="2400" dirty="0"/>
+              <a:t>Configuration </a:t>
+            </a:r>
+            <a:r>
+              <a:rPr lang="en-US" sz="2400" dirty="0" smtClean="0"/>
+              <a:t>/ Release </a:t>
+            </a:r>
+            <a:r>
+              <a:rPr lang="en-US" sz="2400" dirty="0"/>
+              <a:t>management</a:t>
+            </a:r>
+          </a:p>
+          <a:p>
+            <a:pPr marL="342900" indent="-342900" algn="l">
+              <a:buFont typeface="Arial"/>
+              <a:buChar char="•"/>
+            </a:pPr>
+            <a:r>
+              <a:rPr lang="en-US" sz="2400" dirty="0"/>
+              <a:t>Automated / Manual testing</a:t>
+            </a:r>
+          </a:p>
+          <a:p>
+            <a:pPr marL="342900" indent="-342900" algn="l">
+              <a:buFont typeface="Arial"/>
+              <a:buChar char="•"/>
+            </a:pPr>
+            <a:r>
+              <a:rPr lang="en-US" sz="2400" dirty="0" smtClean="0"/>
+              <a:t>Goals</a:t>
+            </a:r>
+            <a:r>
+              <a:rPr lang="en-US" sz="2400" dirty="0"/>
+              <a:t>, plans &amp; metrics</a:t>
+            </a:r>
           </a:p>
         </p:txBody>
       </p:sp>
     </p:spTree>
     <p:extLst>
       <p:ext uri="{BB962C8B-B14F-4D97-AF65-F5344CB8AC3E}">
-        <p14:creationId xmlns:p14="http://schemas.microsoft.com/office/powerpoint/2010/main" val="2978942451"/>
+        <p14:creationId xmlns:p14="http://schemas.microsoft.com/office/powerpoint/2010/main" val="30934274"/>
       </p:ext>
     </p:extLst>
   </p:cSld>
@@ -4972,7 +4903,7 @@
           <a:p>
             <a:r>
               <a:rPr lang="en-US" dirty="0" smtClean="0"/>
-              <a:t>Good Tests</a:t>
+              <a:t>SQA</a:t>
             </a:r>
             <a:endParaRPr lang="en-US" dirty="0"/>
           </a:p>
@@ -5002,83 +4933,112 @@
           <a:p>
             <a:pPr algn="l"/>
             <a:r>
-              <a:rPr lang="en-US" sz="2200" dirty="0" smtClean="0"/>
-              <a:t>Measurement</a:t>
-            </a:r>
-          </a:p>
-          <a:p>
-            <a:pPr marL="342900" indent="-342900" algn="l">
-              <a:buFont typeface="Arial"/>
-              <a:buChar char="•"/>
-            </a:pPr>
-            <a:r>
-              <a:rPr lang="en-US" sz="2200" dirty="0" smtClean="0"/>
-              <a:t>Defect rate – bugs per LOC or </a:t>
-            </a:r>
-            <a:r>
-              <a:rPr lang="en-US" sz="2200" dirty="0" err="1" smtClean="0"/>
-              <a:t>dev</a:t>
-            </a:r>
-            <a:r>
-              <a:rPr lang="en-US" sz="2200" dirty="0" smtClean="0"/>
-              <a:t> hour</a:t>
-            </a:r>
-          </a:p>
-          <a:p>
-            <a:pPr marL="342900" indent="-342900" algn="l">
-              <a:buFont typeface="Arial"/>
-              <a:buChar char="•"/>
-            </a:pPr>
-            <a:r>
-              <a:rPr lang="en-US" sz="2200" dirty="0" smtClean="0"/>
-              <a:t>Code coverage</a:t>
-            </a:r>
-          </a:p>
-          <a:p>
-            <a:pPr marL="342900" indent="-342900" algn="l">
-              <a:buFont typeface="Arial"/>
-              <a:buChar char="•"/>
-            </a:pPr>
-            <a:r>
-              <a:rPr lang="en-US" sz="2200" dirty="0" smtClean="0"/>
-              <a:t>Heat map – correlate VCS changes with bug reports</a:t>
-            </a:r>
-          </a:p>
-          <a:p>
-            <a:pPr marL="342900" indent="-342900" algn="l">
-              <a:buFont typeface="Arial"/>
-              <a:buChar char="•"/>
-            </a:pPr>
-            <a:r>
-              <a:rPr lang="en-US" sz="2200" dirty="0"/>
-              <a:t>attribute-component-capability matrix</a:t>
-            </a:r>
-            <a:endParaRPr lang="en-US" sz="2200" dirty="0" smtClean="0"/>
-          </a:p>
-          <a:p>
-            <a:pPr marL="342900" indent="-342900" algn="l">
-              <a:buFont typeface="Arial"/>
-              <a:buChar char="•"/>
-            </a:pPr>
-            <a:r>
-              <a:rPr lang="en-US" sz="2000" dirty="0"/>
-              <a:t>http://</a:t>
-            </a:r>
-            <a:r>
-              <a:rPr lang="en-US" sz="2000" dirty="0" err="1"/>
-              <a:t>www.kaner.com</a:t>
-            </a:r>
-            <a:r>
-              <a:rPr lang="en-US" sz="2000" dirty="0"/>
-              <a:t>/</a:t>
-            </a:r>
-            <a:r>
-              <a:rPr lang="en-US" sz="2000" dirty="0" err="1"/>
-              <a:t>pdfs</a:t>
-            </a:r>
-            <a:r>
-              <a:rPr lang="en-US" sz="2000" dirty="0"/>
-              <a:t>/metrics2004.pdf</a:t>
+              <a:rPr lang="en-US" sz="2800" dirty="0"/>
+              <a:t>Software construction best </a:t>
+            </a:r>
+            <a:r>
+              <a:rPr lang="en-US" sz="2800" dirty="0" smtClean="0"/>
+              <a:t>practices</a:t>
+            </a:r>
+          </a:p>
+          <a:p>
+            <a:pPr marL="342900" indent="-342900" algn="l">
+              <a:buFont typeface="Arial"/>
+              <a:buChar char="•"/>
+            </a:pPr>
+            <a:r>
+              <a:rPr lang="en-US" sz="2400" dirty="0" smtClean="0"/>
+              <a:t>Planning</a:t>
+            </a:r>
+          </a:p>
+          <a:p>
+            <a:pPr marL="800100" lvl="1" indent="-342900" algn="l">
+              <a:buFont typeface="Arial"/>
+              <a:buChar char="•"/>
+            </a:pPr>
+            <a:r>
+              <a:rPr lang="en-US" sz="2000" dirty="0" smtClean="0"/>
+              <a:t>Fully understanding current and future requirements</a:t>
+            </a:r>
+          </a:p>
+          <a:p>
+            <a:pPr marL="800100" lvl="1" indent="-342900" algn="l">
+              <a:buFont typeface="Arial"/>
+              <a:buChar char="•"/>
+            </a:pPr>
+            <a:r>
+              <a:rPr lang="en-US" sz="2000" dirty="0" smtClean="0"/>
+              <a:t>Fully understanding Abstract Data Types and their sources</a:t>
+            </a:r>
+          </a:p>
+          <a:p>
+            <a:pPr marL="342900" indent="-342900" algn="l">
+              <a:buFont typeface="Arial"/>
+              <a:buChar char="•"/>
+            </a:pPr>
+            <a:r>
+              <a:rPr lang="en-US" sz="2400" dirty="0" smtClean="0"/>
+              <a:t>Design</a:t>
+            </a:r>
+          </a:p>
+          <a:p>
+            <a:pPr marL="800100" lvl="1" indent="-342900" algn="l">
+              <a:buFont typeface="Arial"/>
+              <a:buChar char="•"/>
+            </a:pPr>
+            <a:r>
+              <a:rPr lang="en-US" sz="2000" dirty="0" smtClean="0"/>
+              <a:t>Abstraction </a:t>
+            </a:r>
+          </a:p>
+          <a:p>
+            <a:pPr marL="800100" lvl="1" indent="-342900" algn="l">
+              <a:buFont typeface="Arial"/>
+              <a:buChar char="•"/>
+            </a:pPr>
+            <a:r>
+              <a:rPr lang="en-US" sz="2000" dirty="0" smtClean="0"/>
+              <a:t>Separation of Concerns</a:t>
+            </a:r>
+          </a:p>
+          <a:p>
+            <a:pPr marL="800100" lvl="1" indent="-342900" algn="l">
+              <a:buFont typeface="Arial"/>
+              <a:buChar char="•"/>
+            </a:pPr>
+            <a:r>
+              <a:rPr lang="en-US" sz="2000" dirty="0" smtClean="0"/>
+              <a:t>Encapsulation / Information hiding</a:t>
+            </a:r>
+          </a:p>
+          <a:p>
+            <a:pPr marL="342900" indent="-342900" algn="l">
+              <a:buFont typeface="Arial"/>
+              <a:buChar char="•"/>
+            </a:pPr>
+            <a:r>
+              <a:rPr lang="en-US" sz="2400" dirty="0" smtClean="0"/>
+              <a:t>Appropriate use of design patterns</a:t>
+            </a:r>
+          </a:p>
+          <a:p>
+            <a:pPr marL="800100" lvl="1" indent="-342900" algn="l">
+              <a:buFont typeface="Arial"/>
+              <a:buChar char="•"/>
+            </a:pPr>
+            <a:r>
+              <a:rPr lang="en-US" sz="2000" dirty="0" smtClean="0"/>
+              <a:t>Decoupling / loose coupling</a:t>
+            </a:r>
+          </a:p>
+          <a:p>
+            <a:pPr marL="800100" lvl="1" indent="-342900" algn="l">
+              <a:buFont typeface="Arial"/>
+              <a:buChar char="•"/>
+            </a:pPr>
+            <a:r>
+              <a:rPr lang="en-US" sz="2000" dirty="0" smtClean="0"/>
+              <a:t>Increasing clarity</a:t>
             </a:r>
           </a:p>
         </p:txBody>
@@ -5086,7 +5046,7 @@
     </p:spTree>
     <p:extLst>
       <p:ext uri="{BB962C8B-B14F-4D97-AF65-F5344CB8AC3E}">
-        <p14:creationId xmlns:p14="http://schemas.microsoft.com/office/powerpoint/2010/main" val="1081058882"/>
+        <p14:creationId xmlns:p14="http://schemas.microsoft.com/office/powerpoint/2010/main" val="2954176117"/>
       </p:ext>
     </p:extLst>
   </p:cSld>
@@ -5140,9 +5100,10 @@
           <a:bodyPr/>
           <a:lstStyle/>
           <a:p>
+            <a:pPr marL="457200" indent="-457200"/>
             <a:r>
               <a:rPr lang="en-US" dirty="0" smtClean="0"/>
-              <a:t>Schedule – day 1</a:t>
+              <a:t>Course Overview</a:t>
             </a:r>
             <a:endParaRPr lang="en-US" dirty="0"/>
           </a:p>
@@ -5160,8 +5121,8 @@
         </p:nvSpPr>
         <p:spPr>
           <a:xfrm>
-            <a:off x="454651" y="1630710"/>
-            <a:ext cx="8371875" cy="4609893"/>
+            <a:off x="1371600" y="1630710"/>
+            <a:ext cx="6400800" cy="4609893"/>
           </a:xfrm>
         </p:spPr>
         <p:txBody>
@@ -5170,149 +5131,50 @@
           </a:bodyPr>
           <a:lstStyle/>
           <a:p>
-            <a:pPr marL="342900" indent="-342900" algn="l">
-              <a:buFont typeface="Arial"/>
-              <a:buChar char="•"/>
-            </a:pPr>
-            <a:r>
-              <a:rPr lang="en-US" sz="1800" dirty="0" smtClean="0"/>
-              <a:t>Introductions and Housekeeping</a:t>
-            </a:r>
-          </a:p>
-          <a:p>
-            <a:pPr marL="342900" indent="-342900" algn="l">
-              <a:buFont typeface="Arial"/>
-              <a:buChar char="•"/>
-            </a:pPr>
-            <a:r>
-              <a:rPr lang="en-US" sz="1800" dirty="0" smtClean="0"/>
-              <a:t>Why test?</a:t>
-            </a:r>
-          </a:p>
-          <a:p>
-            <a:pPr marL="342900" indent="-342900" algn="l">
-              <a:buFont typeface="Arial"/>
-              <a:buChar char="•"/>
-            </a:pPr>
-            <a:r>
-              <a:rPr lang="en-US" sz="1800" dirty="0" smtClean="0"/>
-              <a:t>Core concepts</a:t>
-            </a:r>
-          </a:p>
-          <a:p>
-            <a:pPr marL="342900" indent="-342900" algn="l">
-              <a:buFont typeface="Arial"/>
-              <a:buChar char="•"/>
-            </a:pPr>
-            <a:r>
-              <a:rPr lang="en-US" sz="1800" dirty="0" smtClean="0"/>
-              <a:t>Lab: Get started with </a:t>
-            </a:r>
-            <a:r>
-              <a:rPr lang="en-US" sz="1800" dirty="0" err="1" smtClean="0"/>
-              <a:t>devops</a:t>
-            </a:r>
-            <a:r>
-              <a:rPr lang="en-US" sz="1800" dirty="0" smtClean="0"/>
-              <a:t> tools</a:t>
-            </a:r>
-            <a:endParaRPr lang="en-US" sz="1800" dirty="0"/>
-          </a:p>
-          <a:p>
-            <a:pPr marL="342900" indent="-342900" algn="l">
-              <a:buFont typeface="Arial"/>
-              <a:buChar char="•"/>
-            </a:pPr>
-            <a:r>
-              <a:rPr lang="en-US" sz="1800" dirty="0" smtClean="0"/>
-              <a:t>( break )</a:t>
-            </a:r>
-          </a:p>
-          <a:p>
-            <a:pPr marL="342900" indent="-342900" algn="l">
-              <a:buFont typeface="Arial"/>
-              <a:buChar char="•"/>
-            </a:pPr>
-            <a:r>
-              <a:rPr lang="en-US" sz="1800" dirty="0"/>
-              <a:t>Lab: Explore TDD through Jasmine</a:t>
-            </a:r>
-          </a:p>
-          <a:p>
-            <a:pPr marL="342900" indent="-342900" algn="l">
-              <a:buFont typeface="Arial"/>
-              <a:buChar char="•"/>
-            </a:pPr>
-            <a:r>
-              <a:rPr lang="en-US" sz="1800" dirty="0" smtClean="0"/>
-              <a:t>( lunch )</a:t>
-            </a:r>
-          </a:p>
-          <a:p>
-            <a:pPr marL="342900" indent="-342900" algn="l">
-              <a:buFont typeface="Arial"/>
-              <a:buChar char="•"/>
-            </a:pPr>
-            <a:r>
-              <a:rPr lang="en-US" sz="1800" dirty="0" smtClean="0"/>
-              <a:t>Lab: Add Backbone and Karma to the mix</a:t>
-            </a:r>
-          </a:p>
-          <a:p>
-            <a:pPr marL="342900" indent="-342900" algn="l">
-              <a:buFont typeface="Arial"/>
-              <a:buChar char="•"/>
-            </a:pPr>
-            <a:r>
-              <a:rPr lang="en-US" sz="1800" dirty="0" smtClean="0"/>
-              <a:t>( break )</a:t>
-            </a:r>
-          </a:p>
-          <a:p>
-            <a:pPr marL="342900" indent="-342900" algn="l">
-              <a:buFont typeface="Arial"/>
-              <a:buChar char="•"/>
-            </a:pPr>
-            <a:r>
-              <a:rPr lang="en-US" sz="1800" dirty="0" smtClean="0"/>
-              <a:t>Advanced Jasmine tools &amp; techniques</a:t>
-            </a:r>
-            <a:endParaRPr lang="en-US" sz="1800" dirty="0"/>
-          </a:p>
-          <a:p>
-            <a:pPr marL="342900" indent="-342900" algn="l">
-              <a:buFont typeface="Arial"/>
-              <a:buChar char="•"/>
-            </a:pPr>
-            <a:r>
-              <a:rPr lang="en-US" sz="1800" dirty="0"/>
-              <a:t>Lab: </a:t>
-            </a:r>
-            <a:r>
-              <a:rPr lang="en-US" sz="1800" dirty="0" smtClean="0"/>
-              <a:t>Stubs, spies and mocks</a:t>
-            </a:r>
-            <a:endParaRPr lang="en-US" sz="1800" dirty="0"/>
+            <a:pPr marL="457200" indent="-457200" algn="l">
+              <a:buFont typeface="Arial"/>
+              <a:buChar char="•"/>
+            </a:pPr>
+            <a:r>
+              <a:rPr lang="en-US" dirty="0" smtClean="0"/>
+              <a:t>What testing won't do</a:t>
+            </a:r>
+            <a:endParaRPr lang="en-US" dirty="0"/>
+          </a:p>
+          <a:p>
+            <a:pPr marL="457200" indent="-457200" algn="l">
+              <a:buFont typeface="Arial"/>
+              <a:buChar char="•"/>
+            </a:pPr>
+            <a:r>
+              <a:rPr lang="en-US" dirty="0" smtClean="0"/>
+              <a:t>Why Test?</a:t>
+            </a:r>
+            <a:endParaRPr lang="en-US" dirty="0"/>
+          </a:p>
+          <a:p>
+            <a:pPr marL="457200" indent="-457200" algn="l">
+              <a:buFont typeface="Arial"/>
+              <a:buChar char="•"/>
+            </a:pPr>
+            <a:r>
+              <a:rPr lang="en-US" dirty="0" smtClean="0"/>
+              <a:t>Testing part of SQA</a:t>
+            </a:r>
+            <a:endParaRPr lang="en-US" dirty="0"/>
           </a:p>
         </p:txBody>
       </p:sp>
     </p:spTree>
     <p:extLst>
       <p:ext uri="{BB962C8B-B14F-4D97-AF65-F5344CB8AC3E}">
-        <p14:creationId xmlns:p14="http://schemas.microsoft.com/office/powerpoint/2010/main" val="1184490946"/>
+        <p14:creationId xmlns:p14="http://schemas.microsoft.com/office/powerpoint/2010/main" val="651461102"/>
       </p:ext>
     </p:extLst>
   </p:cSld>
   <p:clrMapOvr>
     <a:masterClrMapping/>
   </p:clrMapOvr>
-  <p:timing>
-    <p:tnLst>
-      <p:par>
-        <p:cTn xmlns:p14="http://schemas.microsoft.com/office/powerpoint/2010/main" id="1" dur="indefinite" restart="never" nodeType="tmRoot"/>
-      </p:par>
-    </p:tnLst>
-  </p:timing>
 </p:sld>
 </file>
 
@@ -5355,7 +5217,11 @@
           <a:p>
             <a:r>
               <a:rPr lang="en-US" dirty="0" smtClean="0"/>
-              <a:t>Lab: Get started</a:t>
+              <a:t>Planning, Design and </a:t>
+            </a:r>
+            <a:r>
+              <a:rPr lang="en-US" dirty="0" smtClean="0"/>
+              <a:t>Agile</a:t>
             </a:r>
             <a:endParaRPr lang="en-US" dirty="0"/>
           </a:p>
@@ -5379,147 +5245,103 @@
         </p:spPr>
         <p:txBody>
           <a:bodyPr>
-            <a:normAutofit fontScale="92500" lnSpcReduction="20000"/>
+            <a:normAutofit/>
           </a:bodyPr>
           <a:lstStyle/>
           <a:p>
-            <a:pPr algn="l"/>
-            <a:r>
-              <a:rPr lang="en-US" sz="2400" dirty="0"/>
-              <a:t>(Code-along, 30 </a:t>
-            </a:r>
-            <a:r>
-              <a:rPr lang="en-US" sz="2400" dirty="0" err="1"/>
-              <a:t>mins</a:t>
-            </a:r>
-            <a:r>
-              <a:rPr lang="en-US" sz="2400" dirty="0" smtClean="0"/>
-              <a:t>)</a:t>
-            </a:r>
-          </a:p>
-          <a:p>
-            <a:pPr algn="l"/>
-            <a:endParaRPr lang="en-US" sz="2200" dirty="0" smtClean="0"/>
-          </a:p>
-          <a:p>
-            <a:pPr algn="l"/>
-            <a:r>
-              <a:rPr lang="en-US" sz="2200" dirty="0" smtClean="0"/>
-              <a:t>Setup</a:t>
-            </a:r>
-            <a:endParaRPr lang="en-US" sz="2200" dirty="0"/>
-          </a:p>
-          <a:p>
-            <a:pPr algn="l"/>
-            <a:r>
-              <a:rPr lang="en-US" sz="2200" dirty="0"/>
-              <a:t> - Brief review/intro to </a:t>
-            </a:r>
-            <a:r>
-              <a:rPr lang="en-US" sz="2200" dirty="0" err="1"/>
-              <a:t>npm</a:t>
-            </a:r>
-            <a:r>
-              <a:rPr lang="en-US" sz="2200" dirty="0"/>
-              <a:t>/</a:t>
-            </a:r>
-            <a:r>
-              <a:rPr lang="en-US" sz="2200" dirty="0" err="1"/>
-              <a:t>package.json</a:t>
-            </a:r>
-            <a:r>
-              <a:rPr lang="en-US" sz="2200" dirty="0"/>
-              <a:t>, if needed</a:t>
-            </a:r>
-          </a:p>
-          <a:p>
-            <a:pPr algn="l"/>
-            <a:r>
-              <a:rPr lang="en-US" sz="2200" dirty="0"/>
-              <a:t> - Install Karma, Jasmine, Grunt, </a:t>
-            </a:r>
-            <a:r>
-              <a:rPr lang="en-US" sz="2200" dirty="0" err="1"/>
-              <a:t>jshint</a:t>
-            </a:r>
-            <a:endParaRPr lang="en-US" sz="2200" dirty="0"/>
-          </a:p>
-          <a:p>
-            <a:pPr algn="l"/>
-            <a:r>
-              <a:rPr lang="en-US" sz="2200" dirty="0"/>
-              <a:t> - Set up Grunt to run </a:t>
-            </a:r>
-            <a:r>
-              <a:rPr lang="en-US" sz="2200" dirty="0" err="1"/>
-              <a:t>jshint</a:t>
-            </a:r>
-            <a:endParaRPr lang="en-US" sz="2200" dirty="0"/>
-          </a:p>
-          <a:p>
-            <a:pPr algn="l"/>
-            <a:r>
-              <a:rPr lang="en-US" sz="2200" dirty="0"/>
-              <a:t>Jasmine</a:t>
-            </a:r>
-          </a:p>
-          <a:p>
-            <a:pPr algn="l"/>
-            <a:r>
-              <a:rPr lang="en-US" sz="2200" dirty="0"/>
-              <a:t> - Structure and Syntax</a:t>
-            </a:r>
-          </a:p>
-          <a:p>
-            <a:pPr algn="l"/>
-            <a:r>
-              <a:rPr lang="en-US" sz="2200" dirty="0"/>
-              <a:t> - Suites &amp; Specs</a:t>
-            </a:r>
-          </a:p>
-          <a:p>
-            <a:pPr algn="l"/>
-            <a:r>
-              <a:rPr lang="en-US" sz="2200" dirty="0"/>
-              <a:t> - Matchers</a:t>
-            </a:r>
-          </a:p>
-          <a:p>
-            <a:pPr algn="l"/>
-            <a:r>
-              <a:rPr lang="en-US" sz="2200" dirty="0"/>
-              <a:t> - Hello World failing test</a:t>
-            </a:r>
-          </a:p>
-          <a:p>
-            <a:pPr algn="l"/>
-            <a:r>
-              <a:rPr lang="en-US" sz="2200" dirty="0"/>
-              <a:t> - Write Hello World code to make test </a:t>
-            </a:r>
-            <a:r>
-              <a:rPr lang="en-US" sz="2200" dirty="0" smtClean="0"/>
-              <a:t>pass</a:t>
-            </a:r>
-          </a:p>
-          <a:p>
-            <a:pPr algn="l"/>
-            <a:endParaRPr lang="en-US" sz="2200" dirty="0"/>
-          </a:p>
-          <a:p>
-            <a:pPr algn="l"/>
-            <a:r>
-              <a:rPr lang="en-US" sz="2200" dirty="0" smtClean="0"/>
-              <a:t>(15 min break)</a:t>
-            </a:r>
-            <a:endParaRPr lang="en-US" sz="2000" dirty="0"/>
+            <a:pPr marL="342900" indent="-342900" algn="l">
+              <a:buFont typeface="Arial"/>
+              <a:buChar char="•"/>
+            </a:pPr>
+            <a:r>
+              <a:rPr lang="en-US" sz="2400" dirty="0" smtClean="0"/>
+              <a:t>Agile has had a terrible side effect on planning</a:t>
+            </a:r>
+          </a:p>
+          <a:p>
+            <a:pPr marL="800100" lvl="1" indent="-342900" algn="l">
+              <a:buFont typeface="Arial"/>
+              <a:buChar char="•"/>
+            </a:pPr>
+            <a:r>
+              <a:rPr lang="en-US" sz="2000" dirty="0" smtClean="0"/>
+              <a:t>Not </a:t>
+            </a:r>
+            <a:r>
+              <a:rPr lang="en-US" sz="2000" dirty="0" err="1" smtClean="0"/>
+              <a:t>Agile's</a:t>
+            </a:r>
+            <a:r>
+              <a:rPr lang="en-US" sz="2000" dirty="0" smtClean="0"/>
+              <a:t> fault</a:t>
+            </a:r>
+          </a:p>
+          <a:p>
+            <a:pPr marL="800100" lvl="1" indent="-342900" algn="l">
+              <a:buFont typeface="Arial"/>
+              <a:buChar char="•"/>
+            </a:pPr>
+            <a:r>
+              <a:rPr lang="en-US" sz="2000" dirty="0" smtClean="0"/>
+              <a:t>Rather, conventional wisdom of "startup culture"</a:t>
+            </a:r>
+          </a:p>
+          <a:p>
+            <a:pPr marL="800100" lvl="1" indent="-342900" algn="l">
+              <a:buFont typeface="Arial"/>
+              <a:buChar char="•"/>
+            </a:pPr>
+            <a:r>
+              <a:rPr lang="en-US" sz="2000" dirty="0" smtClean="0"/>
+              <a:t>"Fail fast"</a:t>
+            </a:r>
+          </a:p>
+          <a:p>
+            <a:pPr marL="800100" lvl="1" indent="-342900" algn="l">
+              <a:buFont typeface="Arial"/>
+              <a:buChar char="•"/>
+            </a:pPr>
+            <a:r>
+              <a:rPr lang="en-US" sz="2000" dirty="0" smtClean="0"/>
+              <a:t>"Waterfall bad, requirements bad"</a:t>
+            </a:r>
+          </a:p>
+          <a:p>
+            <a:pPr marL="342900" indent="-342900" algn="l">
+              <a:buFont typeface="Arial"/>
+              <a:buChar char="•"/>
+            </a:pPr>
+            <a:r>
+              <a:rPr lang="en-US" sz="2400" dirty="0" smtClean="0"/>
+              <a:t>Coding is only the mechanical phase of construction</a:t>
+            </a:r>
+          </a:p>
+          <a:p>
+            <a:pPr marL="342900" indent="-342900" algn="l">
+              <a:buFont typeface="Arial"/>
+              <a:buChar char="•"/>
+            </a:pPr>
+            <a:r>
+              <a:rPr lang="en-US" sz="2400" dirty="0" smtClean="0"/>
+              <a:t>Coding without intention or understanding = disaster</a:t>
+            </a:r>
+          </a:p>
+          <a:p>
+            <a:pPr marL="342900" indent="-342900" algn="l">
+              <a:buFont typeface="Arial"/>
+              <a:buChar char="•"/>
+            </a:pPr>
+            <a:r>
+              <a:rPr lang="en-US" sz="2400" dirty="0" smtClean="0"/>
+              <a:t>Surgeons don't "just start cutting" and then "iterate"</a:t>
+            </a:r>
           </a:p>
         </p:txBody>
       </p:sp>
     </p:spTree>
     <p:extLst>
       <p:ext uri="{BB962C8B-B14F-4D97-AF65-F5344CB8AC3E}">
-        <p14:creationId xmlns:p14="http://schemas.microsoft.com/office/powerpoint/2010/main" val="1489723374"/>
+        <p14:creationId xmlns:p14="http://schemas.microsoft.com/office/powerpoint/2010/main" val="3773456183"/>
       </p:ext>
     </p:extLst>
   </p:cSld>
@@ -5575,7 +5397,11 @@
           <a:p>
             <a:r>
               <a:rPr lang="en-US" dirty="0" smtClean="0"/>
-              <a:t>Lab: Plan &amp; TDD</a:t>
+              <a:t>Planning, Design and </a:t>
+            </a:r>
+            <a:r>
+              <a:rPr lang="en-US" dirty="0" smtClean="0"/>
+              <a:t>Agile</a:t>
             </a:r>
             <a:endParaRPr lang="en-US" dirty="0"/>
           </a:p>
@@ -5603,80 +5429,111 @@
           </a:bodyPr>
           <a:lstStyle/>
           <a:p>
-            <a:pPr algn="l"/>
-            <a:endParaRPr lang="en-US" sz="2200" dirty="0"/>
-          </a:p>
-          <a:p>
-            <a:pPr algn="l"/>
-            <a:r>
-              <a:rPr lang="en-US" sz="2200" dirty="0"/>
-              <a:t>(Discussion, 20 </a:t>
-            </a:r>
-            <a:r>
-              <a:rPr lang="en-US" sz="2200" dirty="0" err="1"/>
-              <a:t>mins</a:t>
-            </a:r>
-            <a:r>
-              <a:rPr lang="en-US" sz="2200" dirty="0"/>
-              <a:t>)</a:t>
-            </a:r>
-          </a:p>
-          <a:p>
-            <a:pPr algn="l"/>
-            <a:r>
-              <a:rPr lang="en-US" sz="2200" dirty="0"/>
-              <a:t> - Review the use cases/features for our demo code</a:t>
-            </a:r>
-          </a:p>
-          <a:p>
-            <a:pPr algn="l"/>
-            <a:r>
-              <a:rPr lang="en-US" sz="2200" dirty="0"/>
-              <a:t> - Outline a general plan for how to implement</a:t>
-            </a:r>
-          </a:p>
-          <a:p>
-            <a:pPr algn="l"/>
-            <a:endParaRPr lang="en-US" sz="2200" dirty="0"/>
-          </a:p>
-          <a:p>
-            <a:pPr algn="l"/>
-            <a:r>
-              <a:rPr lang="en-US" sz="2200" dirty="0"/>
-              <a:t>(Code-along, 60 </a:t>
-            </a:r>
-            <a:r>
-              <a:rPr lang="en-US" sz="2200" dirty="0" err="1"/>
-              <a:t>mins</a:t>
-            </a:r>
-            <a:r>
-              <a:rPr lang="en-US" sz="2200" dirty="0"/>
-              <a:t>)</a:t>
-            </a:r>
-          </a:p>
-          <a:p>
-            <a:pPr algn="l"/>
-            <a:r>
-              <a:rPr lang="en-US" sz="2200" dirty="0"/>
-              <a:t> - Do TDD! Write tests then write code</a:t>
-            </a:r>
-          </a:p>
-          <a:p>
-            <a:pPr algn="l"/>
-            <a:r>
-              <a:rPr lang="en-US" sz="2200" dirty="0"/>
-              <a:t> - Vanilla JS at this point</a:t>
-            </a:r>
-          </a:p>
-          <a:p>
-            <a:pPr algn="l"/>
-            <a:endParaRPr lang="en-US" sz="2200" dirty="0"/>
-          </a:p>
-          <a:p>
-            <a:pPr algn="l"/>
-            <a:r>
-              <a:rPr lang="en-US" sz="2200" dirty="0"/>
-              <a:t>(lunch)</a:t>
+            <a:pPr marL="342900" indent="-342900" algn="l">
+              <a:buFont typeface="Arial"/>
+              <a:buChar char="•"/>
+            </a:pPr>
+            <a:r>
+              <a:rPr lang="en-US" sz="2400" dirty="0" smtClean="0"/>
+              <a:t>The Whole Point of Agile</a:t>
+            </a:r>
+          </a:p>
+          <a:p>
+            <a:pPr marL="800100" lvl="1" indent="-342900" algn="l">
+              <a:buFont typeface="Arial"/>
+              <a:buChar char="•"/>
+            </a:pPr>
+            <a:r>
+              <a:rPr lang="en-US" sz="2000" dirty="0" smtClean="0"/>
+              <a:t>Like test cases, some requirements are unforeseeable</a:t>
+            </a:r>
+          </a:p>
+          <a:p>
+            <a:pPr marL="800100" lvl="1" indent="-342900" algn="l">
+              <a:buFont typeface="Arial"/>
+              <a:buChar char="•"/>
+            </a:pPr>
+            <a:r>
+              <a:rPr lang="en-US" sz="2000" dirty="0" smtClean="0"/>
+              <a:t>Don't try to gather </a:t>
+            </a:r>
+            <a:r>
+              <a:rPr lang="en-US" sz="2000" i="1" dirty="0" smtClean="0"/>
+              <a:t>all</a:t>
+            </a:r>
+            <a:r>
+              <a:rPr lang="en-US" sz="2000" dirty="0" smtClean="0"/>
+              <a:t> requirements before starting</a:t>
+            </a:r>
+          </a:p>
+          <a:p>
+            <a:pPr marL="800100" lvl="1" indent="-342900" algn="l">
+              <a:buFont typeface="Arial"/>
+              <a:buChar char="•"/>
+            </a:pPr>
+            <a:r>
+              <a:rPr lang="en-US" sz="2000" dirty="0" smtClean="0"/>
+              <a:t>Do as little requirements gathering as possible…</a:t>
+            </a:r>
+          </a:p>
+          <a:p>
+            <a:pPr marL="800100" lvl="1" indent="-342900" algn="l">
+              <a:buFont typeface="Arial"/>
+              <a:buChar char="•"/>
+            </a:pPr>
+            <a:r>
+              <a:rPr lang="en-US" sz="2000" dirty="0" smtClean="0"/>
+              <a:t>…but no less!</a:t>
+            </a:r>
+          </a:p>
+          <a:p>
+            <a:pPr marL="342900" indent="-342900" algn="l">
+              <a:buFont typeface="Arial"/>
+              <a:buChar char="•"/>
+            </a:pPr>
+            <a:r>
+              <a:rPr lang="en-US" sz="2400" dirty="0" smtClean="0"/>
+              <a:t>Nothing in Agile says not to spend time on plans or design</a:t>
+            </a:r>
+          </a:p>
+          <a:p>
+            <a:pPr marL="342900" indent="-342900" algn="l">
+              <a:buFont typeface="Arial"/>
+              <a:buChar char="•"/>
+            </a:pPr>
+            <a:r>
+              <a:rPr lang="en-US" sz="2400" dirty="0" smtClean="0"/>
+              <a:t>Some stakeholders suffer from WIMP syndrome:</a:t>
+            </a:r>
+          </a:p>
+          <a:p>
+            <a:pPr marL="342900" indent="-342900" algn="l">
+              <a:buFont typeface="Arial"/>
+              <a:buChar char="•"/>
+            </a:pPr>
+            <a:r>
+              <a:rPr lang="en-US" sz="2400" dirty="0" smtClean="0"/>
+              <a:t>"Why Isn't My engineer Programming?"</a:t>
+            </a:r>
+          </a:p>
+          <a:p>
+            <a:pPr marL="342900" indent="-342900" algn="l">
+              <a:buFont typeface="Arial"/>
+              <a:buChar char="•"/>
+            </a:pPr>
+            <a:r>
+              <a:rPr lang="en-US" sz="2400" dirty="0" smtClean="0"/>
+              <a:t>The appropriate amount of planning &amp; design is critical</a:t>
+            </a:r>
+          </a:p>
+          <a:p>
+            <a:pPr marL="342900" indent="-342900" algn="l">
+              <a:buFont typeface="Arial"/>
+              <a:buChar char="•"/>
+            </a:pPr>
+            <a:r>
+              <a:rPr lang="en-US" sz="2400" dirty="0" smtClean="0"/>
+              <a:t>There's no reason not to support SQA</a:t>
             </a:r>
           </a:p>
         </p:txBody>
@@ -5684,7 +5541,7 @@
     </p:spTree>
     <p:extLst>
       <p:ext uri="{BB962C8B-B14F-4D97-AF65-F5344CB8AC3E}">
-        <p14:creationId xmlns:p14="http://schemas.microsoft.com/office/powerpoint/2010/main" val="3926192779"/>
+        <p14:creationId xmlns:p14="http://schemas.microsoft.com/office/powerpoint/2010/main" val="479587395"/>
       </p:ext>
     </p:extLst>
   </p:cSld>
@@ -5740,7 +5597,7 @@
           <a:p>
             <a:r>
               <a:rPr lang="en-US" dirty="0" smtClean="0"/>
-              <a:t>Lab: Add Backbone &amp; Karma</a:t>
+              <a:t>Testing continuum</a:t>
             </a:r>
             <a:endParaRPr lang="en-US" dirty="0"/>
           </a:p>
@@ -5768,68 +5625,117 @@
           </a:bodyPr>
           <a:lstStyle/>
           <a:p>
-            <a:pPr algn="l"/>
-            <a:r>
-              <a:rPr lang="en-US" sz="2200" dirty="0"/>
-              <a:t>(Code-along, 60 </a:t>
-            </a:r>
-            <a:r>
-              <a:rPr lang="en-US" sz="2200" dirty="0" err="1"/>
-              <a:t>mins</a:t>
-            </a:r>
-            <a:r>
-              <a:rPr lang="en-US" sz="2200" dirty="0"/>
-              <a:t>)</a:t>
-            </a:r>
-          </a:p>
-          <a:p>
-            <a:pPr algn="l"/>
-            <a:r>
-              <a:rPr lang="en-US" sz="2200" dirty="0"/>
-              <a:t> - Set up Karma</a:t>
-            </a:r>
-          </a:p>
-          <a:p>
-            <a:pPr algn="l"/>
-            <a:r>
-              <a:rPr lang="en-US" sz="2200" dirty="0"/>
-              <a:t> - Add Backbone</a:t>
-            </a:r>
-          </a:p>
-          <a:p>
-            <a:pPr algn="l"/>
-            <a:r>
-              <a:rPr lang="en-US" sz="2200" dirty="0"/>
-              <a:t> - Split spec into multiple files</a:t>
-            </a:r>
-          </a:p>
-          <a:p>
-            <a:pPr algn="l"/>
-            <a:r>
-              <a:rPr lang="en-US" sz="2200" dirty="0"/>
-              <a:t> - Set up Karma to test multiple browsers</a:t>
-            </a:r>
-          </a:p>
-          <a:p>
-            <a:pPr algn="l"/>
-            <a:r>
-              <a:rPr lang="en-US" sz="2200" dirty="0"/>
-              <a:t> - E2E versus units with Backbone</a:t>
-            </a:r>
-          </a:p>
-          <a:p>
-            <a:pPr algn="l"/>
-            <a:endParaRPr lang="en-US" sz="2200" dirty="0"/>
-          </a:p>
-          <a:p>
-            <a:pPr algn="l"/>
-            <a:r>
-              <a:rPr lang="en-US" sz="2200" dirty="0" smtClean="0"/>
-              <a:t>(15 min break</a:t>
-            </a:r>
-            <a:r>
-              <a:rPr lang="en-US" sz="2200" dirty="0"/>
-              <a:t>)</a:t>
+            <a:pPr marL="342900" indent="-342900" algn="l">
+              <a:buFont typeface="Arial"/>
+              <a:buChar char="•"/>
+            </a:pPr>
+            <a:r>
+              <a:rPr lang="en-US" sz="2400" dirty="0" smtClean="0"/>
+              <a:t>Ranges from unit to integration</a:t>
+            </a:r>
+          </a:p>
+          <a:p>
+            <a:pPr marL="342900" indent="-342900" algn="l">
+              <a:buFont typeface="Arial"/>
+              <a:buChar char="•"/>
+            </a:pPr>
+            <a:r>
+              <a:rPr lang="en-US" sz="2400" dirty="0" smtClean="0"/>
+              <a:t>All tests fall somewhere on the continuum</a:t>
+            </a:r>
+          </a:p>
+          <a:p>
+            <a:pPr marL="342900" indent="-342900" algn="l">
+              <a:buFont typeface="Arial"/>
+              <a:buChar char="•"/>
+            </a:pPr>
+            <a:r>
+              <a:rPr lang="en-US" sz="2400" dirty="0" smtClean="0"/>
+              <a:t>Unit tests</a:t>
+            </a:r>
+          </a:p>
+          <a:p>
+            <a:pPr marL="800100" lvl="1" indent="-342900" algn="l">
+              <a:buFont typeface="Arial"/>
+              <a:buChar char="•"/>
+            </a:pPr>
+            <a:r>
+              <a:rPr lang="en-US" sz="2000" dirty="0" smtClean="0"/>
+              <a:t>Smallest possible test case</a:t>
+            </a:r>
+          </a:p>
+          <a:p>
+            <a:pPr marL="800100" lvl="1" indent="-342900" algn="l">
+              <a:buFont typeface="Arial"/>
+              <a:buChar char="•"/>
+            </a:pPr>
+            <a:r>
+              <a:rPr lang="en-US" sz="2000" dirty="0" smtClean="0"/>
+              <a:t>Need to be fast</a:t>
+            </a:r>
+          </a:p>
+          <a:p>
+            <a:pPr marL="800100" lvl="1" indent="-342900" algn="l">
+              <a:buFont typeface="Arial"/>
+              <a:buChar char="•"/>
+            </a:pPr>
+            <a:r>
+              <a:rPr lang="en-US" sz="2000" dirty="0" smtClean="0"/>
+              <a:t>Test One Thing</a:t>
+            </a:r>
+          </a:p>
+          <a:p>
+            <a:pPr marL="800100" lvl="1" indent="-342900" algn="l">
+              <a:buFont typeface="Arial"/>
+              <a:buChar char="•"/>
+            </a:pPr>
+            <a:r>
+              <a:rPr lang="en-US" sz="2000" dirty="0"/>
+              <a:t>More </a:t>
+            </a:r>
+            <a:r>
+              <a:rPr lang="en-US" sz="2000" dirty="0" smtClean="0"/>
+              <a:t>robust</a:t>
+            </a:r>
+          </a:p>
+          <a:p>
+            <a:pPr marL="342900" indent="-342900" algn="l">
+              <a:buFont typeface="Arial"/>
+              <a:buChar char="•"/>
+            </a:pPr>
+            <a:r>
+              <a:rPr lang="en-US" sz="2400" dirty="0" smtClean="0"/>
+              <a:t>Integration tests</a:t>
+            </a:r>
+          </a:p>
+          <a:p>
+            <a:pPr marL="800100" lvl="1" indent="-342900" algn="l">
+              <a:buFont typeface="Arial"/>
+              <a:buChar char="•"/>
+            </a:pPr>
+            <a:r>
+              <a:rPr lang="en-US" sz="2000" dirty="0"/>
+              <a:t>Longer, both in LOC and run time</a:t>
+            </a:r>
+          </a:p>
+          <a:p>
+            <a:pPr marL="800100" lvl="1" indent="-342900" algn="l">
+              <a:buFont typeface="Arial"/>
+              <a:buChar char="•"/>
+            </a:pPr>
+            <a:r>
+              <a:rPr lang="en-US" sz="2000" dirty="0" smtClean="0"/>
+              <a:t>Test many things working together</a:t>
+            </a:r>
+          </a:p>
+          <a:p>
+            <a:pPr marL="800100" lvl="1" indent="-342900" algn="l">
+              <a:buFont typeface="Arial"/>
+              <a:buChar char="•"/>
+            </a:pPr>
+            <a:r>
+              <a:rPr lang="en-US" sz="2000" dirty="0" smtClean="0"/>
+              <a:t>More fragile</a:t>
             </a:r>
           </a:p>
         </p:txBody>
@@ -5837,7 +5743,7 @@
     </p:spTree>
     <p:extLst>
       <p:ext uri="{BB962C8B-B14F-4D97-AF65-F5344CB8AC3E}">
-        <p14:creationId xmlns:p14="http://schemas.microsoft.com/office/powerpoint/2010/main" val="1890478168"/>
+        <p14:creationId xmlns:p14="http://schemas.microsoft.com/office/powerpoint/2010/main" val="3938015404"/>
       </p:ext>
     </p:extLst>
   </p:cSld>
@@ -5893,7 +5799,7 @@
           <a:p>
             <a:r>
               <a:rPr lang="en-US" dirty="0" smtClean="0"/>
-              <a:t>Advanced Jasmine</a:t>
+              <a:t>Testing continuum</a:t>
             </a:r>
             <a:endParaRPr lang="en-US" dirty="0"/>
           </a:p>
@@ -5921,49 +5827,121 @@
           </a:bodyPr>
           <a:lstStyle/>
           <a:p>
-            <a:pPr algn="l"/>
-            <a:r>
-              <a:rPr lang="en-US" sz="2400" dirty="0"/>
-              <a:t> - Stunt Doubles: Stubs, Spies, Mocks</a:t>
-            </a:r>
-          </a:p>
-          <a:p>
-            <a:pPr algn="l"/>
-            <a:r>
-              <a:rPr lang="en-US" sz="2400" dirty="0"/>
-              <a:t> - Testing Asynchronous/Promises/Deferred Logic</a:t>
-            </a:r>
-          </a:p>
-          <a:p>
-            <a:pPr algn="l"/>
-            <a:r>
-              <a:rPr lang="en-US" sz="2400" dirty="0"/>
-              <a:t> - Review other assertion libraries: mocha, chai, </a:t>
-            </a:r>
-            <a:r>
-              <a:rPr lang="en-US" sz="2400" dirty="0" err="1"/>
-              <a:t>sinon</a:t>
-            </a:r>
-            <a:endParaRPr lang="en-US" sz="2400" dirty="0"/>
-          </a:p>
-          <a:p>
-            <a:pPr algn="l"/>
-            <a:r>
-              <a:rPr lang="en-US" sz="2400" dirty="0"/>
-              <a:t> - Mocking HTTP calls with </a:t>
-            </a:r>
-            <a:r>
-              <a:rPr lang="en-US" sz="2400" dirty="0" err="1"/>
-              <a:t>Sinon</a:t>
-            </a:r>
-            <a:endParaRPr lang="en-US" sz="2200" dirty="0"/>
+            <a:pPr marL="342900" indent="-342900" algn="l">
+              <a:buFont typeface="Arial"/>
+              <a:buChar char="•"/>
+            </a:pPr>
+            <a:r>
+              <a:rPr lang="en-US" sz="2400" dirty="0" smtClean="0"/>
+              <a:t>Both types have value</a:t>
+            </a:r>
+          </a:p>
+          <a:p>
+            <a:pPr marL="342900" indent="-342900" algn="l">
+              <a:buFont typeface="Arial"/>
+              <a:buChar char="•"/>
+            </a:pPr>
+            <a:r>
+              <a:rPr lang="en-US" sz="2400" dirty="0" smtClean="0"/>
+              <a:t>Unit tests</a:t>
+            </a:r>
+          </a:p>
+          <a:p>
+            <a:pPr marL="800100" lvl="1" indent="-342900" algn="l">
+              <a:buFont typeface="Arial"/>
+              <a:buChar char="•"/>
+            </a:pPr>
+            <a:r>
+              <a:rPr lang="en-US" sz="2000" dirty="0" smtClean="0"/>
+              <a:t>Run frequently</a:t>
+            </a:r>
+          </a:p>
+          <a:p>
+            <a:pPr marL="800100" lvl="1" indent="-342900" algn="l">
+              <a:buFont typeface="Arial"/>
+              <a:buChar char="•"/>
+            </a:pPr>
+            <a:r>
+              <a:rPr lang="en-US" sz="2000" dirty="0" smtClean="0"/>
+              <a:t>Canary in the coal mine – alert you to breaks early</a:t>
+            </a:r>
+          </a:p>
+          <a:p>
+            <a:pPr marL="800100" lvl="1" indent="-342900" algn="l">
+              <a:buFont typeface="Arial"/>
+              <a:buChar char="•"/>
+            </a:pPr>
+            <a:r>
+              <a:rPr lang="en-US" sz="2000" dirty="0" smtClean="0"/>
+              <a:t>Tell you about low-level interaction</a:t>
+            </a:r>
+          </a:p>
+          <a:p>
+            <a:pPr marL="342900" indent="-342900" algn="l">
+              <a:buFont typeface="Arial"/>
+              <a:buChar char="•"/>
+            </a:pPr>
+            <a:r>
+              <a:rPr lang="en-US" sz="2400" dirty="0" smtClean="0"/>
+              <a:t>Integration tests</a:t>
+            </a:r>
+          </a:p>
+          <a:p>
+            <a:pPr marL="800100" lvl="1" indent="-342900" algn="l">
+              <a:buFont typeface="Arial"/>
+              <a:buChar char="•"/>
+            </a:pPr>
+            <a:r>
+              <a:rPr lang="en-US" sz="2000" dirty="0" smtClean="0"/>
+              <a:t>aka "e2e", or end-to-end tests</a:t>
+            </a:r>
+          </a:p>
+          <a:p>
+            <a:pPr marL="800100" lvl="1" indent="-342900" algn="l">
+              <a:buFont typeface="Arial"/>
+              <a:buChar char="•"/>
+            </a:pPr>
+            <a:r>
+              <a:rPr lang="en-US" sz="2000" dirty="0" smtClean="0"/>
+              <a:t>Run less frequently (at integration time)</a:t>
+            </a:r>
+          </a:p>
+          <a:p>
+            <a:pPr marL="800100" lvl="1" indent="-342900" algn="l">
+              <a:buFont typeface="Arial"/>
+              <a:buChar char="•"/>
+            </a:pPr>
+            <a:r>
+              <a:rPr lang="en-US" sz="2000" dirty="0" smtClean="0"/>
+              <a:t>Ensure components work together ("smoke test")</a:t>
+            </a:r>
+          </a:p>
+          <a:p>
+            <a:pPr marL="800100" lvl="1" indent="-342900" algn="l">
+              <a:buFont typeface="Arial"/>
+              <a:buChar char="•"/>
+            </a:pPr>
+            <a:r>
+              <a:rPr lang="en-US" sz="2000" dirty="0" smtClean="0"/>
+              <a:t>Tell you about high-level interaction</a:t>
+            </a:r>
+          </a:p>
+          <a:p>
+            <a:pPr marL="800100" lvl="1" indent="-342900" algn="l">
+              <a:buFont typeface="Arial"/>
+              <a:buChar char="•"/>
+            </a:pPr>
+            <a:r>
+              <a:rPr lang="en-US" sz="2000" dirty="0" smtClean="0"/>
+              <a:t>Passing unit but failing e2e indicates missing unit test</a:t>
+            </a:r>
           </a:p>
         </p:txBody>
       </p:sp>
     </p:spTree>
     <p:extLst>
       <p:ext uri="{BB962C8B-B14F-4D97-AF65-F5344CB8AC3E}">
-        <p14:creationId xmlns:p14="http://schemas.microsoft.com/office/powerpoint/2010/main" val="1256535089"/>
+        <p14:creationId xmlns:p14="http://schemas.microsoft.com/office/powerpoint/2010/main" val="3946657617"/>
       </p:ext>
     </p:extLst>
   </p:cSld>
@@ -6019,7 +5997,7 @@
           <a:p>
             <a:r>
               <a:rPr lang="en-US" dirty="0" smtClean="0"/>
-              <a:t>Advanced Jasmine</a:t>
+              <a:t>TDD</a:t>
             </a:r>
             <a:endParaRPr lang="en-US" dirty="0"/>
           </a:p>
@@ -6043,134 +6021,875 @@
         </p:spPr>
         <p:txBody>
           <a:bodyPr>
-            <a:normAutofit fontScale="92500" lnSpcReduction="10000"/>
+            <a:normAutofit/>
           </a:bodyPr>
           <a:lstStyle/>
           <a:p>
-            <a:pPr algn="l"/>
-            <a:r>
-              <a:rPr lang="en-US" sz="2400" dirty="0"/>
-              <a:t>(Lab, 60 </a:t>
-            </a:r>
-            <a:r>
-              <a:rPr lang="en-US" sz="2400" dirty="0" err="1"/>
-              <a:t>mins</a:t>
-            </a:r>
-            <a:r>
-              <a:rPr lang="en-US" sz="2400" dirty="0"/>
-              <a:t>)</a:t>
-            </a:r>
-          </a:p>
-          <a:p>
-            <a:pPr algn="l"/>
-            <a:r>
-              <a:rPr lang="en-US" sz="2400" dirty="0"/>
-              <a:t> - Use stubs and spies to unit test Backbone</a:t>
-            </a:r>
-          </a:p>
-          <a:p>
-            <a:pPr algn="l"/>
-            <a:endParaRPr lang="en-US" sz="2400" dirty="0"/>
-          </a:p>
-          <a:p>
-            <a:pPr algn="l"/>
-            <a:r>
-              <a:rPr lang="en-US" sz="2400" dirty="0"/>
-              <a:t>(Review/Discussion, 20 </a:t>
-            </a:r>
-            <a:r>
-              <a:rPr lang="en-US" sz="2400" dirty="0" err="1"/>
-              <a:t>mins</a:t>
-            </a:r>
-            <a:r>
-              <a:rPr lang="en-US" sz="2400" dirty="0"/>
-              <a:t>)</a:t>
-            </a:r>
-          </a:p>
-          <a:p>
-            <a:pPr algn="l"/>
-            <a:r>
-              <a:rPr lang="en-US" sz="2400" dirty="0"/>
-              <a:t> - What worked well, what didn't</a:t>
-            </a:r>
-          </a:p>
-          <a:p>
-            <a:pPr algn="l"/>
-            <a:r>
-              <a:rPr lang="en-US" sz="2400" dirty="0"/>
-              <a:t> - Q&amp;A</a:t>
-            </a:r>
-          </a:p>
-          <a:p>
-            <a:pPr algn="l"/>
-            <a:endParaRPr lang="en-US" sz="2400" dirty="0"/>
-          </a:p>
-          <a:p>
-            <a:pPr algn="l"/>
-            <a:r>
-              <a:rPr lang="en-US" sz="2400" dirty="0"/>
-              <a:t>(Lab, 60 </a:t>
-            </a:r>
-            <a:r>
-              <a:rPr lang="en-US" sz="2400" dirty="0" err="1"/>
-              <a:t>mins</a:t>
-            </a:r>
-            <a:r>
-              <a:rPr lang="en-US" sz="2400" dirty="0"/>
-              <a:t>)</a:t>
-            </a:r>
-          </a:p>
-          <a:p>
-            <a:pPr algn="l"/>
-            <a:r>
-              <a:rPr lang="en-US" sz="2400" dirty="0"/>
-              <a:t> - Use a mock to test a feature that will use </a:t>
-            </a:r>
-            <a:r>
-              <a:rPr lang="en-US" sz="2400" dirty="0" err="1"/>
-              <a:t>Backbone.model.fetch</a:t>
-            </a:r>
-            <a:r>
-              <a:rPr lang="en-US" sz="2400" dirty="0"/>
-              <a:t>()</a:t>
-            </a:r>
-          </a:p>
-          <a:p>
-            <a:pPr algn="l"/>
-            <a:r>
-              <a:rPr lang="en-US" sz="2400" dirty="0"/>
-              <a:t> - Set up </a:t>
-            </a:r>
-            <a:r>
-              <a:rPr lang="en-US" sz="2400" dirty="0" err="1"/>
-              <a:t>Sinon</a:t>
-            </a:r>
-            <a:r>
-              <a:rPr lang="en-US" sz="2400" dirty="0"/>
-              <a:t> to fake XHR with dummy data</a:t>
-            </a:r>
-          </a:p>
-          <a:p>
-            <a:pPr algn="l"/>
-            <a:r>
-              <a:rPr lang="en-US" sz="2400" dirty="0"/>
-              <a:t> - Write fetch() code</a:t>
-            </a:r>
-          </a:p>
-          <a:p>
-            <a:pPr algn="l"/>
-            <a:r>
-              <a:rPr lang="en-US" sz="2400"/>
-              <a:t> - Test the test</a:t>
-            </a:r>
-            <a:endParaRPr lang="en-US" sz="2200" dirty="0"/>
+            <a:pPr marL="342900" indent="-342900" algn="l">
+              <a:buFont typeface="Arial"/>
+              <a:buChar char="•"/>
+            </a:pPr>
+            <a:r>
+              <a:rPr lang="en-US" sz="2400" dirty="0" smtClean="0"/>
+              <a:t>Test Driven Development</a:t>
+            </a:r>
+          </a:p>
+          <a:p>
+            <a:pPr marL="342900" indent="-342900" algn="l">
+              <a:buFont typeface="Arial"/>
+              <a:buChar char="•"/>
+            </a:pPr>
+            <a:r>
+              <a:rPr lang="en-US" sz="2400" dirty="0" smtClean="0"/>
+              <a:t>Pattern: red / green / refactor</a:t>
+            </a:r>
+          </a:p>
+          <a:p>
+            <a:pPr marL="342900" indent="-342900" algn="l">
+              <a:buFont typeface="Arial"/>
+              <a:buChar char="•"/>
+            </a:pPr>
+            <a:r>
+              <a:rPr lang="en-US" sz="2400" dirty="0" smtClean="0"/>
+              <a:t>Write test cases before each feature</a:t>
+            </a:r>
+          </a:p>
+          <a:p>
+            <a:pPr marL="342900" indent="-342900" algn="l">
+              <a:buFont typeface="Arial"/>
+              <a:buChar char="•"/>
+            </a:pPr>
+            <a:r>
+              <a:rPr lang="en-US" sz="2400" dirty="0" smtClean="0"/>
+              <a:t>Red: test cases should fail at first</a:t>
+            </a:r>
+          </a:p>
+          <a:p>
+            <a:pPr marL="800100" lvl="1" indent="-342900" algn="l">
+              <a:buFont typeface="Arial"/>
+              <a:buChar char="•"/>
+            </a:pPr>
+            <a:r>
+              <a:rPr lang="en-US" sz="2000" dirty="0" smtClean="0"/>
+              <a:t>This indicates the test is working properly</a:t>
+            </a:r>
+          </a:p>
+          <a:p>
+            <a:pPr marL="800100" lvl="1" indent="-342900" algn="l">
+              <a:buFont typeface="Arial"/>
+              <a:buChar char="•"/>
+            </a:pPr>
+            <a:r>
+              <a:rPr lang="en-US" sz="2000" dirty="0" smtClean="0"/>
+              <a:t>Or conversely, the functionality in question might already exist</a:t>
+            </a:r>
+          </a:p>
+          <a:p>
+            <a:pPr marL="342900" indent="-342900" algn="l">
+              <a:buFont typeface="Arial"/>
+              <a:buChar char="•"/>
+            </a:pPr>
+            <a:r>
+              <a:rPr lang="en-US" sz="2400" dirty="0" smtClean="0"/>
+              <a:t>Green: write only enough code to make test pass</a:t>
+            </a:r>
+          </a:p>
+          <a:p>
+            <a:pPr marL="800100" lvl="1" indent="-342900" algn="l">
+              <a:buFont typeface="Arial"/>
+              <a:buChar char="•"/>
+            </a:pPr>
+            <a:r>
+              <a:rPr lang="en-US" sz="2000" dirty="0" smtClean="0"/>
+              <a:t>At </a:t>
+            </a:r>
+            <a:r>
+              <a:rPr lang="en-US" sz="2000" dirty="0"/>
+              <a:t>this </a:t>
+            </a:r>
+            <a:r>
+              <a:rPr lang="en-US" sz="2000" dirty="0" smtClean="0"/>
+              <a:t>point, totally </a:t>
+            </a:r>
+            <a:r>
+              <a:rPr lang="en-US" sz="2000" dirty="0" err="1" smtClean="0"/>
+              <a:t>acceptible</a:t>
+            </a:r>
+            <a:r>
+              <a:rPr lang="en-US" sz="2000" dirty="0" smtClean="0"/>
+              <a:t> to be ugly, slow, inflexible, verbose</a:t>
+            </a:r>
+          </a:p>
+          <a:p>
+            <a:pPr marL="800100" lvl="1" indent="-342900" algn="l">
+              <a:buFont typeface="Arial"/>
+              <a:buChar char="•"/>
+            </a:pPr>
+            <a:r>
+              <a:rPr lang="en-US" sz="2000" dirty="0" smtClean="0"/>
+              <a:t>Goal is to encourage YAGNI attitude</a:t>
+            </a:r>
+          </a:p>
+          <a:p>
+            <a:pPr marL="800100" lvl="1" indent="-342900" algn="l">
+              <a:buFont typeface="Arial"/>
+              <a:buChar char="•"/>
+            </a:pPr>
+            <a:r>
+              <a:rPr lang="en-US" sz="2000" dirty="0" smtClean="0"/>
+              <a:t>You </a:t>
+            </a:r>
+            <a:r>
+              <a:rPr lang="en-US" sz="2000" dirty="0" err="1" smtClean="0"/>
+              <a:t>Ain't</a:t>
+            </a:r>
+            <a:r>
+              <a:rPr lang="en-US" sz="2000" dirty="0" smtClean="0"/>
+              <a:t> </a:t>
+            </a:r>
+            <a:r>
+              <a:rPr lang="en-US" sz="2000" dirty="0" err="1" smtClean="0"/>
+              <a:t>Gonna</a:t>
+            </a:r>
+            <a:r>
+              <a:rPr lang="en-US" sz="2000" dirty="0" smtClean="0"/>
+              <a:t> Need It – the opposite of </a:t>
+            </a:r>
+            <a:r>
+              <a:rPr lang="en-US" sz="2000" dirty="0" err="1" smtClean="0"/>
+              <a:t>overengineering</a:t>
+            </a:r>
+            <a:endParaRPr lang="en-US" sz="2000" dirty="0" smtClean="0"/>
+          </a:p>
+          <a:p>
+            <a:pPr marL="800100" lvl="1" indent="-342900" algn="l">
+              <a:buFont typeface="Arial"/>
+              <a:buChar char="•"/>
+            </a:pPr>
+            <a:endParaRPr lang="en-US" sz="2000" dirty="0" smtClean="0"/>
           </a:p>
         </p:txBody>
       </p:sp>
     </p:spTree>
     <p:extLst>
       <p:ext uri="{BB962C8B-B14F-4D97-AF65-F5344CB8AC3E}">
-        <p14:creationId xmlns:p14="http://schemas.microsoft.com/office/powerpoint/2010/main" val="2775439300"/>
+        <p14:creationId xmlns:p14="http://schemas.microsoft.com/office/powerpoint/2010/main" val="2871238051"/>
+      </p:ext>
+    </p:extLst>
+  </p:cSld>
+  <p:clrMapOvr>
+    <a:masterClrMapping/>
+  </p:clrMapOvr>
+  <p:timing>
+    <p:tnLst>
+      <p:par>
+        <p:cTn xmlns:p14="http://schemas.microsoft.com/office/powerpoint/2010/main" id="1" dur="indefinite" restart="never" nodeType="tmRoot"/>
+      </p:par>
+    </p:tnLst>
+  </p:timing>
+</p:sld>
+</file>
+
+<file path=ppt/slides/slide25.xml><?xml version="1.0" encoding="utf-8"?>
+<p:sld xmlns:a="http://schemas.openxmlformats.org/drawingml/2006/main" xmlns:r="http://schemas.openxmlformats.org/officeDocument/2006/relationships" xmlns:p="http://schemas.openxmlformats.org/presentationml/2006/main">
+  <p:cSld>
+    <p:spTree>
+      <p:nvGrpSpPr>
+        <p:cNvPr id="1" name=""/>
+        <p:cNvGrpSpPr/>
+        <p:nvPr/>
+      </p:nvGrpSpPr>
+      <p:grpSpPr>
+        <a:xfrm>
+          <a:off x="0" y="0"/>
+          <a:ext cx="0" cy="0"/>
+          <a:chOff x="0" y="0"/>
+          <a:chExt cx="0" cy="0"/>
+        </a:xfrm>
+      </p:grpSpPr>
+      <p:sp>
+        <p:nvSpPr>
+          <p:cNvPr id="2" name="Title 1"/>
+          <p:cNvSpPr>
+            <a:spLocks noGrp="1"/>
+          </p:cNvSpPr>
+          <p:nvPr>
+            <p:ph type="ctrTitle"/>
+          </p:nvPr>
+        </p:nvSpPr>
+        <p:spPr>
+          <a:xfrm>
+            <a:off x="685800" y="160685"/>
+            <a:ext cx="7772400" cy="1470025"/>
+          </a:xfrm>
+        </p:spPr>
+        <p:txBody>
+          <a:bodyPr/>
+          <a:lstStyle/>
+          <a:p>
+            <a:r>
+              <a:rPr lang="en-US" dirty="0" smtClean="0"/>
+              <a:t>TDD</a:t>
+            </a:r>
+            <a:endParaRPr lang="en-US" dirty="0"/>
+          </a:p>
+        </p:txBody>
+      </p:sp>
+      <p:sp>
+        <p:nvSpPr>
+          <p:cNvPr id="3" name="Subtitle 2"/>
+          <p:cNvSpPr>
+            <a:spLocks noGrp="1"/>
+          </p:cNvSpPr>
+          <p:nvPr>
+            <p:ph type="subTitle" idx="1"/>
+          </p:nvPr>
+        </p:nvSpPr>
+        <p:spPr>
+          <a:xfrm>
+            <a:off x="454651" y="1630710"/>
+            <a:ext cx="8371875" cy="4609893"/>
+          </a:xfrm>
+        </p:spPr>
+        <p:txBody>
+          <a:bodyPr>
+            <a:normAutofit/>
+          </a:bodyPr>
+          <a:lstStyle/>
+          <a:p>
+            <a:pPr marL="342900" indent="-342900" algn="l">
+              <a:buFont typeface="Arial"/>
+              <a:buChar char="•"/>
+            </a:pPr>
+            <a:r>
+              <a:rPr lang="en-US" sz="2400" dirty="0" smtClean="0"/>
+              <a:t>Test Driven Development</a:t>
+            </a:r>
+          </a:p>
+          <a:p>
+            <a:pPr marL="342900" indent="-342900" algn="l">
+              <a:buFont typeface="Arial"/>
+              <a:buChar char="•"/>
+            </a:pPr>
+            <a:r>
+              <a:rPr lang="en-US" sz="2400" dirty="0" smtClean="0"/>
+              <a:t>Pattern: red / green / refactor</a:t>
+            </a:r>
+          </a:p>
+          <a:p>
+            <a:pPr marL="342900" indent="-342900" algn="l">
+              <a:buFont typeface="Arial"/>
+              <a:buChar char="•"/>
+            </a:pPr>
+            <a:r>
+              <a:rPr lang="en-US" sz="2400" dirty="0" smtClean="0"/>
+              <a:t>Write test cases before each feature</a:t>
+            </a:r>
+          </a:p>
+          <a:p>
+            <a:pPr marL="342900" indent="-342900" algn="l">
+              <a:buFont typeface="Arial"/>
+              <a:buChar char="•"/>
+            </a:pPr>
+            <a:r>
+              <a:rPr lang="en-US" sz="2400" dirty="0" smtClean="0"/>
+              <a:t>Red: test cases should fail at first</a:t>
+            </a:r>
+          </a:p>
+          <a:p>
+            <a:pPr marL="800100" lvl="1" indent="-342900" algn="l">
+              <a:buFont typeface="Arial"/>
+              <a:buChar char="•"/>
+            </a:pPr>
+            <a:r>
+              <a:rPr lang="en-US" sz="2000" dirty="0" smtClean="0"/>
+              <a:t>This indicates the test is working properly</a:t>
+            </a:r>
+          </a:p>
+          <a:p>
+            <a:pPr marL="800100" lvl="1" indent="-342900" algn="l">
+              <a:buFont typeface="Arial"/>
+              <a:buChar char="•"/>
+            </a:pPr>
+            <a:r>
+              <a:rPr lang="en-US" sz="2000" dirty="0" smtClean="0"/>
+              <a:t>Or conversely, the functionality in question might already exist</a:t>
+            </a:r>
+          </a:p>
+          <a:p>
+            <a:pPr marL="342900" indent="-342900" algn="l">
+              <a:buFont typeface="Arial"/>
+              <a:buChar char="•"/>
+            </a:pPr>
+            <a:r>
+              <a:rPr lang="en-US" sz="2400" dirty="0" smtClean="0"/>
+              <a:t>Green: write only enough code to make test pass</a:t>
+            </a:r>
+          </a:p>
+          <a:p>
+            <a:pPr marL="800100" lvl="1" indent="-342900" algn="l">
+              <a:buFont typeface="Arial"/>
+              <a:buChar char="•"/>
+            </a:pPr>
+            <a:r>
+              <a:rPr lang="en-US" sz="2000" dirty="0" smtClean="0"/>
+              <a:t>At </a:t>
+            </a:r>
+            <a:r>
+              <a:rPr lang="en-US" sz="2000" dirty="0"/>
+              <a:t>this </a:t>
+            </a:r>
+            <a:r>
+              <a:rPr lang="en-US" sz="2000" dirty="0" smtClean="0"/>
+              <a:t>point, totally </a:t>
+            </a:r>
+            <a:r>
+              <a:rPr lang="en-US" sz="2000" dirty="0" err="1" smtClean="0"/>
+              <a:t>acceptible</a:t>
+            </a:r>
+            <a:r>
+              <a:rPr lang="en-US" sz="2000" dirty="0" smtClean="0"/>
+              <a:t> to be ugly, slow, inflexible, verbose</a:t>
+            </a:r>
+          </a:p>
+          <a:p>
+            <a:pPr marL="800100" lvl="1" indent="-342900" algn="l">
+              <a:buFont typeface="Arial"/>
+              <a:buChar char="•"/>
+            </a:pPr>
+            <a:r>
+              <a:rPr lang="en-US" sz="2000" dirty="0" smtClean="0"/>
+              <a:t>Goal is to encourage YAGNI attitude</a:t>
+            </a:r>
+          </a:p>
+          <a:p>
+            <a:pPr marL="800100" lvl="1" indent="-342900" algn="l">
+              <a:buFont typeface="Arial"/>
+              <a:buChar char="•"/>
+            </a:pPr>
+            <a:r>
+              <a:rPr lang="en-US" sz="2000" dirty="0" smtClean="0"/>
+              <a:t>You </a:t>
+            </a:r>
+            <a:r>
+              <a:rPr lang="en-US" sz="2000" dirty="0" err="1" smtClean="0"/>
+              <a:t>Ain't</a:t>
+            </a:r>
+            <a:r>
+              <a:rPr lang="en-US" sz="2000" dirty="0" smtClean="0"/>
+              <a:t> </a:t>
+            </a:r>
+            <a:r>
+              <a:rPr lang="en-US" sz="2000" dirty="0" err="1" smtClean="0"/>
+              <a:t>Gonna</a:t>
+            </a:r>
+            <a:r>
+              <a:rPr lang="en-US" sz="2000" dirty="0" smtClean="0"/>
+              <a:t> Need It – the opposite of </a:t>
+            </a:r>
+            <a:r>
+              <a:rPr lang="en-US" sz="2000" dirty="0" err="1" smtClean="0"/>
+              <a:t>overengineering</a:t>
+            </a:r>
+            <a:endParaRPr lang="en-US" sz="2000" dirty="0" smtClean="0"/>
+          </a:p>
+          <a:p>
+            <a:pPr marL="800100" lvl="1" indent="-342900" algn="l">
+              <a:buFont typeface="Arial"/>
+              <a:buChar char="•"/>
+            </a:pPr>
+            <a:endParaRPr lang="en-US" sz="2000" dirty="0" smtClean="0"/>
+          </a:p>
+        </p:txBody>
+      </p:sp>
+    </p:spTree>
+    <p:extLst>
+      <p:ext uri="{BB962C8B-B14F-4D97-AF65-F5344CB8AC3E}">
+        <p14:creationId xmlns:p14="http://schemas.microsoft.com/office/powerpoint/2010/main" val="3669325689"/>
+      </p:ext>
+    </p:extLst>
+  </p:cSld>
+  <p:clrMapOvr>
+    <a:masterClrMapping/>
+  </p:clrMapOvr>
+  <p:timing>
+    <p:tnLst>
+      <p:par>
+        <p:cTn xmlns:p14="http://schemas.microsoft.com/office/powerpoint/2010/main" id="1" dur="indefinite" restart="never" nodeType="tmRoot"/>
+      </p:par>
+    </p:tnLst>
+  </p:timing>
+</p:sld>
+</file>
+
+<file path=ppt/slides/slide26.xml><?xml version="1.0" encoding="utf-8"?>
+<p:sld xmlns:a="http://schemas.openxmlformats.org/drawingml/2006/main" xmlns:r="http://schemas.openxmlformats.org/officeDocument/2006/relationships" xmlns:p="http://schemas.openxmlformats.org/presentationml/2006/main">
+  <p:cSld>
+    <p:spTree>
+      <p:nvGrpSpPr>
+        <p:cNvPr id="1" name=""/>
+        <p:cNvGrpSpPr/>
+        <p:nvPr/>
+      </p:nvGrpSpPr>
+      <p:grpSpPr>
+        <a:xfrm>
+          <a:off x="0" y="0"/>
+          <a:ext cx="0" cy="0"/>
+          <a:chOff x="0" y="0"/>
+          <a:chExt cx="0" cy="0"/>
+        </a:xfrm>
+      </p:grpSpPr>
+      <p:sp>
+        <p:nvSpPr>
+          <p:cNvPr id="2" name="Title 1"/>
+          <p:cNvSpPr>
+            <a:spLocks noGrp="1"/>
+          </p:cNvSpPr>
+          <p:nvPr>
+            <p:ph type="ctrTitle"/>
+          </p:nvPr>
+        </p:nvSpPr>
+        <p:spPr>
+          <a:xfrm>
+            <a:off x="685800" y="160685"/>
+            <a:ext cx="7772400" cy="1470025"/>
+          </a:xfrm>
+        </p:spPr>
+        <p:txBody>
+          <a:bodyPr/>
+          <a:lstStyle/>
+          <a:p>
+            <a:r>
+              <a:rPr lang="en-US" dirty="0" smtClean="0"/>
+              <a:t>TDD</a:t>
+            </a:r>
+            <a:endParaRPr lang="en-US" dirty="0"/>
+          </a:p>
+        </p:txBody>
+      </p:sp>
+      <p:sp>
+        <p:nvSpPr>
+          <p:cNvPr id="3" name="Subtitle 2"/>
+          <p:cNvSpPr>
+            <a:spLocks noGrp="1"/>
+          </p:cNvSpPr>
+          <p:nvPr>
+            <p:ph type="subTitle" idx="1"/>
+          </p:nvPr>
+        </p:nvSpPr>
+        <p:spPr>
+          <a:xfrm>
+            <a:off x="454651" y="1630710"/>
+            <a:ext cx="8371875" cy="4609893"/>
+          </a:xfrm>
+        </p:spPr>
+        <p:txBody>
+          <a:bodyPr>
+            <a:normAutofit/>
+          </a:bodyPr>
+          <a:lstStyle/>
+          <a:p>
+            <a:pPr algn="l"/>
+            <a:r>
+              <a:rPr lang="en-US" sz="2800" dirty="0" smtClean="0"/>
+              <a:t>Refactor</a:t>
+            </a:r>
+          </a:p>
+          <a:p>
+            <a:pPr marL="342900" indent="-342900" algn="l">
+              <a:buFont typeface="Arial"/>
+              <a:buChar char="•"/>
+            </a:pPr>
+            <a:r>
+              <a:rPr lang="en-US" sz="2400" dirty="0" smtClean="0"/>
+              <a:t>Change the implementation of code but not the behavior</a:t>
+            </a:r>
+          </a:p>
+          <a:p>
+            <a:pPr marL="342900" indent="-342900" algn="l">
+              <a:buFont typeface="Arial"/>
+              <a:buChar char="•"/>
+            </a:pPr>
+            <a:r>
+              <a:rPr lang="en-US" sz="2400" dirty="0" err="1" smtClean="0"/>
+              <a:t>Kinda</a:t>
+            </a:r>
+            <a:r>
+              <a:rPr lang="en-US" sz="2400" dirty="0" smtClean="0"/>
+              <a:t> The Whole Point of TDD</a:t>
+            </a:r>
+          </a:p>
+          <a:p>
+            <a:pPr marL="342900" indent="-342900" algn="l">
+              <a:buFont typeface="Arial"/>
+              <a:buChar char="•"/>
+            </a:pPr>
+            <a:r>
+              <a:rPr lang="en-US" sz="2400" dirty="0"/>
+              <a:t>More refactoring = higher quality </a:t>
+            </a:r>
+            <a:r>
+              <a:rPr lang="en-US" sz="2400" dirty="0" smtClean="0"/>
+              <a:t>codebase</a:t>
+            </a:r>
+          </a:p>
+          <a:p>
+            <a:pPr marL="342900" indent="-342900" algn="l">
+              <a:buFont typeface="Arial"/>
+              <a:buChar char="•"/>
+            </a:pPr>
+            <a:r>
+              <a:rPr lang="en-US" sz="2400" dirty="0" smtClean="0"/>
+              <a:t>Tests give you confidence to make drastic changes</a:t>
+            </a:r>
+          </a:p>
+          <a:p>
+            <a:pPr marL="800100" lvl="1" indent="-342900" algn="l">
+              <a:buFont typeface="Arial"/>
+              <a:buChar char="•"/>
+            </a:pPr>
+            <a:r>
+              <a:rPr lang="en-US" sz="2000" dirty="0" smtClean="0"/>
+              <a:t>Improve speed, clarity, flexibility</a:t>
+            </a:r>
+          </a:p>
+          <a:p>
+            <a:pPr marL="800100" lvl="1" indent="-342900" algn="l">
+              <a:buFont typeface="Arial"/>
+              <a:buChar char="•"/>
+            </a:pPr>
+            <a:r>
+              <a:rPr lang="en-US" sz="2000" dirty="0" smtClean="0"/>
+              <a:t>Switch libraries</a:t>
+            </a:r>
+          </a:p>
+          <a:p>
+            <a:pPr marL="800100" lvl="1" indent="-342900" algn="l">
+              <a:buFont typeface="Arial"/>
+              <a:buChar char="•"/>
+            </a:pPr>
+            <a:r>
+              <a:rPr lang="en-US" sz="2000" dirty="0" smtClean="0"/>
+              <a:t>Whatever!</a:t>
+            </a:r>
+          </a:p>
+        </p:txBody>
+      </p:sp>
+    </p:spTree>
+    <p:extLst>
+      <p:ext uri="{BB962C8B-B14F-4D97-AF65-F5344CB8AC3E}">
+        <p14:creationId xmlns:p14="http://schemas.microsoft.com/office/powerpoint/2010/main" val="908389977"/>
+      </p:ext>
+    </p:extLst>
+  </p:cSld>
+  <p:clrMapOvr>
+    <a:masterClrMapping/>
+  </p:clrMapOvr>
+  <p:timing>
+    <p:tnLst>
+      <p:par>
+        <p:cTn xmlns:p14="http://schemas.microsoft.com/office/powerpoint/2010/main" id="1" dur="indefinite" restart="never" nodeType="tmRoot"/>
+      </p:par>
+    </p:tnLst>
+  </p:timing>
+</p:sld>
+</file>
+
+<file path=ppt/slides/slide27.xml><?xml version="1.0" encoding="utf-8"?>
+<p:sld xmlns:a="http://schemas.openxmlformats.org/drawingml/2006/main" xmlns:r="http://schemas.openxmlformats.org/officeDocument/2006/relationships" xmlns:p="http://schemas.openxmlformats.org/presentationml/2006/main">
+  <p:cSld>
+    <p:spTree>
+      <p:nvGrpSpPr>
+        <p:cNvPr id="1" name=""/>
+        <p:cNvGrpSpPr/>
+        <p:nvPr/>
+      </p:nvGrpSpPr>
+      <p:grpSpPr>
+        <a:xfrm>
+          <a:off x="0" y="0"/>
+          <a:ext cx="0" cy="0"/>
+          <a:chOff x="0" y="0"/>
+          <a:chExt cx="0" cy="0"/>
+        </a:xfrm>
+      </p:grpSpPr>
+      <p:sp>
+        <p:nvSpPr>
+          <p:cNvPr id="2" name="Title 1"/>
+          <p:cNvSpPr>
+            <a:spLocks noGrp="1"/>
+          </p:cNvSpPr>
+          <p:nvPr>
+            <p:ph type="ctrTitle"/>
+          </p:nvPr>
+        </p:nvSpPr>
+        <p:spPr>
+          <a:xfrm>
+            <a:off x="685800" y="160685"/>
+            <a:ext cx="7772400" cy="1470025"/>
+          </a:xfrm>
+        </p:spPr>
+        <p:txBody>
+          <a:bodyPr/>
+          <a:lstStyle/>
+          <a:p>
+            <a:r>
+              <a:rPr lang="en-US" dirty="0" smtClean="0"/>
+              <a:t>TDD</a:t>
+            </a:r>
+            <a:endParaRPr lang="en-US" dirty="0"/>
+          </a:p>
+        </p:txBody>
+      </p:sp>
+      <p:sp>
+        <p:nvSpPr>
+          <p:cNvPr id="3" name="Subtitle 2"/>
+          <p:cNvSpPr>
+            <a:spLocks noGrp="1"/>
+          </p:cNvSpPr>
+          <p:nvPr>
+            <p:ph type="subTitle" idx="1"/>
+          </p:nvPr>
+        </p:nvSpPr>
+        <p:spPr>
+          <a:xfrm>
+            <a:off x="454651" y="1630710"/>
+            <a:ext cx="8371875" cy="4609893"/>
+          </a:xfrm>
+        </p:spPr>
+        <p:txBody>
+          <a:bodyPr>
+            <a:normAutofit/>
+          </a:bodyPr>
+          <a:lstStyle/>
+          <a:p>
+            <a:pPr algn="l"/>
+            <a:r>
+              <a:rPr lang="en-US" sz="2800" dirty="0" smtClean="0"/>
+              <a:t>Side benefits</a:t>
+            </a:r>
+          </a:p>
+          <a:p>
+            <a:pPr marL="342900" indent="-342900" algn="l">
+              <a:buFont typeface="Arial"/>
+              <a:buChar char="•"/>
+            </a:pPr>
+            <a:r>
+              <a:rPr lang="en-US" sz="2400" dirty="0" smtClean="0"/>
+              <a:t>Write less code</a:t>
+            </a:r>
+          </a:p>
+          <a:p>
+            <a:pPr marL="800100" lvl="1" indent="-342900" algn="l">
+              <a:buFont typeface="Arial"/>
+              <a:buChar char="•"/>
+            </a:pPr>
+            <a:r>
+              <a:rPr lang="en-US" sz="2000" dirty="0" smtClean="0"/>
+              <a:t>"Measuring software development by LOC is like measuring airplane </a:t>
+            </a:r>
+            <a:r>
+              <a:rPr lang="en-US" sz="2000" dirty="0"/>
+              <a:t>development </a:t>
+            </a:r>
+            <a:r>
+              <a:rPr lang="en-US" sz="2000" dirty="0" smtClean="0"/>
+              <a:t>by weight." – Bill Gates</a:t>
+            </a:r>
+          </a:p>
+          <a:p>
+            <a:pPr marL="342900" indent="-342900" algn="l">
+              <a:buFont typeface="Arial"/>
+              <a:buChar char="•"/>
+            </a:pPr>
+            <a:r>
+              <a:rPr lang="en-US" sz="2400" dirty="0" smtClean="0"/>
+              <a:t>Encourages shorter functions, which have higher clarity</a:t>
+            </a:r>
+          </a:p>
+          <a:p>
+            <a:pPr marL="342900" indent="-342900" algn="l">
+              <a:buFont typeface="Arial"/>
+              <a:buChar char="•"/>
+            </a:pPr>
+            <a:r>
+              <a:rPr lang="en-US" sz="2400" dirty="0" smtClean="0"/>
+              <a:t>Hawthorne effect: thinking about code produces better code</a:t>
+            </a:r>
+          </a:p>
+          <a:p>
+            <a:pPr marL="342900" indent="-342900" algn="l">
+              <a:buFont typeface="Arial"/>
+              <a:buChar char="•"/>
+            </a:pPr>
+            <a:r>
+              <a:rPr lang="en-US" sz="2400" dirty="0"/>
+              <a:t>Increased confidence in deployment</a:t>
+            </a:r>
+          </a:p>
+          <a:p>
+            <a:pPr marL="342900" indent="-342900" algn="l">
+              <a:buFont typeface="Arial"/>
+              <a:buChar char="•"/>
+            </a:pPr>
+            <a:endParaRPr lang="en-US" sz="2400" dirty="0" smtClean="0"/>
+          </a:p>
+        </p:txBody>
+      </p:sp>
+    </p:spTree>
+    <p:extLst>
+      <p:ext uri="{BB962C8B-B14F-4D97-AF65-F5344CB8AC3E}">
+        <p14:creationId xmlns:p14="http://schemas.microsoft.com/office/powerpoint/2010/main" val="2620966603"/>
+      </p:ext>
+    </p:extLst>
+  </p:cSld>
+  <p:clrMapOvr>
+    <a:masterClrMapping/>
+  </p:clrMapOvr>
+  <p:timing>
+    <p:tnLst>
+      <p:par>
+        <p:cTn xmlns:p14="http://schemas.microsoft.com/office/powerpoint/2010/main" id="1" dur="indefinite" restart="never" nodeType="tmRoot"/>
+      </p:par>
+    </p:tnLst>
+  </p:timing>
+</p:sld>
+</file>
+
+<file path=ppt/slides/slide28.xml><?xml version="1.0" encoding="utf-8"?>
+<p:sld xmlns:a="http://schemas.openxmlformats.org/drawingml/2006/main" xmlns:r="http://schemas.openxmlformats.org/officeDocument/2006/relationships" xmlns:p="http://schemas.openxmlformats.org/presentationml/2006/main">
+  <p:cSld>
+    <p:spTree>
+      <p:nvGrpSpPr>
+        <p:cNvPr id="1" name=""/>
+        <p:cNvGrpSpPr/>
+        <p:nvPr/>
+      </p:nvGrpSpPr>
+      <p:grpSpPr>
+        <a:xfrm>
+          <a:off x="0" y="0"/>
+          <a:ext cx="0" cy="0"/>
+          <a:chOff x="0" y="0"/>
+          <a:chExt cx="0" cy="0"/>
+        </a:xfrm>
+      </p:grpSpPr>
+      <p:sp>
+        <p:nvSpPr>
+          <p:cNvPr id="2" name="Title 1"/>
+          <p:cNvSpPr>
+            <a:spLocks noGrp="1"/>
+          </p:cNvSpPr>
+          <p:nvPr>
+            <p:ph type="ctrTitle"/>
+          </p:nvPr>
+        </p:nvSpPr>
+        <p:spPr>
+          <a:xfrm>
+            <a:off x="685800" y="160685"/>
+            <a:ext cx="7772400" cy="1470025"/>
+          </a:xfrm>
+        </p:spPr>
+        <p:txBody>
+          <a:bodyPr/>
+          <a:lstStyle/>
+          <a:p>
+            <a:r>
+              <a:rPr lang="en-US" dirty="0" smtClean="0"/>
+              <a:t>BDD</a:t>
+            </a:r>
+            <a:endParaRPr lang="en-US" dirty="0"/>
+          </a:p>
+        </p:txBody>
+      </p:sp>
+      <p:sp>
+        <p:nvSpPr>
+          <p:cNvPr id="3" name="Subtitle 2"/>
+          <p:cNvSpPr>
+            <a:spLocks noGrp="1"/>
+          </p:cNvSpPr>
+          <p:nvPr>
+            <p:ph type="subTitle" idx="1"/>
+          </p:nvPr>
+        </p:nvSpPr>
+        <p:spPr>
+          <a:xfrm>
+            <a:off x="454651" y="1630710"/>
+            <a:ext cx="8371875" cy="4609893"/>
+          </a:xfrm>
+        </p:spPr>
+        <p:txBody>
+          <a:bodyPr>
+            <a:normAutofit/>
+          </a:bodyPr>
+          <a:lstStyle/>
+          <a:p>
+            <a:pPr algn="l"/>
+            <a:r>
+              <a:rPr lang="en-US" sz="2800" dirty="0" smtClean="0"/>
+              <a:t>Business Driven Development</a:t>
+            </a:r>
+          </a:p>
+          <a:p>
+            <a:pPr marL="342900" indent="-342900" algn="l">
+              <a:buFont typeface="Arial"/>
+              <a:buChar char="•"/>
+            </a:pPr>
+            <a:r>
+              <a:rPr lang="en-US" sz="2400" dirty="0" smtClean="0"/>
+              <a:t>A style of testing framework</a:t>
+            </a:r>
+          </a:p>
+          <a:p>
+            <a:pPr marL="342900" indent="-342900" algn="l">
+              <a:buFont typeface="Arial"/>
+              <a:buChar char="•"/>
+            </a:pPr>
+            <a:r>
+              <a:rPr lang="en-US" sz="2400" dirty="0" smtClean="0"/>
+              <a:t>Encourages tests to be written with plain </a:t>
+            </a:r>
+            <a:r>
+              <a:rPr lang="en-US" sz="2400" dirty="0" err="1" smtClean="0"/>
+              <a:t>english</a:t>
+            </a:r>
+            <a:r>
+              <a:rPr lang="en-US" sz="2400" dirty="0" smtClean="0"/>
+              <a:t> labels</a:t>
+            </a:r>
+          </a:p>
+          <a:p>
+            <a:pPr marL="342900" indent="-342900" algn="l">
+              <a:buFont typeface="Arial"/>
+              <a:buChar char="•"/>
+            </a:pPr>
+            <a:r>
+              <a:rPr lang="en-US" sz="2400" dirty="0" smtClean="0"/>
+              <a:t>Doubles as living API documentation</a:t>
+            </a:r>
+          </a:p>
+          <a:p>
+            <a:pPr marL="342900" indent="-342900" algn="l">
+              <a:buFont typeface="Arial"/>
+              <a:buChar char="•"/>
+            </a:pPr>
+            <a:r>
+              <a:rPr lang="en-US" sz="2400" dirty="0" smtClean="0"/>
+              <a:t>Excellent way to integrate with business stakeholders</a:t>
+            </a:r>
+            <a:endParaRPr lang="en-US" sz="2400" dirty="0"/>
+          </a:p>
+          <a:p>
+            <a:pPr marL="342900" indent="-342900" algn="l">
+              <a:buFont typeface="Arial"/>
+              <a:buChar char="•"/>
+            </a:pPr>
+            <a:endParaRPr lang="en-US" sz="2400" dirty="0" smtClean="0"/>
+          </a:p>
+        </p:txBody>
+      </p:sp>
+    </p:spTree>
+    <p:extLst>
+      <p:ext uri="{BB962C8B-B14F-4D97-AF65-F5344CB8AC3E}">
+        <p14:creationId xmlns:p14="http://schemas.microsoft.com/office/powerpoint/2010/main" val="2444373883"/>
       </p:ext>
     </p:extLst>
   </p:cSld>
@@ -6216,7 +6935,7 @@
         </p:nvSpPr>
         <p:spPr>
           <a:xfrm>
-            <a:off x="685800" y="160685"/>
+            <a:off x="685800" y="2541935"/>
             <a:ext cx="7772400" cy="1470025"/>
           </a:xfrm>
         </p:spPr>
@@ -6225,137 +6944,30 @@
           <a:lstStyle/>
           <a:p>
             <a:r>
-              <a:rPr lang="en-US" dirty="0"/>
-              <a:t>Schedule </a:t>
-            </a:r>
-            <a:r>
               <a:rPr lang="en-US" dirty="0" smtClean="0"/>
-              <a:t>– </a:t>
-            </a:r>
-            <a:r>
+              <a:t>Warning! </a:t>
+            </a:r>
+            <a:br>
               <a:rPr lang="en-US" dirty="0" smtClean="0"/>
-              <a:t>day 2</a:t>
+            </a:br>
+            <a:r>
+              <a:rPr lang="en-US" dirty="0" smtClean="0"/>
+              <a:t>Controversial opinions follow </a:t>
+            </a:r>
+            <a:r>
+              <a:rPr lang="en-US" dirty="0" smtClean="0">
+                <a:sym typeface="Wingdings"/>
+              </a:rPr>
+              <a:t></a:t>
             </a:r>
             <a:endParaRPr lang="en-US" dirty="0"/>
-          </a:p>
-        </p:txBody>
-      </p:sp>
-      <p:sp>
-        <p:nvSpPr>
-          <p:cNvPr id="3" name="Subtitle 2"/>
-          <p:cNvSpPr>
-            <a:spLocks noGrp="1"/>
-          </p:cNvSpPr>
-          <p:nvPr>
-            <p:ph type="subTitle" idx="1"/>
-          </p:nvPr>
-        </p:nvSpPr>
-        <p:spPr>
-          <a:xfrm>
-            <a:off x="454651" y="1630710"/>
-            <a:ext cx="8371875" cy="4609893"/>
-          </a:xfrm>
-        </p:spPr>
-        <p:txBody>
-          <a:bodyPr>
-            <a:normAutofit/>
-          </a:bodyPr>
-          <a:lstStyle/>
-          <a:p>
-            <a:pPr marL="342900" indent="-342900" algn="l">
-              <a:buFont typeface="Arial"/>
-              <a:buChar char="•"/>
-            </a:pPr>
-            <a:r>
-              <a:rPr lang="en-US" sz="1800" dirty="0" smtClean="0"/>
-              <a:t>Review</a:t>
-            </a:r>
-          </a:p>
-          <a:p>
-            <a:pPr marL="342900" indent="-342900" algn="l">
-              <a:buFont typeface="Arial"/>
-              <a:buChar char="•"/>
-            </a:pPr>
-            <a:r>
-              <a:rPr lang="en-US" sz="1800" dirty="0" smtClean="0"/>
-              <a:t>Lab: Add Marionette to the stack</a:t>
-            </a:r>
-            <a:endParaRPr lang="en-US" sz="1800" dirty="0"/>
-          </a:p>
-          <a:p>
-            <a:pPr marL="342900" indent="-342900" algn="l">
-              <a:buFont typeface="Arial"/>
-              <a:buChar char="•"/>
-            </a:pPr>
-            <a:r>
-              <a:rPr lang="en-US" sz="1800" dirty="0" smtClean="0"/>
-              <a:t>( break )</a:t>
-            </a:r>
-          </a:p>
-          <a:p>
-            <a:pPr marL="342900" indent="-342900" algn="l">
-              <a:buFont typeface="Arial"/>
-              <a:buChar char="•"/>
-            </a:pPr>
-            <a:r>
-              <a:rPr lang="en-US" sz="1800" dirty="0" smtClean="0"/>
-              <a:t>Open period for review or student requests</a:t>
-            </a:r>
-            <a:endParaRPr lang="en-US" sz="1800" dirty="0"/>
-          </a:p>
-          <a:p>
-            <a:pPr marL="342900" indent="-342900" algn="l">
-              <a:buFont typeface="Arial"/>
-              <a:buChar char="•"/>
-            </a:pPr>
-            <a:r>
-              <a:rPr lang="en-US" sz="1800" dirty="0" smtClean="0"/>
-              <a:t>( lunch )</a:t>
-            </a:r>
-          </a:p>
-          <a:p>
-            <a:pPr marL="342900" indent="-342900" algn="l">
-              <a:buFont typeface="Arial"/>
-              <a:buChar char="•"/>
-            </a:pPr>
-            <a:r>
-              <a:rPr lang="en-US" sz="1800" dirty="0" smtClean="0"/>
-              <a:t>Lab: Practical examples</a:t>
-            </a:r>
-          </a:p>
-          <a:p>
-            <a:pPr marL="342900" indent="-342900" algn="l">
-              <a:buFont typeface="Arial"/>
-              <a:buChar char="•"/>
-            </a:pPr>
-            <a:r>
-              <a:rPr lang="en-US" sz="1800" dirty="0" smtClean="0"/>
-              <a:t>( break )</a:t>
-            </a:r>
-          </a:p>
-          <a:p>
-            <a:pPr marL="342900" indent="-342900" algn="l">
-              <a:buFont typeface="Arial"/>
-              <a:buChar char="•"/>
-            </a:pPr>
-            <a:r>
-              <a:rPr lang="en-US" sz="1800" dirty="0"/>
-              <a:t>Lab: Practical examples</a:t>
-            </a:r>
-          </a:p>
-          <a:p>
-            <a:pPr marL="342900" indent="-342900" algn="l">
-              <a:buFont typeface="Arial"/>
-              <a:buChar char="•"/>
-            </a:pPr>
-            <a:endParaRPr lang="en-US" sz="1800" dirty="0" smtClean="0"/>
           </a:p>
         </p:txBody>
       </p:sp>
     </p:spTree>
     <p:extLst>
       <p:ext uri="{BB962C8B-B14F-4D97-AF65-F5344CB8AC3E}">
-        <p14:creationId xmlns:p14="http://schemas.microsoft.com/office/powerpoint/2010/main" val="3464019895"/>
+        <p14:creationId xmlns:p14="http://schemas.microsoft.com/office/powerpoint/2010/main" val="3693108046"/>
       </p:ext>
     </p:extLst>
   </p:cSld>
@@ -6409,11 +7021,15 @@
           <a:bodyPr/>
           <a:lstStyle/>
           <a:p>
+            <a:pPr marL="342900" indent="-342900"/>
             <a:r>
               <a:rPr lang="en-US" dirty="0" smtClean="0"/>
-              <a:t>Get Started</a:t>
-            </a:r>
-            <a:endParaRPr lang="en-US" dirty="0"/>
+              <a:t>Testing </a:t>
+            </a:r>
+            <a:r>
+              <a:rPr lang="en-US" dirty="0"/>
+              <a:t>is not magic</a:t>
+            </a:r>
           </a:p>
         </p:txBody>
       </p:sp>
@@ -6439,65 +7055,53 @@
           </a:bodyPr>
           <a:lstStyle/>
           <a:p>
-            <a:pPr marL="342900" indent="-342900" algn="l">
-              <a:buFont typeface="Arial"/>
-              <a:buChar char="•"/>
-            </a:pPr>
-            <a:r>
-              <a:rPr lang="en-US" sz="2000" dirty="0" smtClean="0"/>
-              <a:t>Introductions &amp; icebreakers</a:t>
-            </a:r>
-          </a:p>
-          <a:p>
-            <a:pPr marL="342900" indent="-342900" algn="l">
-              <a:buFont typeface="Arial"/>
-              <a:buChar char="•"/>
-            </a:pPr>
-            <a:r>
-              <a:rPr lang="en-US" sz="2000" dirty="0"/>
-              <a:t>Course guidelines &amp; </a:t>
-            </a:r>
-            <a:r>
-              <a:rPr lang="en-US" sz="2000" dirty="0" smtClean="0"/>
-              <a:t>housekeeping</a:t>
-            </a:r>
-          </a:p>
-          <a:p>
-            <a:pPr marL="342900" indent="-342900" algn="l">
-              <a:buFont typeface="Arial"/>
-              <a:buChar char="•"/>
-            </a:pPr>
-            <a:r>
-              <a:rPr lang="en-US" sz="2000" dirty="0" smtClean="0"/>
-              <a:t>Session Objectives</a:t>
-            </a:r>
-          </a:p>
-          <a:p>
-            <a:pPr marL="800100" lvl="1" indent="-342900" algn="l">
-              <a:buFont typeface="Arial"/>
-              <a:buChar char="•"/>
-            </a:pPr>
-            <a:r>
-              <a:rPr lang="en-US" sz="1600" dirty="0" smtClean="0"/>
-              <a:t>Demonstrate understanding of best practices</a:t>
-            </a:r>
-          </a:p>
-          <a:p>
-            <a:pPr marL="800100" lvl="1" indent="-342900" algn="l">
-              <a:buFont typeface="Arial"/>
-              <a:buChar char="•"/>
-            </a:pPr>
-            <a:r>
-              <a:rPr lang="en-US" sz="1600" dirty="0" smtClean="0"/>
-              <a:t>Fluency writing tests &amp; automating them</a:t>
-            </a:r>
+            <a:pPr algn="l"/>
+            <a:r>
+              <a:rPr lang="en-US" sz="2800" dirty="0" smtClean="0"/>
+              <a:t>Testing…</a:t>
+            </a:r>
+          </a:p>
+          <a:p>
+            <a:pPr marL="342900" indent="-342900" algn="l">
+              <a:buFont typeface="Arial"/>
+              <a:buChar char="•"/>
+            </a:pPr>
+            <a:r>
+              <a:rPr lang="en-US" sz="2400" dirty="0" smtClean="0"/>
+              <a:t>will not solve </a:t>
+            </a:r>
+            <a:r>
+              <a:rPr lang="en-US" sz="2400" dirty="0" smtClean="0"/>
+              <a:t>any existing problems</a:t>
+            </a:r>
+          </a:p>
+          <a:p>
+            <a:pPr marL="342900" indent="-342900" algn="l">
+              <a:buFont typeface="Arial"/>
+              <a:buChar char="•"/>
+            </a:pPr>
+            <a:r>
+              <a:rPr lang="en-US" sz="2400" dirty="0" smtClean="0"/>
+              <a:t>may catch some bugs, but will never catch all of them</a:t>
+            </a:r>
+          </a:p>
+          <a:p>
+            <a:pPr marL="342900" indent="-342900" algn="l">
+              <a:buFont typeface="Arial"/>
+              <a:buChar char="•"/>
+            </a:pPr>
+            <a:r>
+              <a:rPr lang="en-US" sz="2400" dirty="0" smtClean="0"/>
+              <a:t>by itself, will not have significant impact on speed of delivery</a:t>
+            </a:r>
+            <a:endParaRPr lang="en-US" sz="2400" dirty="0" smtClean="0"/>
           </a:p>
         </p:txBody>
       </p:sp>
     </p:spTree>
     <p:extLst>
       <p:ext uri="{BB962C8B-B14F-4D97-AF65-F5344CB8AC3E}">
-        <p14:creationId xmlns:p14="http://schemas.microsoft.com/office/powerpoint/2010/main" val="3095697846"/>
+        <p14:creationId xmlns:p14="http://schemas.microsoft.com/office/powerpoint/2010/main" val="2677088427"/>
       </p:ext>
     </p:extLst>
   </p:cSld>
@@ -6543,7 +7147,7 @@
         </p:nvSpPr>
         <p:spPr>
           <a:xfrm>
-            <a:off x="685800" y="2541935"/>
+            <a:off x="685800" y="160685"/>
             <a:ext cx="7772400" cy="1470025"/>
           </a:xfrm>
         </p:spPr>
@@ -6551,18 +7155,114 @@
           <a:bodyPr/>
           <a:lstStyle/>
           <a:p>
+            <a:pPr marL="342900" indent="-342900"/>
             <a:r>
               <a:rPr lang="en-US" dirty="0" smtClean="0"/>
-              <a:t>Why Test?</a:t>
-            </a:r>
-            <a:endParaRPr lang="en-US" dirty="0"/>
+              <a:t>Testing </a:t>
+            </a:r>
+            <a:r>
+              <a:rPr lang="en-US" dirty="0"/>
+              <a:t>is not magic</a:t>
+            </a:r>
+          </a:p>
+        </p:txBody>
+      </p:sp>
+      <p:sp>
+        <p:nvSpPr>
+          <p:cNvPr id="3" name="Subtitle 2"/>
+          <p:cNvSpPr>
+            <a:spLocks noGrp="1"/>
+          </p:cNvSpPr>
+          <p:nvPr>
+            <p:ph type="subTitle" idx="1"/>
+          </p:nvPr>
+        </p:nvSpPr>
+        <p:spPr>
+          <a:xfrm>
+            <a:off x="454651" y="1630710"/>
+            <a:ext cx="8371875" cy="4609893"/>
+          </a:xfrm>
+        </p:spPr>
+        <p:txBody>
+          <a:bodyPr>
+            <a:normAutofit/>
+          </a:bodyPr>
+          <a:lstStyle/>
+          <a:p>
+            <a:pPr algn="l"/>
+            <a:r>
+              <a:rPr lang="en-US" sz="2800" dirty="0" smtClean="0"/>
+              <a:t>Catching bugs</a:t>
+            </a:r>
+          </a:p>
+          <a:p>
+            <a:pPr marL="342900" indent="-342900" algn="l">
+              <a:buFont typeface="Arial"/>
+              <a:buChar char="•"/>
+            </a:pPr>
+            <a:r>
+              <a:rPr lang="en-US" sz="2400" dirty="0" smtClean="0"/>
+              <a:t>Testing can prove correctness, but not completeness</a:t>
+            </a:r>
+          </a:p>
+          <a:p>
+            <a:pPr marL="342900" indent="-342900" algn="l">
+              <a:buFont typeface="Arial"/>
+              <a:buChar char="•"/>
+            </a:pPr>
+            <a:r>
+              <a:rPr lang="en-US" sz="2400" dirty="0" smtClean="0"/>
+              <a:t>Software has near infinite failure space</a:t>
+            </a:r>
+          </a:p>
+          <a:p>
+            <a:pPr marL="800100" lvl="1" indent="-342900" algn="l">
+              <a:buFont typeface="Arial"/>
+              <a:buChar char="•"/>
+            </a:pPr>
+            <a:r>
+              <a:rPr lang="en-US" sz="2000" dirty="0" smtClean="0"/>
+              <a:t>Browser / OS / library combinations</a:t>
+            </a:r>
+            <a:endParaRPr lang="en-US" sz="2000" dirty="0" smtClean="0"/>
+          </a:p>
+          <a:p>
+            <a:pPr marL="800100" lvl="1" indent="-342900" algn="l">
+              <a:buFont typeface="Arial"/>
+              <a:buChar char="•"/>
+            </a:pPr>
+            <a:r>
+              <a:rPr lang="en-US" sz="2000" dirty="0" smtClean="0"/>
+              <a:t>Execution environment: network, other programs</a:t>
+            </a:r>
+          </a:p>
+          <a:p>
+            <a:pPr marL="800100" lvl="1" indent="-342900" algn="l">
+              <a:buFont typeface="Arial"/>
+              <a:buChar char="•"/>
+            </a:pPr>
+            <a:r>
+              <a:rPr lang="en-US" sz="2000" dirty="0" smtClean="0"/>
+              <a:t>Unforeseen gaps in requirements</a:t>
+            </a:r>
+          </a:p>
+          <a:p>
+            <a:pPr marL="342900" indent="-342900" algn="l">
+              <a:buFont typeface="Arial"/>
+              <a:buChar char="•"/>
+            </a:pPr>
+            <a:r>
+              <a:rPr lang="en-US" sz="2400" dirty="0" smtClean="0"/>
+              <a:t>How can you write a test for a bug you don't know about?</a:t>
+            </a:r>
+            <a:endParaRPr lang="en-US" sz="2400" dirty="0" smtClean="0"/>
           </a:p>
         </p:txBody>
       </p:sp>
     </p:spTree>
     <p:extLst>
       <p:ext uri="{BB962C8B-B14F-4D97-AF65-F5344CB8AC3E}">
-        <p14:creationId xmlns:p14="http://schemas.microsoft.com/office/powerpoint/2010/main" val="3693108046"/>
+        <p14:creationId xmlns:p14="http://schemas.microsoft.com/office/powerpoint/2010/main" val="3743257004"/>
       </p:ext>
     </p:extLst>
   </p:cSld>
@@ -6616,11 +7316,15 @@
           <a:bodyPr/>
           <a:lstStyle/>
           <a:p>
+            <a:pPr marL="342900" indent="-342900"/>
             <a:r>
               <a:rPr lang="en-US" dirty="0" smtClean="0"/>
-              <a:t>Why Test?</a:t>
-            </a:r>
-            <a:endParaRPr lang="en-US" dirty="0"/>
+              <a:t>Testing </a:t>
+            </a:r>
+            <a:r>
+              <a:rPr lang="en-US" dirty="0"/>
+              <a:t>is not magic</a:t>
+            </a:r>
           </a:p>
         </p:txBody>
       </p:sp>
@@ -6646,31 +7350,59 @@
           </a:bodyPr>
           <a:lstStyle/>
           <a:p>
-            <a:endParaRPr lang="en-US" sz="2000" dirty="0"/>
-          </a:p>
-          <a:p>
-            <a:r>
-              <a:rPr lang="en-US" sz="2000" dirty="0"/>
-              <a:t>“Software testing alone has limited </a:t>
-            </a:r>
-            <a:r>
-              <a:rPr lang="en-US" sz="2000" dirty="0" smtClean="0"/>
-              <a:t>effectiveness [in catching bugs] </a:t>
-            </a:r>
-            <a:r>
-              <a:rPr lang="en-US" sz="2000" dirty="0"/>
-              <a:t>- the average defect detection rate is only 25 percent for unit testing, 35 percent for function testing, and 45 percent for integration testing. In contrast, the average effectiveness of design and code inspections are 55 and 60 percent.” - McConnell, Code Complete</a:t>
-            </a:r>
-          </a:p>
-          <a:p>
-            <a:endParaRPr lang="en-US" sz="2000" dirty="0" smtClean="0"/>
+            <a:pPr algn="l"/>
+            <a:r>
+              <a:rPr lang="en-US" sz="2800" dirty="0" smtClean="0"/>
+              <a:t>Existing problems</a:t>
+            </a:r>
+          </a:p>
+          <a:p>
+            <a:pPr marL="342900" indent="-342900" algn="l">
+              <a:buFont typeface="Arial"/>
+              <a:buChar char="•"/>
+            </a:pPr>
+            <a:r>
+              <a:rPr lang="en-US" sz="2400" dirty="0" smtClean="0"/>
+              <a:t>There's that one part of code no one wants to touch</a:t>
+            </a:r>
+          </a:p>
+          <a:p>
+            <a:pPr marL="342900" indent="-342900" algn="l">
+              <a:buFont typeface="Arial"/>
+              <a:buChar char="•"/>
+            </a:pPr>
+            <a:r>
+              <a:rPr lang="en-US" sz="2400" dirty="0" smtClean="0"/>
+              <a:t>"All our problems seem to come from module X"</a:t>
+            </a:r>
+          </a:p>
+          <a:p>
+            <a:pPr marL="342900" indent="-342900" algn="l">
+              <a:buFont typeface="Arial"/>
+              <a:buChar char="•"/>
+            </a:pPr>
+            <a:r>
+              <a:rPr lang="en-US" sz="2400" dirty="0" smtClean="0"/>
+              <a:t>Testing will only document and confirm that assessment</a:t>
+            </a:r>
+          </a:p>
+          <a:p>
+            <a:pPr marL="342900" indent="-342900" algn="l">
+              <a:buFont typeface="Arial"/>
+              <a:buChar char="•"/>
+            </a:pPr>
+            <a:r>
+              <a:rPr lang="en-US" sz="2400" dirty="0" smtClean="0"/>
+              <a:t>Tests written against fragile code are themselves fragile</a:t>
+            </a:r>
+            <a:endParaRPr lang="en-US" sz="2400" dirty="0" smtClean="0"/>
           </a:p>
         </p:txBody>
       </p:sp>
     </p:spTree>
     <p:extLst>
       <p:ext uri="{BB962C8B-B14F-4D97-AF65-F5344CB8AC3E}">
-        <p14:creationId xmlns:p14="http://schemas.microsoft.com/office/powerpoint/2010/main" val="2677088427"/>
+        <p14:creationId xmlns:p14="http://schemas.microsoft.com/office/powerpoint/2010/main" val="3056913341"/>
       </p:ext>
     </p:extLst>
   </p:cSld>
@@ -6724,11 +7456,15 @@
           <a:bodyPr/>
           <a:lstStyle/>
           <a:p>
+            <a:pPr marL="342900" indent="-342900"/>
             <a:r>
               <a:rPr lang="en-US" dirty="0" smtClean="0"/>
-              <a:t>Why Test?</a:t>
-            </a:r>
-            <a:endParaRPr lang="en-US" dirty="0"/>
+              <a:t>Testing </a:t>
+            </a:r>
+            <a:r>
+              <a:rPr lang="en-US" dirty="0"/>
+              <a:t>is not magic</a:t>
+            </a:r>
           </a:p>
         </p:txBody>
       </p:sp>
@@ -6754,91 +7490,77 @@
           </a:bodyPr>
           <a:lstStyle/>
           <a:p>
-            <a:pPr marL="342900" indent="-342900" algn="l">
-              <a:buFont typeface="Arial"/>
-              <a:buChar char="•"/>
-            </a:pPr>
-            <a:r>
-              <a:rPr lang="en-US" sz="2000" dirty="0" smtClean="0"/>
-              <a:t>Catching bugs is one of many testing benefits</a:t>
-            </a:r>
-          </a:p>
-          <a:p>
-            <a:pPr marL="342900" indent="-342900" algn="l">
-              <a:buFont typeface="Arial"/>
-              <a:buChar char="•"/>
-            </a:pPr>
-            <a:r>
-              <a:rPr lang="en-US" sz="2000" dirty="0" smtClean="0"/>
-              <a:t>But tests will not catch all bugs</a:t>
-            </a:r>
-          </a:p>
-          <a:p>
-            <a:pPr marL="342900" indent="-342900" algn="l">
-              <a:buFont typeface="Arial"/>
-              <a:buChar char="•"/>
-            </a:pPr>
-            <a:r>
-              <a:rPr lang="en-US" sz="2000" dirty="0" smtClean="0"/>
-              <a:t>Verifying "correctness" is like proving a negative</a:t>
-            </a:r>
-          </a:p>
-          <a:p>
-            <a:pPr marL="342900" indent="-342900" algn="l">
-              <a:buFont typeface="Arial"/>
-              <a:buChar char="•"/>
-            </a:pPr>
-            <a:r>
-              <a:rPr lang="en-US" sz="2000" dirty="0" smtClean="0"/>
-              <a:t>How can you write tests for bugs you don't yet know about?</a:t>
-            </a:r>
-          </a:p>
-          <a:p>
-            <a:pPr marL="342900" indent="-342900" algn="l">
-              <a:buFont typeface="Arial"/>
-              <a:buChar char="•"/>
-            </a:pPr>
-            <a:r>
-              <a:rPr lang="en-US" sz="2000" dirty="0" smtClean="0"/>
-              <a:t>Testing promotes confidence in deployment and refactoring</a:t>
-            </a:r>
-          </a:p>
-          <a:p>
-            <a:pPr marL="342900" indent="-342900" algn="l">
-              <a:buFont typeface="Arial"/>
-              <a:buChar char="•"/>
-            </a:pPr>
-            <a:r>
-              <a:rPr lang="en-US" sz="2000" dirty="0" smtClean="0"/>
-              <a:t>Frequent refactoring and deployment promotes quality code</a:t>
-            </a:r>
-          </a:p>
-          <a:p>
-            <a:pPr marL="342900" indent="-342900" algn="l">
-              <a:buFont typeface="Arial"/>
-              <a:buChar char="•"/>
-            </a:pPr>
-            <a:r>
-              <a:rPr lang="en-US" sz="2000" dirty="0" smtClean="0"/>
-              <a:t>Hawthorne effect: thinking about testing results in better code</a:t>
-            </a:r>
-          </a:p>
-          <a:p>
-            <a:pPr marL="342900" indent="-342900" algn="l">
-              <a:buFont typeface="Arial"/>
-              <a:buChar char="•"/>
-            </a:pPr>
-            <a:r>
-              <a:rPr lang="en-US" sz="2000" dirty="0" smtClean="0"/>
-              <a:t>Alert you to non-obvious connections at development time</a:t>
-            </a:r>
+            <a:pPr algn="l"/>
+            <a:r>
+              <a:rPr lang="en-US" sz="2800" dirty="0" smtClean="0"/>
+              <a:t>Speed of delivery</a:t>
+            </a:r>
+          </a:p>
+          <a:p>
+            <a:pPr marL="342900" indent="-342900" algn="l">
+              <a:buFont typeface="Arial"/>
+              <a:buChar char="•"/>
+            </a:pPr>
+            <a:r>
+              <a:rPr lang="en-US" sz="2400" dirty="0" smtClean="0"/>
+              <a:t>Solid codebases follow best practices</a:t>
+            </a:r>
+          </a:p>
+          <a:p>
+            <a:pPr marL="342900" indent="-342900" algn="l">
+              <a:buFont typeface="Arial"/>
+              <a:buChar char="•"/>
+            </a:pPr>
+            <a:r>
+              <a:rPr lang="en-US" sz="2400" dirty="0"/>
+              <a:t>Solid codebases can easily support new </a:t>
+            </a:r>
+            <a:r>
+              <a:rPr lang="en-US" sz="2400" dirty="0" smtClean="0"/>
+              <a:t>features</a:t>
+            </a:r>
+          </a:p>
+          <a:p>
+            <a:pPr marL="342900" indent="-342900" algn="l">
+              <a:buFont typeface="Arial"/>
+              <a:buChar char="•"/>
+            </a:pPr>
+            <a:r>
+              <a:rPr lang="en-US" sz="2400" dirty="0" smtClean="0"/>
+              <a:t>Testing is </a:t>
+            </a:r>
+            <a:r>
+              <a:rPr lang="en-US" sz="2400" dirty="0" smtClean="0"/>
+              <a:t>one of many </a:t>
+            </a:r>
+            <a:r>
+              <a:rPr lang="en-US" sz="2400" dirty="0" smtClean="0"/>
+              <a:t>best practices</a:t>
+            </a:r>
+          </a:p>
+          <a:p>
+            <a:pPr marL="342900" indent="-342900" algn="l">
+              <a:buFont typeface="Arial"/>
+              <a:buChar char="•"/>
+            </a:pPr>
+            <a:r>
+              <a:rPr lang="en-US" sz="2400" dirty="0" smtClean="0"/>
+              <a:t>Adding testing to a fragile codebase does not make it solid</a:t>
+            </a:r>
+          </a:p>
+          <a:p>
+            <a:pPr marL="342900" indent="-342900" algn="l">
+              <a:buFont typeface="Arial"/>
+              <a:buChar char="•"/>
+            </a:pPr>
+            <a:endParaRPr lang="en-US" sz="2400" dirty="0" smtClean="0"/>
           </a:p>
         </p:txBody>
       </p:sp>
     </p:spTree>
     <p:extLst>
       <p:ext uri="{BB962C8B-B14F-4D97-AF65-F5344CB8AC3E}">
-        <p14:creationId xmlns:p14="http://schemas.microsoft.com/office/powerpoint/2010/main" val="463238647"/>
+        <p14:creationId xmlns:p14="http://schemas.microsoft.com/office/powerpoint/2010/main" val="3102764019"/>
       </p:ext>
     </p:extLst>
   </p:cSld>
@@ -6892,11 +7614,15 @@
           <a:bodyPr/>
           <a:lstStyle/>
           <a:p>
+            <a:pPr marL="342900" indent="-342900"/>
             <a:r>
               <a:rPr lang="en-US" dirty="0" smtClean="0"/>
-              <a:t>Why Test?</a:t>
-            </a:r>
-            <a:endParaRPr lang="en-US" dirty="0"/>
+              <a:t>Testing </a:t>
+            </a:r>
+            <a:r>
+              <a:rPr lang="en-US" dirty="0"/>
+              <a:t>is not magic</a:t>
+            </a:r>
           </a:p>
         </p:txBody>
       </p:sp>
@@ -6924,110 +7650,39 @@
           <a:p>
             <a:pPr algn="l"/>
             <a:r>
-              <a:rPr lang="en-US" sz="2000" dirty="0" smtClean="0"/>
-              <a:t>Software Quality Assurance includes…</a:t>
-            </a:r>
-          </a:p>
-          <a:p>
-            <a:pPr marL="342900" indent="-342900" algn="l">
-              <a:buFont typeface="Arial"/>
-              <a:buChar char="•"/>
-            </a:pPr>
-            <a:r>
-              <a:rPr lang="en-US" sz="2000" dirty="0" smtClean="0"/>
-              <a:t>Style guide &amp; linter</a:t>
-            </a:r>
-          </a:p>
-          <a:p>
-            <a:pPr marL="342900" indent="-342900" algn="l">
-              <a:buFont typeface="Arial"/>
-              <a:buChar char="•"/>
-            </a:pPr>
-            <a:r>
-              <a:rPr lang="en-US" sz="2000" dirty="0" smtClean="0"/>
-              <a:t>Version </a:t>
-            </a:r>
-            <a:r>
-              <a:rPr lang="en-US" sz="2000" dirty="0"/>
-              <a:t>control</a:t>
-            </a:r>
-          </a:p>
-          <a:p>
-            <a:pPr marL="342900" indent="-342900" algn="l">
-              <a:buFont typeface="Arial"/>
-              <a:buChar char="•"/>
-            </a:pPr>
-            <a:r>
-              <a:rPr lang="en-US" sz="2000" dirty="0" smtClean="0"/>
-              <a:t>Automated testing</a:t>
-            </a:r>
-          </a:p>
-          <a:p>
-            <a:pPr marL="342900" indent="-342900" algn="l">
-              <a:buFont typeface="Arial"/>
-              <a:buChar char="•"/>
-            </a:pPr>
-            <a:r>
-              <a:rPr lang="en-US" sz="2000" dirty="0" smtClean="0"/>
-              <a:t>Manual testing</a:t>
-            </a:r>
-          </a:p>
-          <a:p>
-            <a:pPr marL="342900" indent="-342900" algn="l">
-              <a:buFont typeface="Arial"/>
-              <a:buChar char="•"/>
-            </a:pPr>
-            <a:r>
-              <a:rPr lang="en-US" sz="2000" dirty="0" smtClean="0"/>
-              <a:t>Code reviews</a:t>
-            </a:r>
-          </a:p>
-          <a:p>
-            <a:pPr marL="342900" indent="-342900" algn="l">
-              <a:buFont typeface="Arial"/>
-              <a:buChar char="•"/>
-            </a:pPr>
-            <a:r>
-              <a:rPr lang="en-US" sz="2000" dirty="0" smtClean="0"/>
-              <a:t>Architecture</a:t>
-            </a:r>
-          </a:p>
-          <a:p>
-            <a:pPr marL="342900" indent="-342900" algn="l">
-              <a:buFont typeface="Arial"/>
-              <a:buChar char="•"/>
-            </a:pPr>
-            <a:r>
-              <a:rPr lang="en-US" sz="2000" dirty="0" smtClean="0"/>
-              <a:t>Configuration management</a:t>
-            </a:r>
-          </a:p>
-          <a:p>
-            <a:pPr marL="342900" indent="-342900" algn="l">
-              <a:buFont typeface="Arial"/>
-              <a:buChar char="•"/>
-            </a:pPr>
-            <a:r>
-              <a:rPr lang="en-US" sz="2000" dirty="0" smtClean="0"/>
-              <a:t>Release management</a:t>
-            </a:r>
-          </a:p>
-          <a:p>
-            <a:pPr marL="342900" indent="-342900" algn="l">
-              <a:buFont typeface="Arial"/>
-              <a:buChar char="•"/>
-            </a:pPr>
-            <a:r>
-              <a:rPr lang="en-US" sz="2000" dirty="0" smtClean="0"/>
-              <a:t>Goals, plans &amp; metrics</a:t>
-            </a:r>
+              <a:rPr lang="en-US" sz="2800" dirty="0" smtClean="0"/>
+              <a:t>Catching bugs</a:t>
+            </a:r>
+            <a:endParaRPr lang="en-US" sz="2800" dirty="0"/>
+          </a:p>
+          <a:p>
+            <a:r>
+              <a:rPr lang="en-US" sz="2400" dirty="0"/>
+              <a:t>“Software testing alone has limited effectiveness [in catching bugs] - the average defect detection rate is only 25 percent for unit testing, 35 percent for function testing, and 45 percent for integration testing. In contrast, the average effectiveness of design and code inspections are 55 and 60 percent.” </a:t>
+            </a:r>
+            <a:endParaRPr lang="en-US" sz="2400" dirty="0" smtClean="0"/>
+          </a:p>
+          <a:p>
+            <a:r>
+              <a:rPr lang="en-US" sz="2400" dirty="0" smtClean="0"/>
+              <a:t>- </a:t>
+            </a:r>
+            <a:r>
+              <a:rPr lang="en-US" sz="2400" dirty="0"/>
+              <a:t>McConnell, Code </a:t>
+            </a:r>
+            <a:r>
+              <a:rPr lang="en-US" sz="2400" dirty="0" smtClean="0"/>
+              <a:t>Complete</a:t>
+            </a:r>
+            <a:endParaRPr lang="en-US" sz="2400" dirty="0"/>
           </a:p>
         </p:txBody>
       </p:sp>
     </p:spTree>
     <p:extLst>
       <p:ext uri="{BB962C8B-B14F-4D97-AF65-F5344CB8AC3E}">
-        <p14:creationId xmlns:p14="http://schemas.microsoft.com/office/powerpoint/2010/main" val="2277485757"/>
+        <p14:creationId xmlns:p14="http://schemas.microsoft.com/office/powerpoint/2010/main" val="3687860636"/>
       </p:ext>
     </p:extLst>
   </p:cSld>
@@ -7073,7 +7728,7 @@
         </p:nvSpPr>
         <p:spPr>
           <a:xfrm>
-            <a:off x="685800" y="160685"/>
+            <a:off x="685800" y="2541935"/>
             <a:ext cx="7772400" cy="1470025"/>
           </a:xfrm>
         </p:spPr>
@@ -7083,102 +7738,28 @@
           <a:p>
             <a:r>
               <a:rPr lang="en-US" dirty="0" smtClean="0"/>
-              <a:t>Why </a:t>
-            </a:r>
-            <a:r>
-              <a:rPr lang="en-US" i="1" dirty="0" smtClean="0"/>
-              <a:t>not</a:t>
+              <a:t>So, why </a:t>
+            </a:r>
+            <a:r>
+              <a:rPr lang="en-US" dirty="0"/>
+              <a:t>t</a:t>
             </a:r>
             <a:r>
               <a:rPr lang="en-US" dirty="0" smtClean="0"/>
-              <a:t> Test?</a:t>
+              <a:t>est</a:t>
+            </a:r>
+            <a:r>
+              <a:rPr lang="en-US" dirty="0" smtClean="0"/>
+              <a:t>?</a:t>
             </a:r>
             <a:endParaRPr lang="en-US" dirty="0"/>
-          </a:p>
-        </p:txBody>
-      </p:sp>
-      <p:sp>
-        <p:nvSpPr>
-          <p:cNvPr id="3" name="Subtitle 2"/>
-          <p:cNvSpPr>
-            <a:spLocks noGrp="1"/>
-          </p:cNvSpPr>
-          <p:nvPr>
-            <p:ph type="subTitle" idx="1"/>
-          </p:nvPr>
-        </p:nvSpPr>
-        <p:spPr>
-          <a:xfrm>
-            <a:off x="454651" y="1630710"/>
-            <a:ext cx="8371875" cy="4609893"/>
-          </a:xfrm>
-        </p:spPr>
-        <p:txBody>
-          <a:bodyPr>
-            <a:normAutofit/>
-          </a:bodyPr>
-          <a:lstStyle/>
-          <a:p>
-            <a:pPr algn="l"/>
-            <a:r>
-              <a:rPr lang="en-US" sz="2000" dirty="0" smtClean="0"/>
-              <a:t>Common obstacles:</a:t>
-            </a:r>
-          </a:p>
-          <a:p>
-            <a:pPr marL="342900" indent="-342900" algn="l">
-              <a:buFont typeface="Arial"/>
-              <a:buChar char="•"/>
-            </a:pPr>
-            <a:r>
-              <a:rPr lang="en-US" sz="2000" dirty="0" smtClean="0"/>
-              <a:t>"Writing tests means less time for features."</a:t>
-            </a:r>
-          </a:p>
-          <a:p>
-            <a:pPr marL="342900" indent="-342900" algn="l">
-              <a:buFont typeface="Arial"/>
-              <a:buChar char="•"/>
-            </a:pPr>
-            <a:r>
-              <a:rPr lang="en-US" sz="2000" dirty="0" smtClean="0"/>
-              <a:t>"We already manually test and it works fine."</a:t>
-            </a:r>
-          </a:p>
-          <a:p>
-            <a:pPr marL="342900" indent="-342900" algn="l">
-              <a:buFont typeface="Arial"/>
-              <a:buChar char="•"/>
-            </a:pPr>
-            <a:r>
-              <a:rPr lang="en-US" sz="2000" dirty="0" smtClean="0"/>
-              <a:t>"Testing seems ideological and </a:t>
-            </a:r>
-            <a:r>
-              <a:rPr lang="en-US" sz="2000" dirty="0" err="1" smtClean="0"/>
-              <a:t>buzzwordy</a:t>
-            </a:r>
-            <a:r>
-              <a:rPr lang="en-US" sz="2000" dirty="0" smtClean="0"/>
-              <a:t>."</a:t>
-            </a:r>
-          </a:p>
-          <a:p>
-            <a:pPr marL="342900" indent="-342900" algn="l">
-              <a:buFont typeface="Arial"/>
-              <a:buChar char="•"/>
-            </a:pPr>
-            <a:r>
-              <a:rPr lang="en-US" sz="2000" dirty="0" smtClean="0"/>
-              <a:t>"Automated testing seems hard."</a:t>
-            </a:r>
           </a:p>
         </p:txBody>
       </p:sp>
     </p:spTree>
     <p:extLst>
       <p:ext uri="{BB962C8B-B14F-4D97-AF65-F5344CB8AC3E}">
-        <p14:creationId xmlns:p14="http://schemas.microsoft.com/office/powerpoint/2010/main" val="176992089"/>
+        <p14:creationId xmlns:p14="http://schemas.microsoft.com/office/powerpoint/2010/main" val="3679943019"/>
       </p:ext>
     </p:extLst>
   </p:cSld>
